--- a/Concep/MachineEtat.pptx
+++ b/Concep/MachineEtat.pptx
@@ -6,7 +6,7 @@
   </p:sldMasterIdLst>
   <p:sldIdLst>
     <p:sldId id="256" r:id="rId2"/>
-    <p:sldId id="258" r:id="rId3"/>
+    <p:sldId id="260" r:id="rId3"/>
     <p:sldId id="259" r:id="rId4"/>
   </p:sldIdLst>
   <p:sldSz cx="12192000" cy="6858000"/>
@@ -261,7 +261,7 @@
           <a:p>
             <a:fld id="{F4A82166-679B-4DCA-B2EB-D3A018EE558C}" type="datetimeFigureOut">
               <a:rPr lang="fr-FR" smtClean="0"/>
-              <a:t>20/11/2019</a:t>
+              <a:t>21/11/2019</a:t>
             </a:fld>
             <a:endParaRPr lang="fr-FR"/>
           </a:p>
@@ -459,7 +459,7 @@
           <a:p>
             <a:fld id="{F4A82166-679B-4DCA-B2EB-D3A018EE558C}" type="datetimeFigureOut">
               <a:rPr lang="fr-FR" smtClean="0"/>
-              <a:t>20/11/2019</a:t>
+              <a:t>21/11/2019</a:t>
             </a:fld>
             <a:endParaRPr lang="fr-FR"/>
           </a:p>
@@ -667,7 +667,7 @@
           <a:p>
             <a:fld id="{F4A82166-679B-4DCA-B2EB-D3A018EE558C}" type="datetimeFigureOut">
               <a:rPr lang="fr-FR" smtClean="0"/>
-              <a:t>20/11/2019</a:t>
+              <a:t>21/11/2019</a:t>
             </a:fld>
             <a:endParaRPr lang="fr-FR"/>
           </a:p>
@@ -865,7 +865,7 @@
           <a:p>
             <a:fld id="{F4A82166-679B-4DCA-B2EB-D3A018EE558C}" type="datetimeFigureOut">
               <a:rPr lang="fr-FR" smtClean="0"/>
-              <a:t>20/11/2019</a:t>
+              <a:t>21/11/2019</a:t>
             </a:fld>
             <a:endParaRPr lang="fr-FR"/>
           </a:p>
@@ -1140,7 +1140,7 @@
           <a:p>
             <a:fld id="{F4A82166-679B-4DCA-B2EB-D3A018EE558C}" type="datetimeFigureOut">
               <a:rPr lang="fr-FR" smtClean="0"/>
-              <a:t>20/11/2019</a:t>
+              <a:t>21/11/2019</a:t>
             </a:fld>
             <a:endParaRPr lang="fr-FR"/>
           </a:p>
@@ -1405,7 +1405,7 @@
           <a:p>
             <a:fld id="{F4A82166-679B-4DCA-B2EB-D3A018EE558C}" type="datetimeFigureOut">
               <a:rPr lang="fr-FR" smtClean="0"/>
-              <a:t>20/11/2019</a:t>
+              <a:t>21/11/2019</a:t>
             </a:fld>
             <a:endParaRPr lang="fr-FR"/>
           </a:p>
@@ -1817,7 +1817,7 @@
           <a:p>
             <a:fld id="{F4A82166-679B-4DCA-B2EB-D3A018EE558C}" type="datetimeFigureOut">
               <a:rPr lang="fr-FR" smtClean="0"/>
-              <a:t>20/11/2019</a:t>
+              <a:t>21/11/2019</a:t>
             </a:fld>
             <a:endParaRPr lang="fr-FR"/>
           </a:p>
@@ -1958,7 +1958,7 @@
           <a:p>
             <a:fld id="{F4A82166-679B-4DCA-B2EB-D3A018EE558C}" type="datetimeFigureOut">
               <a:rPr lang="fr-FR" smtClean="0"/>
-              <a:t>20/11/2019</a:t>
+              <a:t>21/11/2019</a:t>
             </a:fld>
             <a:endParaRPr lang="fr-FR"/>
           </a:p>
@@ -2071,7 +2071,7 @@
           <a:p>
             <a:fld id="{F4A82166-679B-4DCA-B2EB-D3A018EE558C}" type="datetimeFigureOut">
               <a:rPr lang="fr-FR" smtClean="0"/>
-              <a:t>20/11/2019</a:t>
+              <a:t>21/11/2019</a:t>
             </a:fld>
             <a:endParaRPr lang="fr-FR"/>
           </a:p>
@@ -2382,7 +2382,7 @@
           <a:p>
             <a:fld id="{F4A82166-679B-4DCA-B2EB-D3A018EE558C}" type="datetimeFigureOut">
               <a:rPr lang="fr-FR" smtClean="0"/>
-              <a:t>20/11/2019</a:t>
+              <a:t>21/11/2019</a:t>
             </a:fld>
             <a:endParaRPr lang="fr-FR"/>
           </a:p>
@@ -2670,7 +2670,7 @@
           <a:p>
             <a:fld id="{F4A82166-679B-4DCA-B2EB-D3A018EE558C}" type="datetimeFigureOut">
               <a:rPr lang="fr-FR" smtClean="0"/>
-              <a:t>20/11/2019</a:t>
+              <a:t>21/11/2019</a:t>
             </a:fld>
             <a:endParaRPr lang="fr-FR"/>
           </a:p>
@@ -2911,7 +2911,7 @@
           <a:p>
             <a:fld id="{F4A82166-679B-4DCA-B2EB-D3A018EE558C}" type="datetimeFigureOut">
               <a:rPr lang="fr-FR" smtClean="0"/>
-              <a:t>20/11/2019</a:t>
+              <a:t>21/11/2019</a:t>
             </a:fld>
             <a:endParaRPr lang="fr-FR"/>
           </a:p>
@@ -3377,7 +3377,7 @@
         </p:nvSpPr>
         <p:spPr>
           <a:xfrm>
-            <a:off x="1131217" y="2799761"/>
+            <a:off x="1414021" y="2029932"/>
             <a:ext cx="622168" cy="509047"/>
           </a:xfrm>
           <a:prstGeom prst="ellipse">
@@ -3425,7 +3425,7 @@
         </p:nvSpPr>
         <p:spPr>
           <a:xfrm>
-            <a:off x="2898832" y="1754228"/>
+            <a:off x="3521000" y="2029932"/>
             <a:ext cx="622168" cy="509047"/>
           </a:xfrm>
           <a:prstGeom prst="ellipse">
@@ -3473,7 +3473,7 @@
         </p:nvSpPr>
         <p:spPr>
           <a:xfrm>
-            <a:off x="612742" y="2903455"/>
+            <a:off x="895546" y="2133626"/>
             <a:ext cx="490193" cy="301658"/>
           </a:xfrm>
           <a:prstGeom prst="rightArrow">
@@ -3517,7 +3517,7 @@
         </p:nvSpPr>
         <p:spPr>
           <a:xfrm>
-            <a:off x="3209916" y="3751867"/>
+            <a:off x="5627979" y="2029931"/>
             <a:ext cx="622168" cy="509047"/>
           </a:xfrm>
           <a:prstGeom prst="ellipse">
@@ -3565,8 +3565,8 @@
         </p:nvSpPr>
         <p:spPr>
           <a:xfrm>
-            <a:off x="8671001" y="778504"/>
-            <a:ext cx="3367028" cy="3416320"/>
+            <a:off x="8513404" y="466019"/>
+            <a:ext cx="3367028" cy="5632311"/>
           </a:xfrm>
           <a:prstGeom prst="rect">
             <a:avLst/>
@@ -3594,8 +3594,25 @@
           <a:p>
             <a:r>
               <a:rPr lang="fr-FR" dirty="0"/>
-              <a:t>E1 : Attente Forme ou Couleur</a:t>
-            </a:r>
+              <a:t>E1 : En cours de création</a:t>
+            </a:r>
+            <a:endParaRPr lang="fr-FR" u="sng" dirty="0"/>
+          </a:p>
+          <a:p>
+            <a:r>
+              <a:rPr lang="fr-FR" dirty="0"/>
+              <a:t>E2 : Attente clic validation</a:t>
+            </a:r>
+            <a:endParaRPr lang="fr-FR" u="sng" dirty="0"/>
+          </a:p>
+          <a:p>
+            <a:r>
+              <a:rPr lang="fr-FR" dirty="0"/>
+              <a:t>E3 : Attente parole validation</a:t>
+            </a:r>
+            <a:endParaRPr lang="fr-FR" u="sng" dirty="0"/>
+          </a:p>
+          <a:p>
             <a:endParaRPr lang="fr-FR" u="sng" dirty="0"/>
           </a:p>
           <a:p>
@@ -3610,23 +3627,25 @@
           <a:p>
             <a:r>
               <a:rPr lang="fr-FR" dirty="0"/>
-              <a:t>Ev1 : Annoncer Action</a:t>
-            </a:r>
-            <a:endParaRPr lang="fr-FR" u="sng" dirty="0"/>
+              <a:t>Ev1 : 1$</a:t>
+            </a:r>
           </a:p>
           <a:p>
             <a:r>
               <a:rPr lang="fr-FR" dirty="0"/>
-              <a:t>Ev2 : Annoncer Forme</a:t>
-            </a:r>
-            <a:endParaRPr lang="fr-FR" u="sng" dirty="0"/>
+              <a:t>Ev2 : </a:t>
+            </a:r>
+            <a:r>
+              <a:rPr lang="fr-FR" dirty="0" err="1"/>
+              <a:t>sra</a:t>
+            </a:r>
+            <a:endParaRPr lang="fr-FR" dirty="0"/>
           </a:p>
           <a:p>
             <a:r>
               <a:rPr lang="fr-FR" dirty="0"/>
-              <a:t>Ev3 : Annoncer Couleur</a:t>
-            </a:r>
-            <a:endParaRPr lang="fr-FR" u="sng" dirty="0"/>
+              <a:t>Ev3 : Palette</a:t>
+            </a:r>
           </a:p>
           <a:p>
             <a:endParaRPr lang="fr-FR" u="sng" dirty="0"/>
@@ -3643,46 +3662,103 @@
           <a:p>
             <a:r>
               <a:rPr lang="fr-FR" dirty="0"/>
-              <a:t>A1 :</a:t>
+              <a:t>A1 : Dessiner Rectangle</a:t>
+            </a:r>
+            <a:endParaRPr lang="fr-FR" u="sng" dirty="0"/>
+          </a:p>
+          <a:p>
+            <a:r>
+              <a:rPr lang="fr-FR" dirty="0"/>
+              <a:t>A2 : Dessiner Ellipse</a:t>
+            </a:r>
+          </a:p>
+          <a:p>
+            <a:endParaRPr lang="fr-FR" u="sng" dirty="0"/>
+          </a:p>
+          <a:p>
+            <a:r>
+              <a:rPr lang="fr-FR" dirty="0"/>
+              <a:t>A3 : Annoncer Couleur</a:t>
+            </a:r>
+            <a:endParaRPr lang="fr-FR" u="sng" dirty="0"/>
+          </a:p>
+          <a:p>
+            <a:r>
+              <a:rPr lang="fr-FR" dirty="0"/>
+              <a:t>A4 : Annoncer Forme</a:t>
+            </a:r>
+          </a:p>
+          <a:p>
+            <a:endParaRPr lang="fr-FR" dirty="0"/>
+          </a:p>
+        </p:txBody>
+      </p:sp>
+      <p:sp>
+        <p:nvSpPr>
+          <p:cNvPr id="11" name="ZoneTexte 10">
+            <a:extLst>
+              <a:ext uri="{FF2B5EF4-FFF2-40B4-BE49-F238E27FC236}">
+                <a16:creationId xmlns:a16="http://schemas.microsoft.com/office/drawing/2014/main" id="{3DC66447-6B02-407B-890D-E2B615FF665F}"/>
+              </a:ext>
+            </a:extLst>
+          </p:cNvPr>
+          <p:cNvSpPr txBox="1"/>
+          <p:nvPr/>
+        </p:nvSpPr>
+        <p:spPr>
+          <a:xfrm>
+            <a:off x="12671469" y="984399"/>
+            <a:ext cx="512704" cy="369332"/>
+          </a:xfrm>
+          <a:prstGeom prst="rect">
+            <a:avLst/>
+          </a:prstGeom>
+          <a:noFill/>
+        </p:spPr>
+        <p:txBody>
+          <a:bodyPr wrap="none" rtlCol="0">
+            <a:spAutoFit/>
+          </a:bodyPr>
+          <a:lstStyle/>
+          <a:p>
+            <a:r>
+              <a:rPr lang="fr-FR" dirty="0"/>
+              <a:t>Ev3</a:t>
             </a:r>
           </a:p>
         </p:txBody>
       </p:sp>
       <p:cxnSp>
         <p:nvCxnSpPr>
-          <p:cNvPr id="12" name="Connecteur droit avec flèche 11">
-            <a:extLst>
-              <a:ext uri="{FF2B5EF4-FFF2-40B4-BE49-F238E27FC236}">
-                <a16:creationId xmlns:a16="http://schemas.microsoft.com/office/drawing/2014/main" id="{8BACE0D3-1DD5-472D-ACE3-8BE20BE3CF90}"/>
+          <p:cNvPr id="13" name="Connecteur droit 12">
+            <a:extLst>
+              <a:ext uri="{FF2B5EF4-FFF2-40B4-BE49-F238E27FC236}">
+                <a16:creationId xmlns:a16="http://schemas.microsoft.com/office/drawing/2014/main" id="{1A686DDC-314D-4AF2-9B61-CA617B6D229D}"/>
               </a:ext>
             </a:extLst>
           </p:cNvPr>
           <p:cNvCxnSpPr>
-            <a:stCxn id="5" idx="7"/>
-            <a:endCxn id="6" idx="3"/>
+            <a:cxnSpLocks/>
           </p:cNvCxnSpPr>
           <p:nvPr/>
         </p:nvCxnSpPr>
         <p:spPr>
-          <a:xfrm flipV="1">
-            <a:off x="1662271" y="2188727"/>
-            <a:ext cx="1327675" cy="685582"/>
-          </a:xfrm>
-          <a:prstGeom prst="straightConnector1">
+          <a:xfrm>
+            <a:off x="12525726" y="1417185"/>
+            <a:ext cx="658447" cy="0"/>
+          </a:xfrm>
+          <a:prstGeom prst="line">
             <a:avLst/>
           </a:prstGeom>
-          <a:ln>
-            <a:tailEnd type="triangle"/>
-          </a:ln>
         </p:spPr>
         <p:style>
-          <a:lnRef idx="3">
+          <a:lnRef idx="2">
             <a:schemeClr val="dk1"/>
           </a:lnRef>
           <a:fillRef idx="0">
             <a:schemeClr val="dk1"/>
           </a:fillRef>
-          <a:effectRef idx="2">
+          <a:effectRef idx="1">
             <a:schemeClr val="dk1"/>
           </a:effectRef>
           <a:fontRef idx="minor">
@@ -3690,6 +3766,500 @@
           </a:fontRef>
         </p:style>
       </p:cxnSp>
+      <p:sp>
+        <p:nvSpPr>
+          <p:cNvPr id="14" name="ZoneTexte 13">
+            <a:extLst>
+              <a:ext uri="{FF2B5EF4-FFF2-40B4-BE49-F238E27FC236}">
+                <a16:creationId xmlns:a16="http://schemas.microsoft.com/office/drawing/2014/main" id="{ABC7844C-EB1F-4E7B-9940-0B226F13138A}"/>
+              </a:ext>
+            </a:extLst>
+          </p:cNvPr>
+          <p:cNvSpPr txBox="1"/>
+          <p:nvPr/>
+        </p:nvSpPr>
+        <p:spPr>
+          <a:xfrm>
+            <a:off x="12414128" y="1429410"/>
+            <a:ext cx="919162" cy="369332"/>
+          </a:xfrm>
+          <a:prstGeom prst="rect">
+            <a:avLst/>
+          </a:prstGeom>
+          <a:noFill/>
+        </p:spPr>
+        <p:txBody>
+          <a:bodyPr wrap="none" rtlCol="0">
+            <a:spAutoFit/>
+          </a:bodyPr>
+          <a:lstStyle/>
+          <a:p>
+            <a:r>
+              <a:rPr lang="fr-FR" dirty="0"/>
+              <a:t>A1,A2.1</a:t>
+            </a:r>
+          </a:p>
+        </p:txBody>
+      </p:sp>
+      <p:sp>
+        <p:nvSpPr>
+          <p:cNvPr id="18" name="Ellipse 17">
+            <a:extLst>
+              <a:ext uri="{FF2B5EF4-FFF2-40B4-BE49-F238E27FC236}">
+                <a16:creationId xmlns:a16="http://schemas.microsoft.com/office/drawing/2014/main" id="{306D7EA0-8C43-4FDA-9EFF-F3DF3FF90A69}"/>
+              </a:ext>
+            </a:extLst>
+          </p:cNvPr>
+          <p:cNvSpPr/>
+          <p:nvPr/>
+        </p:nvSpPr>
+        <p:spPr>
+          <a:xfrm>
+            <a:off x="3521000" y="3926202"/>
+            <a:ext cx="622168" cy="509047"/>
+          </a:xfrm>
+          <a:prstGeom prst="ellipse">
+            <a:avLst/>
+          </a:prstGeom>
+          <a:ln/>
+        </p:spPr>
+        <p:style>
+          <a:lnRef idx="2">
+            <a:schemeClr val="dk1"/>
+          </a:lnRef>
+          <a:fillRef idx="1">
+            <a:schemeClr val="lt1"/>
+          </a:fillRef>
+          <a:effectRef idx="0">
+            <a:schemeClr val="dk1"/>
+          </a:effectRef>
+          <a:fontRef idx="minor">
+            <a:schemeClr val="dk1"/>
+          </a:fontRef>
+        </p:style>
+        <p:txBody>
+          <a:bodyPr rtlCol="0" anchor="ctr"/>
+          <a:lstStyle/>
+          <a:p>
+            <a:pPr algn="ctr"/>
+            <a:r>
+              <a:rPr lang="fr-FR" dirty="0"/>
+              <a:t>E3</a:t>
+            </a:r>
+          </a:p>
+        </p:txBody>
+      </p:sp>
+      <p:sp>
+        <p:nvSpPr>
+          <p:cNvPr id="19" name="Rectangle 18">
+            <a:extLst>
+              <a:ext uri="{FF2B5EF4-FFF2-40B4-BE49-F238E27FC236}">
+                <a16:creationId xmlns:a16="http://schemas.microsoft.com/office/drawing/2014/main" id="{D2EA53AD-7F9F-4EFA-87DB-7F115EDC739A}"/>
+              </a:ext>
+            </a:extLst>
+          </p:cNvPr>
+          <p:cNvSpPr/>
+          <p:nvPr/>
+        </p:nvSpPr>
+        <p:spPr>
+          <a:xfrm>
+            <a:off x="12395011" y="2538978"/>
+            <a:ext cx="3202147" cy="2031325"/>
+          </a:xfrm>
+          <a:prstGeom prst="rect">
+            <a:avLst/>
+          </a:prstGeom>
+        </p:spPr>
+        <p:txBody>
+          <a:bodyPr wrap="square">
+            <a:spAutoFit/>
+          </a:bodyPr>
+          <a:lstStyle/>
+          <a:p>
+            <a:r>
+              <a:rPr lang="fr-FR" dirty="0"/>
+              <a:t>Ev1.1 : Dessiner Créer Ellipse</a:t>
+            </a:r>
+            <a:endParaRPr lang="fr-FR" u="sng" dirty="0"/>
+          </a:p>
+          <a:p>
+            <a:r>
+              <a:rPr lang="fr-FR" dirty="0"/>
+              <a:t>Ev1.2 : Dessiner Créer Rectangle</a:t>
+            </a:r>
+          </a:p>
+          <a:p>
+            <a:endParaRPr lang="fr-FR" u="sng" dirty="0"/>
+          </a:p>
+          <a:p>
+            <a:r>
+              <a:rPr lang="fr-FR" dirty="0"/>
+              <a:t>Ev2.1 : Annoncer Forme</a:t>
+            </a:r>
+            <a:endParaRPr lang="fr-FR" u="sng" dirty="0"/>
+          </a:p>
+          <a:p>
+            <a:r>
+              <a:rPr lang="fr-FR" dirty="0"/>
+              <a:t>Ev2.2.1 : Annoncer Couleur</a:t>
+            </a:r>
+            <a:endParaRPr lang="fr-FR" u="sng" dirty="0"/>
+          </a:p>
+          <a:p>
+            <a:r>
+              <a:rPr lang="fr-FR" dirty="0"/>
+              <a:t>Ev2.2.2 : Annoncer Copie Couleur</a:t>
+            </a:r>
+            <a:endParaRPr lang="fr-FR" u="sng" dirty="0"/>
+          </a:p>
+        </p:txBody>
+      </p:sp>
+      <p:cxnSp>
+        <p:nvCxnSpPr>
+          <p:cNvPr id="21" name="Connecteur : en arc 20">
+            <a:extLst>
+              <a:ext uri="{FF2B5EF4-FFF2-40B4-BE49-F238E27FC236}">
+                <a16:creationId xmlns:a16="http://schemas.microsoft.com/office/drawing/2014/main" id="{42176B98-085E-4852-BBB8-218D709F6B71}"/>
+              </a:ext>
+            </a:extLst>
+          </p:cNvPr>
+          <p:cNvCxnSpPr>
+            <a:cxnSpLocks/>
+            <a:stCxn id="5" idx="7"/>
+            <a:endCxn id="6" idx="1"/>
+          </p:cNvCxnSpPr>
+          <p:nvPr/>
+        </p:nvCxnSpPr>
+        <p:spPr>
+          <a:xfrm rot="5400000" flipH="1" flipV="1">
+            <a:off x="2778594" y="1270961"/>
+            <a:ext cx="12700" cy="1667039"/>
+          </a:xfrm>
+          <a:prstGeom prst="curvedConnector3">
+            <a:avLst>
+              <a:gd name="adj1" fmla="val 2386992"/>
+            </a:avLst>
+          </a:prstGeom>
+          <a:ln>
+            <a:tailEnd type="triangle"/>
+          </a:ln>
+        </p:spPr>
+        <p:style>
+          <a:lnRef idx="2">
+            <a:schemeClr val="dk1"/>
+          </a:lnRef>
+          <a:fillRef idx="0">
+            <a:schemeClr val="dk1"/>
+          </a:fillRef>
+          <a:effectRef idx="1">
+            <a:schemeClr val="dk1"/>
+          </a:effectRef>
+          <a:fontRef idx="minor">
+            <a:schemeClr val="tx1"/>
+          </a:fontRef>
+        </p:style>
+      </p:cxnSp>
+      <p:sp>
+        <p:nvSpPr>
+          <p:cNvPr id="23" name="Rectangle 22">
+            <a:extLst>
+              <a:ext uri="{FF2B5EF4-FFF2-40B4-BE49-F238E27FC236}">
+                <a16:creationId xmlns:a16="http://schemas.microsoft.com/office/drawing/2014/main" id="{5155A4CC-43A4-45FE-B2AE-578BFCA93E55}"/>
+              </a:ext>
+            </a:extLst>
+          </p:cNvPr>
+          <p:cNvSpPr/>
+          <p:nvPr/>
+        </p:nvSpPr>
+        <p:spPr>
+          <a:xfrm>
+            <a:off x="12192000" y="4674954"/>
+            <a:ext cx="2579979" cy="646331"/>
+          </a:xfrm>
+          <a:prstGeom prst="rect">
+            <a:avLst/>
+          </a:prstGeom>
+        </p:spPr>
+        <p:txBody>
+          <a:bodyPr wrap="square">
+            <a:spAutoFit/>
+          </a:bodyPr>
+          <a:lstStyle/>
+          <a:p>
+            <a:r>
+              <a:rPr lang="fr-FR" dirty="0"/>
+              <a:t>Ax : Dessiner Déplacer</a:t>
+            </a:r>
+            <a:endParaRPr lang="fr-FR" u="sng" dirty="0"/>
+          </a:p>
+          <a:p>
+            <a:r>
+              <a:rPr lang="fr-FR" dirty="0"/>
+              <a:t>Ax : Dessiner Supprimer</a:t>
+            </a:r>
+          </a:p>
+        </p:txBody>
+      </p:sp>
+      <p:sp>
+        <p:nvSpPr>
+          <p:cNvPr id="27" name="ZoneTexte 26">
+            <a:extLst>
+              <a:ext uri="{FF2B5EF4-FFF2-40B4-BE49-F238E27FC236}">
+                <a16:creationId xmlns:a16="http://schemas.microsoft.com/office/drawing/2014/main" id="{C02FFD51-6AD3-4EC9-BE2F-11523E488853}"/>
+              </a:ext>
+            </a:extLst>
+          </p:cNvPr>
+          <p:cNvSpPr txBox="1"/>
+          <p:nvPr/>
+        </p:nvSpPr>
+        <p:spPr>
+          <a:xfrm>
+            <a:off x="2362441" y="1041741"/>
+            <a:ext cx="512704" cy="369332"/>
+          </a:xfrm>
+          <a:prstGeom prst="rect">
+            <a:avLst/>
+          </a:prstGeom>
+          <a:noFill/>
+        </p:spPr>
+        <p:txBody>
+          <a:bodyPr wrap="none" rtlCol="0">
+            <a:spAutoFit/>
+          </a:bodyPr>
+          <a:lstStyle/>
+          <a:p>
+            <a:r>
+              <a:rPr lang="fr-FR" dirty="0"/>
+              <a:t>Ev1</a:t>
+            </a:r>
+          </a:p>
+        </p:txBody>
+      </p:sp>
+      <p:cxnSp>
+        <p:nvCxnSpPr>
+          <p:cNvPr id="28" name="Connecteur droit 27">
+            <a:extLst>
+              <a:ext uri="{FF2B5EF4-FFF2-40B4-BE49-F238E27FC236}">
+                <a16:creationId xmlns:a16="http://schemas.microsoft.com/office/drawing/2014/main" id="{63727C58-5F1D-4E28-8DF2-1AC341505F2B}"/>
+              </a:ext>
+            </a:extLst>
+          </p:cNvPr>
+          <p:cNvCxnSpPr>
+            <a:cxnSpLocks/>
+          </p:cNvCxnSpPr>
+          <p:nvPr/>
+        </p:nvCxnSpPr>
+        <p:spPr>
+          <a:xfrm>
+            <a:off x="2289570" y="1404960"/>
+            <a:ext cx="658447" cy="0"/>
+          </a:xfrm>
+          <a:prstGeom prst="line">
+            <a:avLst/>
+          </a:prstGeom>
+        </p:spPr>
+        <p:style>
+          <a:lnRef idx="2">
+            <a:schemeClr val="dk1"/>
+          </a:lnRef>
+          <a:fillRef idx="0">
+            <a:schemeClr val="dk1"/>
+          </a:fillRef>
+          <a:effectRef idx="1">
+            <a:schemeClr val="dk1"/>
+          </a:effectRef>
+          <a:fontRef idx="minor">
+            <a:schemeClr val="tx1"/>
+          </a:fontRef>
+        </p:style>
+      </p:cxnSp>
+      <p:sp>
+        <p:nvSpPr>
+          <p:cNvPr id="29" name="ZoneTexte 28">
+            <a:extLst>
+              <a:ext uri="{FF2B5EF4-FFF2-40B4-BE49-F238E27FC236}">
+                <a16:creationId xmlns:a16="http://schemas.microsoft.com/office/drawing/2014/main" id="{DA6FB778-4590-47DC-B9D5-4B56A58FB1A5}"/>
+              </a:ext>
+            </a:extLst>
+          </p:cNvPr>
+          <p:cNvSpPr txBox="1"/>
+          <p:nvPr/>
+        </p:nvSpPr>
+        <p:spPr>
+          <a:xfrm>
+            <a:off x="2246575" y="1398848"/>
+            <a:ext cx="744435" cy="369332"/>
+          </a:xfrm>
+          <a:prstGeom prst="rect">
+            <a:avLst/>
+          </a:prstGeom>
+          <a:noFill/>
+        </p:spPr>
+        <p:txBody>
+          <a:bodyPr wrap="none" rtlCol="0">
+            <a:spAutoFit/>
+          </a:bodyPr>
+          <a:lstStyle/>
+          <a:p>
+            <a:r>
+              <a:rPr lang="fr-FR" dirty="0"/>
+              <a:t>A1,A2</a:t>
+            </a:r>
+          </a:p>
+        </p:txBody>
+      </p:sp>
+      <p:cxnSp>
+        <p:nvCxnSpPr>
+          <p:cNvPr id="31" name="Connecteur : en arc 30">
+            <a:extLst>
+              <a:ext uri="{FF2B5EF4-FFF2-40B4-BE49-F238E27FC236}">
+                <a16:creationId xmlns:a16="http://schemas.microsoft.com/office/drawing/2014/main" id="{D25A4ABB-FB4B-4CE7-BE0A-B677C6963F17}"/>
+              </a:ext>
+            </a:extLst>
+          </p:cNvPr>
+          <p:cNvCxnSpPr>
+            <a:stCxn id="6" idx="0"/>
+            <a:endCxn id="6" idx="7"/>
+          </p:cNvCxnSpPr>
+          <p:nvPr/>
+        </p:nvCxnSpPr>
+        <p:spPr>
+          <a:xfrm rot="16200000" flipH="1">
+            <a:off x="3904795" y="1957221"/>
+            <a:ext cx="74548" cy="219970"/>
+          </a:xfrm>
+          <a:prstGeom prst="curvedConnector3">
+            <a:avLst>
+              <a:gd name="adj1" fmla="val -538338"/>
+            </a:avLst>
+          </a:prstGeom>
+          <a:ln>
+            <a:tailEnd type="triangle"/>
+          </a:ln>
+        </p:spPr>
+        <p:style>
+          <a:lnRef idx="2">
+            <a:schemeClr val="dk1"/>
+          </a:lnRef>
+          <a:fillRef idx="0">
+            <a:schemeClr val="dk1"/>
+          </a:fillRef>
+          <a:effectRef idx="1">
+            <a:schemeClr val="dk1"/>
+          </a:effectRef>
+          <a:fontRef idx="minor">
+            <a:schemeClr val="tx1"/>
+          </a:fontRef>
+        </p:style>
+      </p:cxnSp>
+      <p:sp>
+        <p:nvSpPr>
+          <p:cNvPr id="35" name="ZoneTexte 34">
+            <a:extLst>
+              <a:ext uri="{FF2B5EF4-FFF2-40B4-BE49-F238E27FC236}">
+                <a16:creationId xmlns:a16="http://schemas.microsoft.com/office/drawing/2014/main" id="{22B233F2-259C-4BBF-A57C-8E98F22B208B}"/>
+              </a:ext>
+            </a:extLst>
+          </p:cNvPr>
+          <p:cNvSpPr txBox="1"/>
+          <p:nvPr/>
+        </p:nvSpPr>
+        <p:spPr>
+          <a:xfrm>
+            <a:off x="3575732" y="924467"/>
+            <a:ext cx="512704" cy="369332"/>
+          </a:xfrm>
+          <a:prstGeom prst="rect">
+            <a:avLst/>
+          </a:prstGeom>
+          <a:noFill/>
+        </p:spPr>
+        <p:txBody>
+          <a:bodyPr wrap="none" rtlCol="0">
+            <a:spAutoFit/>
+          </a:bodyPr>
+          <a:lstStyle/>
+          <a:p>
+            <a:r>
+              <a:rPr lang="fr-FR" dirty="0"/>
+              <a:t>Ev2</a:t>
+            </a:r>
+          </a:p>
+        </p:txBody>
+      </p:sp>
+      <p:cxnSp>
+        <p:nvCxnSpPr>
+          <p:cNvPr id="36" name="Connecteur droit 35">
+            <a:extLst>
+              <a:ext uri="{FF2B5EF4-FFF2-40B4-BE49-F238E27FC236}">
+                <a16:creationId xmlns:a16="http://schemas.microsoft.com/office/drawing/2014/main" id="{321EB2A1-9120-461D-9D64-77CED388A62E}"/>
+              </a:ext>
+            </a:extLst>
+          </p:cNvPr>
+          <p:cNvCxnSpPr>
+            <a:cxnSpLocks/>
+          </p:cNvCxnSpPr>
+          <p:nvPr/>
+        </p:nvCxnSpPr>
+        <p:spPr>
+          <a:xfrm flipV="1">
+            <a:off x="3636915" y="1293800"/>
+            <a:ext cx="422763" cy="6113"/>
+          </a:xfrm>
+          <a:prstGeom prst="line">
+            <a:avLst/>
+          </a:prstGeom>
+        </p:spPr>
+        <p:style>
+          <a:lnRef idx="2">
+            <a:schemeClr val="dk1"/>
+          </a:lnRef>
+          <a:fillRef idx="0">
+            <a:schemeClr val="dk1"/>
+          </a:fillRef>
+          <a:effectRef idx="1">
+            <a:schemeClr val="dk1"/>
+          </a:effectRef>
+          <a:fontRef idx="minor">
+            <a:schemeClr val="tx1"/>
+          </a:fontRef>
+        </p:style>
+      </p:cxnSp>
+      <p:sp>
+        <p:nvSpPr>
+          <p:cNvPr id="37" name="ZoneTexte 36">
+            <a:extLst>
+              <a:ext uri="{FF2B5EF4-FFF2-40B4-BE49-F238E27FC236}">
+                <a16:creationId xmlns:a16="http://schemas.microsoft.com/office/drawing/2014/main" id="{C829DA40-DCE9-4795-B93F-FCCD98C50D4F}"/>
+              </a:ext>
+            </a:extLst>
+          </p:cNvPr>
+          <p:cNvSpPr txBox="1"/>
+          <p:nvPr/>
+        </p:nvSpPr>
+        <p:spPr>
+          <a:xfrm>
+            <a:off x="3636304" y="1296857"/>
+            <a:ext cx="434734" cy="369332"/>
+          </a:xfrm>
+          <a:prstGeom prst="rect">
+            <a:avLst/>
+          </a:prstGeom>
+          <a:noFill/>
+        </p:spPr>
+        <p:txBody>
+          <a:bodyPr wrap="none" rtlCol="0">
+            <a:spAutoFit/>
+          </a:bodyPr>
+          <a:lstStyle/>
+          <a:p>
+            <a:r>
+              <a:rPr lang="fr-FR" dirty="0"/>
+              <a:t>A3</a:t>
+            </a:r>
+          </a:p>
+        </p:txBody>
+      </p:sp>
     </p:spTree>
     <p:extLst>
       <p:ext uri="{BB962C8B-B14F-4D97-AF65-F5344CB8AC3E}">
@@ -3722,49 +4292,10 @@
       </p:grpSpPr>
       <p:sp>
         <p:nvSpPr>
-          <p:cNvPr id="4" name="ZoneTexte 3">
-            <a:extLst>
-              <a:ext uri="{FF2B5EF4-FFF2-40B4-BE49-F238E27FC236}">
-                <a16:creationId xmlns:a16="http://schemas.microsoft.com/office/drawing/2014/main" id="{BB5A7B32-8C76-4079-896A-F4EAC0A721E0}"/>
-              </a:ext>
-            </a:extLst>
-          </p:cNvPr>
-          <p:cNvSpPr txBox="1"/>
-          <p:nvPr/>
-        </p:nvSpPr>
-        <p:spPr>
-          <a:xfrm>
-            <a:off x="565446" y="372862"/>
-            <a:ext cx="1655390" cy="523220"/>
-          </a:xfrm>
-          <a:prstGeom prst="rect">
-            <a:avLst/>
-          </a:prstGeom>
-          <a:noFill/>
-        </p:spPr>
-        <p:txBody>
-          <a:bodyPr wrap="none" rtlCol="0">
-            <a:spAutoFit/>
-          </a:bodyPr>
-          <a:lstStyle/>
-          <a:p>
-            <a:r>
-              <a:rPr lang="fr-FR" sz="2800" b="1" dirty="0">
-                <a:solidFill>
-                  <a:srgbClr val="FF0000"/>
-                </a:solidFill>
-              </a:rPr>
-              <a:t>Exercice 3</a:t>
-            </a:r>
-          </a:p>
-        </p:txBody>
-      </p:sp>
-      <p:sp>
-        <p:nvSpPr>
-          <p:cNvPr id="40" name="Ellipse 39">
-            <a:extLst>
-              <a:ext uri="{FF2B5EF4-FFF2-40B4-BE49-F238E27FC236}">
-                <a16:creationId xmlns:a16="http://schemas.microsoft.com/office/drawing/2014/main" id="{64362C70-6BA3-4B10-9D81-EF4224E8E9AA}"/>
+          <p:cNvPr id="4" name="Ellipse 3">
+            <a:extLst>
+              <a:ext uri="{FF2B5EF4-FFF2-40B4-BE49-F238E27FC236}">
+                <a16:creationId xmlns:a16="http://schemas.microsoft.com/office/drawing/2014/main" id="{A31B8AF9-5F4D-4DA3-9CBD-B6C6B41C650E}"/>
               </a:ext>
             </a:extLst>
           </p:cNvPr>
@@ -3773,13 +4304,13 @@
         </p:nvSpPr>
         <p:spPr>
           <a:xfrm>
-            <a:off x="2512379" y="1766657"/>
-            <a:ext cx="532660" cy="523783"/>
+            <a:off x="3417306" y="2403834"/>
+            <a:ext cx="622168" cy="509047"/>
           </a:xfrm>
           <a:prstGeom prst="ellipse">
             <a:avLst/>
           </a:prstGeom>
-          <a:ln w="38100"/>
+          <a:ln/>
         </p:spPr>
         <p:style>
           <a:lnRef idx="2">
@@ -3801,178 +4332,33 @@
           <a:p>
             <a:pPr algn="ctr"/>
             <a:r>
-              <a:rPr lang="fr-FR" sz="1400" b="1" dirty="0"/>
-              <a:t>E0</a:t>
-            </a:r>
-          </a:p>
-        </p:txBody>
-      </p:sp>
-      <p:sp>
-        <p:nvSpPr>
-          <p:cNvPr id="42" name="ZoneTexte 41">
-            <a:extLst>
-              <a:ext uri="{FF2B5EF4-FFF2-40B4-BE49-F238E27FC236}">
-                <a16:creationId xmlns:a16="http://schemas.microsoft.com/office/drawing/2014/main" id="{4F54A609-F7E9-42E8-85EC-97E9040DE55A}"/>
-              </a:ext>
-            </a:extLst>
-          </p:cNvPr>
-          <p:cNvSpPr txBox="1"/>
+              <a:rPr lang="fr-FR" dirty="0"/>
+              <a:t>0</a:t>
+            </a:r>
+          </a:p>
+        </p:txBody>
+      </p:sp>
+      <p:sp>
+        <p:nvSpPr>
+          <p:cNvPr id="5" name="Ellipse 4">
+            <a:extLst>
+              <a:ext uri="{FF2B5EF4-FFF2-40B4-BE49-F238E27FC236}">
+                <a16:creationId xmlns:a16="http://schemas.microsoft.com/office/drawing/2014/main" id="{802917D2-D9D3-475C-BF5F-9AD0A3AC223B}"/>
+              </a:ext>
+            </a:extLst>
+          </p:cNvPr>
+          <p:cNvSpPr/>
           <p:nvPr/>
         </p:nvSpPr>
         <p:spPr>
           <a:xfrm>
-            <a:off x="7011883" y="731371"/>
-            <a:ext cx="3986074" cy="5355312"/>
-          </a:xfrm>
-          <a:prstGeom prst="rect">
+            <a:off x="5153409" y="2422685"/>
+            <a:ext cx="622168" cy="509047"/>
+          </a:xfrm>
+          <a:prstGeom prst="ellipse">
             <a:avLst/>
           </a:prstGeom>
-          <a:noFill/>
-        </p:spPr>
-        <p:txBody>
-          <a:bodyPr wrap="square" rtlCol="0">
-            <a:spAutoFit/>
-          </a:bodyPr>
-          <a:lstStyle/>
-          <a:p>
-            <a:r>
-              <a:rPr lang="fr-FR" u="sng" dirty="0"/>
-              <a:t>Etat</a:t>
-            </a:r>
-          </a:p>
-          <a:p>
-            <a:r>
-              <a:rPr lang="fr-FR" dirty="0"/>
-              <a:t>E0 : Bouton 1 et 2 actifs</a:t>
-            </a:r>
-            <a:endParaRPr lang="fr-FR" u="sng" dirty="0"/>
-          </a:p>
-          <a:p>
-            <a:r>
-              <a:rPr lang="fr-FR" dirty="0"/>
-              <a:t>E1 : Bouton 1 cliqué</a:t>
-            </a:r>
-            <a:endParaRPr lang="fr-FR" u="sng" dirty="0"/>
-          </a:p>
-          <a:p>
-            <a:r>
-              <a:rPr lang="fr-FR" dirty="0"/>
-              <a:t>E2 : Bouton 2 cliqué</a:t>
-            </a:r>
-            <a:endParaRPr lang="fr-FR" u="sng" dirty="0"/>
-          </a:p>
-          <a:p>
-            <a:r>
-              <a:rPr lang="fr-FR" dirty="0"/>
-              <a:t>E3 : Bouton 3 et 4 actifs</a:t>
-            </a:r>
-            <a:endParaRPr lang="fr-FR" u="sng" dirty="0"/>
-          </a:p>
-          <a:p>
-            <a:r>
-              <a:rPr lang="fr-FR" dirty="0"/>
-              <a:t>E4 : Bouton 3 cliqué</a:t>
-            </a:r>
-            <a:endParaRPr lang="fr-FR" u="sng" dirty="0"/>
-          </a:p>
-          <a:p>
-            <a:r>
-              <a:rPr lang="fr-FR" dirty="0"/>
-              <a:t>E5 : Bouton 4 cliqué</a:t>
-            </a:r>
-          </a:p>
-          <a:p>
-            <a:endParaRPr lang="fr-FR" dirty="0"/>
-          </a:p>
-          <a:p>
-            <a:r>
-              <a:rPr lang="fr-FR" u="sng" dirty="0"/>
-              <a:t>Event</a:t>
-            </a:r>
-          </a:p>
-          <a:p>
-            <a:r>
-              <a:rPr lang="fr-FR" dirty="0"/>
-              <a:t>Ev1 : Cliquer sur 1</a:t>
-            </a:r>
-            <a:endParaRPr lang="fr-FR" u="sng" dirty="0"/>
-          </a:p>
-          <a:p>
-            <a:r>
-              <a:rPr lang="fr-FR" dirty="0"/>
-              <a:t>Ev2 : Cliquer sur 2</a:t>
-            </a:r>
-            <a:endParaRPr lang="fr-FR" u="sng" dirty="0"/>
-          </a:p>
-          <a:p>
-            <a:r>
-              <a:rPr lang="fr-FR" dirty="0"/>
-              <a:t>Ev3 : Cliquer sur 3</a:t>
-            </a:r>
-            <a:endParaRPr lang="fr-FR" u="sng" dirty="0"/>
-          </a:p>
-          <a:p>
-            <a:r>
-              <a:rPr lang="fr-FR" dirty="0"/>
-              <a:t>Ev4 : Cliquer sur 4</a:t>
-            </a:r>
-          </a:p>
-          <a:p>
-            <a:endParaRPr lang="fr-FR" u="sng" dirty="0"/>
-          </a:p>
-          <a:p>
-            <a:r>
-              <a:rPr lang="fr-FR" u="sng" dirty="0"/>
-              <a:t>Action</a:t>
-            </a:r>
-          </a:p>
-          <a:p>
-            <a:r>
-              <a:rPr lang="fr-FR" dirty="0"/>
-              <a:t>A1 : Activer les Boutons 1 et 2</a:t>
-            </a:r>
-            <a:endParaRPr lang="fr-FR" u="sng" dirty="0"/>
-          </a:p>
-          <a:p>
-            <a:r>
-              <a:rPr lang="fr-FR" dirty="0"/>
-              <a:t>A2 : Activer les Boutons 3 et 4</a:t>
-            </a:r>
-          </a:p>
-          <a:p>
-            <a:r>
-              <a:rPr lang="fr-FR" dirty="0"/>
-              <a:t>A1.1 : Désactiver les Boutons 1 et 2</a:t>
-            </a:r>
-          </a:p>
-          <a:p>
-            <a:r>
-              <a:rPr lang="fr-FR" dirty="0"/>
-              <a:t>A2.1 : Désactiver les Boutons 3 et 4</a:t>
-            </a:r>
-          </a:p>
-        </p:txBody>
-      </p:sp>
-      <p:sp>
-        <p:nvSpPr>
-          <p:cNvPr id="43" name="Flèche : droite 42">
-            <a:extLst>
-              <a:ext uri="{FF2B5EF4-FFF2-40B4-BE49-F238E27FC236}">
-                <a16:creationId xmlns:a16="http://schemas.microsoft.com/office/drawing/2014/main" id="{954B8435-7C25-4858-86D8-08D6F995F205}"/>
-              </a:ext>
-            </a:extLst>
-          </p:cNvPr>
-          <p:cNvSpPr/>
-          <p:nvPr/>
-        </p:nvSpPr>
-        <p:spPr>
-          <a:xfrm rot="5400000">
-            <a:off x="2530134" y="1374443"/>
-            <a:ext cx="497148" cy="287279"/>
-          </a:xfrm>
-          <a:prstGeom prst="rightArrow">
-            <a:avLst/>
-          </a:prstGeom>
+          <a:ln/>
         </p:spPr>
         <p:style>
           <a:lnRef idx="2">
@@ -3993,16 +4379,145 @@
           <a:lstStyle/>
           <a:p>
             <a:pPr algn="ctr"/>
+            <a:r>
+              <a:rPr lang="fr-FR" dirty="0"/>
+              <a:t>1</a:t>
+            </a:r>
+          </a:p>
+        </p:txBody>
+      </p:sp>
+      <p:cxnSp>
+        <p:nvCxnSpPr>
+          <p:cNvPr id="7" name="Connecteur : en arc 6">
+            <a:extLst>
+              <a:ext uri="{FF2B5EF4-FFF2-40B4-BE49-F238E27FC236}">
+                <a16:creationId xmlns:a16="http://schemas.microsoft.com/office/drawing/2014/main" id="{0073E54A-2C1D-4287-A4D5-19DCD45FA4C0}"/>
+              </a:ext>
+            </a:extLst>
+          </p:cNvPr>
+          <p:cNvCxnSpPr>
+            <a:cxnSpLocks/>
+            <a:stCxn id="4" idx="7"/>
+            <a:endCxn id="5" idx="1"/>
+          </p:cNvCxnSpPr>
+          <p:nvPr/>
+        </p:nvCxnSpPr>
+        <p:spPr>
+          <a:xfrm rot="16200000" flipH="1">
+            <a:off x="4587015" y="1839726"/>
+            <a:ext cx="18851" cy="1296163"/>
+          </a:xfrm>
+          <a:prstGeom prst="curvedConnector3">
+            <a:avLst>
+              <a:gd name="adj1" fmla="val -1608127"/>
+            </a:avLst>
+          </a:prstGeom>
+          <a:ln>
+            <a:tailEnd type="triangle"/>
+          </a:ln>
+        </p:spPr>
+        <p:style>
+          <a:lnRef idx="1">
+            <a:schemeClr val="accent1"/>
+          </a:lnRef>
+          <a:fillRef idx="0">
+            <a:schemeClr val="accent1"/>
+          </a:fillRef>
+          <a:effectRef idx="0">
+            <a:schemeClr val="accent1"/>
+          </a:effectRef>
+          <a:fontRef idx="minor">
+            <a:schemeClr val="tx1"/>
+          </a:fontRef>
+        </p:style>
+      </p:cxnSp>
+      <p:cxnSp>
+        <p:nvCxnSpPr>
+          <p:cNvPr id="11" name="Connecteur : en arc 10">
+            <a:extLst>
+              <a:ext uri="{FF2B5EF4-FFF2-40B4-BE49-F238E27FC236}">
+                <a16:creationId xmlns:a16="http://schemas.microsoft.com/office/drawing/2014/main" id="{63A1CF49-C385-4671-9ACD-D721E0B89D08}"/>
+              </a:ext>
+            </a:extLst>
+          </p:cNvPr>
+          <p:cNvCxnSpPr>
+            <a:cxnSpLocks/>
+            <a:stCxn id="5" idx="7"/>
+            <a:endCxn id="5" idx="0"/>
+          </p:cNvCxnSpPr>
+          <p:nvPr/>
+        </p:nvCxnSpPr>
+        <p:spPr>
+          <a:xfrm rot="16200000" flipV="1">
+            <a:off x="5537204" y="2349974"/>
+            <a:ext cx="74548" cy="219970"/>
+          </a:xfrm>
+          <a:prstGeom prst="curvedConnector3">
+            <a:avLst>
+              <a:gd name="adj1" fmla="val 899815"/>
+            </a:avLst>
+          </a:prstGeom>
+          <a:ln>
+            <a:tailEnd type="triangle"/>
+          </a:ln>
+        </p:spPr>
+        <p:style>
+          <a:lnRef idx="1">
+            <a:schemeClr val="accent1"/>
+          </a:lnRef>
+          <a:fillRef idx="0">
+            <a:schemeClr val="accent1"/>
+          </a:fillRef>
+          <a:effectRef idx="0">
+            <a:schemeClr val="accent1"/>
+          </a:effectRef>
+          <a:fontRef idx="minor">
+            <a:schemeClr val="tx1"/>
+          </a:fontRef>
+        </p:style>
+      </p:cxnSp>
+      <p:sp>
+        <p:nvSpPr>
+          <p:cNvPr id="14" name="ZoneTexte 13">
+            <a:extLst>
+              <a:ext uri="{FF2B5EF4-FFF2-40B4-BE49-F238E27FC236}">
+                <a16:creationId xmlns:a16="http://schemas.microsoft.com/office/drawing/2014/main" id="{70C121CD-7CB6-44CE-A590-5D57F3F15A3A}"/>
+              </a:ext>
+            </a:extLst>
+          </p:cNvPr>
+          <p:cNvSpPr txBox="1"/>
+          <p:nvPr/>
+        </p:nvSpPr>
+        <p:spPr>
+          <a:xfrm>
+            <a:off x="5244522" y="1338606"/>
+            <a:ext cx="1292085" cy="369332"/>
+          </a:xfrm>
+          <a:prstGeom prst="rect">
+            <a:avLst/>
+          </a:prstGeom>
+          <a:noFill/>
+        </p:spPr>
+        <p:txBody>
+          <a:bodyPr wrap="none" rtlCol="0">
+            <a:spAutoFit/>
+          </a:bodyPr>
+          <a:lstStyle/>
+          <a:p>
+            <a:r>
+              <a:rPr lang="fr-FR" dirty="0" err="1"/>
+              <a:t>Sra|couleur</a:t>
+            </a:r>
             <a:endParaRPr lang="fr-FR" dirty="0"/>
           </a:p>
         </p:txBody>
       </p:sp>
       <p:sp>
         <p:nvSpPr>
-          <p:cNvPr id="46" name="Ellipse 45">
-            <a:extLst>
-              <a:ext uri="{FF2B5EF4-FFF2-40B4-BE49-F238E27FC236}">
-                <a16:creationId xmlns:a16="http://schemas.microsoft.com/office/drawing/2014/main" id="{AFDE5968-0A02-4E6F-A5C3-34C72D688F8D}"/>
+          <p:cNvPr id="16" name="Ellipse 15">
+            <a:extLst>
+              <a:ext uri="{FF2B5EF4-FFF2-40B4-BE49-F238E27FC236}">
+                <a16:creationId xmlns:a16="http://schemas.microsoft.com/office/drawing/2014/main" id="{003BDA54-98B0-43AF-86A0-741000F0712B}"/>
               </a:ext>
             </a:extLst>
           </p:cNvPr>
@@ -4011,12 +4526,13 @@
         </p:nvSpPr>
         <p:spPr>
           <a:xfrm>
-            <a:off x="1979719" y="2787589"/>
-            <a:ext cx="532660" cy="523783"/>
+            <a:off x="7520739" y="2460871"/>
+            <a:ext cx="622168" cy="509047"/>
           </a:xfrm>
           <a:prstGeom prst="ellipse">
             <a:avLst/>
           </a:prstGeom>
+          <a:ln/>
         </p:spPr>
         <p:style>
           <a:lnRef idx="2">
@@ -4037,19 +4553,461 @@
           <a:lstStyle/>
           <a:p>
             <a:pPr algn="ctr"/>
-            <a:r>
-              <a:rPr lang="fr-FR" sz="1400" dirty="0"/>
-              <a:t>E1</a:t>
-            </a:r>
-          </a:p>
-        </p:txBody>
-      </p:sp>
-      <p:sp>
-        <p:nvSpPr>
-          <p:cNvPr id="47" name="Ellipse 46">
-            <a:extLst>
-              <a:ext uri="{FF2B5EF4-FFF2-40B4-BE49-F238E27FC236}">
-                <a16:creationId xmlns:a16="http://schemas.microsoft.com/office/drawing/2014/main" id="{8EA23387-5D5C-4A58-97F5-69556B5D433F}"/>
+            <a:endParaRPr lang="fr-FR" dirty="0"/>
+          </a:p>
+        </p:txBody>
+      </p:sp>
+      <p:cxnSp>
+        <p:nvCxnSpPr>
+          <p:cNvPr id="18" name="Connecteur : en arc 17">
+            <a:extLst>
+              <a:ext uri="{FF2B5EF4-FFF2-40B4-BE49-F238E27FC236}">
+                <a16:creationId xmlns:a16="http://schemas.microsoft.com/office/drawing/2014/main" id="{D80672EF-5751-4567-A860-F4C64D058C07}"/>
+              </a:ext>
+            </a:extLst>
+          </p:cNvPr>
+          <p:cNvCxnSpPr>
+            <a:cxnSpLocks/>
+            <a:stCxn id="5" idx="7"/>
+            <a:endCxn id="16" idx="1"/>
+          </p:cNvCxnSpPr>
+          <p:nvPr/>
+        </p:nvCxnSpPr>
+        <p:spPr>
+          <a:xfrm rot="16200000" flipH="1">
+            <a:off x="6629065" y="1552631"/>
+            <a:ext cx="38186" cy="1927390"/>
+          </a:xfrm>
+          <a:prstGeom prst="curvedConnector3">
+            <a:avLst>
+              <a:gd name="adj1" fmla="val -793872"/>
+            </a:avLst>
+          </a:prstGeom>
+          <a:ln>
+            <a:tailEnd type="triangle"/>
+          </a:ln>
+        </p:spPr>
+        <p:style>
+          <a:lnRef idx="1">
+            <a:schemeClr val="accent1"/>
+          </a:lnRef>
+          <a:fillRef idx="0">
+            <a:schemeClr val="accent1"/>
+          </a:fillRef>
+          <a:effectRef idx="0">
+            <a:schemeClr val="accent1"/>
+          </a:effectRef>
+          <a:fontRef idx="minor">
+            <a:schemeClr val="tx1"/>
+          </a:fontRef>
+        </p:style>
+      </p:cxnSp>
+      <p:sp>
+        <p:nvSpPr>
+          <p:cNvPr id="19" name="ZoneTexte 18">
+            <a:extLst>
+              <a:ext uri="{FF2B5EF4-FFF2-40B4-BE49-F238E27FC236}">
+                <a16:creationId xmlns:a16="http://schemas.microsoft.com/office/drawing/2014/main" id="{E87FFE38-6A30-4349-9F39-85BC2E0ED895}"/>
+              </a:ext>
+            </a:extLst>
+          </p:cNvPr>
+          <p:cNvSpPr txBox="1"/>
+          <p:nvPr/>
+        </p:nvSpPr>
+        <p:spPr>
+          <a:xfrm>
+            <a:off x="6567559" y="1849394"/>
+            <a:ext cx="2227276" cy="369332"/>
+          </a:xfrm>
+          <a:prstGeom prst="rect">
+            <a:avLst/>
+          </a:prstGeom>
+          <a:noFill/>
+        </p:spPr>
+        <p:txBody>
+          <a:bodyPr wrap="none" rtlCol="0">
+            <a:spAutoFit/>
+          </a:bodyPr>
+          <a:lstStyle/>
+          <a:p>
+            <a:r>
+              <a:rPr lang="fr-FR" dirty="0" err="1"/>
+              <a:t>sra</a:t>
+            </a:r>
+            <a:r>
+              <a:rPr lang="fr-FR" dirty="0"/>
+              <a:t> | position/couleur</a:t>
+            </a:r>
+          </a:p>
+        </p:txBody>
+      </p:sp>
+      <p:cxnSp>
+        <p:nvCxnSpPr>
+          <p:cNvPr id="21" name="Connecteur : en arc 20">
+            <a:extLst>
+              <a:ext uri="{FF2B5EF4-FFF2-40B4-BE49-F238E27FC236}">
+                <a16:creationId xmlns:a16="http://schemas.microsoft.com/office/drawing/2014/main" id="{5E94A946-5782-449F-B322-5D71AE62C7F7}"/>
+              </a:ext>
+            </a:extLst>
+          </p:cNvPr>
+          <p:cNvCxnSpPr>
+            <a:cxnSpLocks/>
+            <a:stCxn id="16" idx="3"/>
+            <a:endCxn id="5" idx="5"/>
+          </p:cNvCxnSpPr>
+          <p:nvPr/>
+        </p:nvCxnSpPr>
+        <p:spPr>
+          <a:xfrm rot="5400000" flipH="1">
+            <a:off x="6629065" y="1912582"/>
+            <a:ext cx="38186" cy="1927390"/>
+          </a:xfrm>
+          <a:prstGeom prst="curvedConnector3">
+            <a:avLst>
+              <a:gd name="adj1" fmla="val -793872"/>
+            </a:avLst>
+          </a:prstGeom>
+          <a:ln>
+            <a:tailEnd type="triangle"/>
+          </a:ln>
+        </p:spPr>
+        <p:style>
+          <a:lnRef idx="1">
+            <a:schemeClr val="accent1"/>
+          </a:lnRef>
+          <a:fillRef idx="0">
+            <a:schemeClr val="accent1"/>
+          </a:fillRef>
+          <a:effectRef idx="0">
+            <a:schemeClr val="accent1"/>
+          </a:effectRef>
+          <a:fontRef idx="minor">
+            <a:schemeClr val="tx1"/>
+          </a:fontRef>
+        </p:style>
+      </p:cxnSp>
+      <p:cxnSp>
+        <p:nvCxnSpPr>
+          <p:cNvPr id="23" name="Connecteur droit avec flèche 22">
+            <a:extLst>
+              <a:ext uri="{FF2B5EF4-FFF2-40B4-BE49-F238E27FC236}">
+                <a16:creationId xmlns:a16="http://schemas.microsoft.com/office/drawing/2014/main" id="{1AC7F305-A936-4AED-AF07-099E63A44650}"/>
+              </a:ext>
+            </a:extLst>
+          </p:cNvPr>
+          <p:cNvCxnSpPr>
+            <a:cxnSpLocks/>
+            <a:endCxn id="5" idx="6"/>
+          </p:cNvCxnSpPr>
+          <p:nvPr/>
+        </p:nvCxnSpPr>
+        <p:spPr>
+          <a:xfrm flipH="1" flipV="1">
+            <a:off x="5775577" y="2677209"/>
+            <a:ext cx="1745162" cy="37048"/>
+          </a:xfrm>
+          <a:prstGeom prst="straightConnector1">
+            <a:avLst/>
+          </a:prstGeom>
+          <a:ln>
+            <a:tailEnd type="triangle"/>
+          </a:ln>
+        </p:spPr>
+        <p:style>
+          <a:lnRef idx="1">
+            <a:schemeClr val="accent1"/>
+          </a:lnRef>
+          <a:fillRef idx="0">
+            <a:schemeClr val="accent1"/>
+          </a:fillRef>
+          <a:effectRef idx="0">
+            <a:schemeClr val="accent1"/>
+          </a:effectRef>
+          <a:fontRef idx="minor">
+            <a:schemeClr val="tx1"/>
+          </a:fontRef>
+        </p:style>
+      </p:cxnSp>
+      <p:sp>
+        <p:nvSpPr>
+          <p:cNvPr id="27" name="ZoneTexte 26">
+            <a:extLst>
+              <a:ext uri="{FF2B5EF4-FFF2-40B4-BE49-F238E27FC236}">
+                <a16:creationId xmlns:a16="http://schemas.microsoft.com/office/drawing/2014/main" id="{4E880AE6-479B-4D19-9B46-8C0EBA643AF0}"/>
+              </a:ext>
+            </a:extLst>
+          </p:cNvPr>
+          <p:cNvSpPr txBox="1"/>
+          <p:nvPr/>
+        </p:nvSpPr>
+        <p:spPr>
+          <a:xfrm>
+            <a:off x="6148213" y="3202994"/>
+            <a:ext cx="1432443" cy="646331"/>
+          </a:xfrm>
+          <a:prstGeom prst="rect">
+            <a:avLst/>
+          </a:prstGeom>
+          <a:noFill/>
+        </p:spPr>
+        <p:txBody>
+          <a:bodyPr wrap="none" rtlCol="0">
+            <a:spAutoFit/>
+          </a:bodyPr>
+          <a:lstStyle/>
+          <a:p>
+            <a:r>
+              <a:rPr lang="fr-FR" dirty="0" err="1"/>
+              <a:t>clic|comm</a:t>
+            </a:r>
+            <a:endParaRPr lang="fr-FR" dirty="0"/>
+          </a:p>
+          <a:p>
+            <a:r>
+              <a:rPr lang="fr-FR" dirty="0"/>
+              <a:t>Pas </a:t>
+            </a:r>
+            <a:r>
+              <a:rPr lang="fr-FR" dirty="0" err="1"/>
+              <a:t>complete</a:t>
+            </a:r>
+            <a:endParaRPr lang="fr-FR" dirty="0"/>
+          </a:p>
+        </p:txBody>
+      </p:sp>
+      <p:sp>
+        <p:nvSpPr>
+          <p:cNvPr id="28" name="ZoneTexte 27">
+            <a:extLst>
+              <a:ext uri="{FF2B5EF4-FFF2-40B4-BE49-F238E27FC236}">
+                <a16:creationId xmlns:a16="http://schemas.microsoft.com/office/drawing/2014/main" id="{07B38EED-F494-4DA1-99BD-178A64F91919}"/>
+              </a:ext>
+            </a:extLst>
+          </p:cNvPr>
+          <p:cNvSpPr txBox="1"/>
+          <p:nvPr/>
+        </p:nvSpPr>
+        <p:spPr>
+          <a:xfrm>
+            <a:off x="6567559" y="2415299"/>
+            <a:ext cx="296876" cy="369332"/>
+          </a:xfrm>
+          <a:prstGeom prst="rect">
+            <a:avLst/>
+          </a:prstGeom>
+          <a:noFill/>
+        </p:spPr>
+        <p:txBody>
+          <a:bodyPr wrap="none" rtlCol="0">
+            <a:spAutoFit/>
+          </a:bodyPr>
+          <a:lstStyle/>
+          <a:p>
+            <a:r>
+              <a:rPr lang="fr-FR" dirty="0"/>
+              <a:t>T</a:t>
+            </a:r>
+          </a:p>
+        </p:txBody>
+      </p:sp>
+      <p:sp>
+        <p:nvSpPr>
+          <p:cNvPr id="29" name="ZoneTexte 28">
+            <a:extLst>
+              <a:ext uri="{FF2B5EF4-FFF2-40B4-BE49-F238E27FC236}">
+                <a16:creationId xmlns:a16="http://schemas.microsoft.com/office/drawing/2014/main" id="{89524E9C-C15B-4526-A8D0-CF2739EF8E04}"/>
+              </a:ext>
+            </a:extLst>
+          </p:cNvPr>
+          <p:cNvSpPr txBox="1"/>
+          <p:nvPr/>
+        </p:nvSpPr>
+        <p:spPr>
+          <a:xfrm>
+            <a:off x="8147653" y="2478381"/>
+            <a:ext cx="1239250" cy="369332"/>
+          </a:xfrm>
+          <a:prstGeom prst="rect">
+            <a:avLst/>
+          </a:prstGeom>
+          <a:noFill/>
+        </p:spPr>
+        <p:txBody>
+          <a:bodyPr wrap="none" rtlCol="0">
+            <a:spAutoFit/>
+          </a:bodyPr>
+          <a:lstStyle/>
+          <a:p>
+            <a:r>
+              <a:rPr lang="fr-FR" dirty="0"/>
+              <a:t>Attente clic</a:t>
+            </a:r>
+          </a:p>
+        </p:txBody>
+      </p:sp>
+      <p:cxnSp>
+        <p:nvCxnSpPr>
+          <p:cNvPr id="31" name="Connecteur : en arc 30">
+            <a:extLst>
+              <a:ext uri="{FF2B5EF4-FFF2-40B4-BE49-F238E27FC236}">
+                <a16:creationId xmlns:a16="http://schemas.microsoft.com/office/drawing/2014/main" id="{505CA480-4290-42E4-8E14-A6192A260DD3}"/>
+              </a:ext>
+            </a:extLst>
+          </p:cNvPr>
+          <p:cNvCxnSpPr>
+            <a:cxnSpLocks/>
+            <a:stCxn id="16" idx="4"/>
+            <a:endCxn id="4" idx="4"/>
+          </p:cNvCxnSpPr>
+          <p:nvPr/>
+        </p:nvCxnSpPr>
+        <p:spPr>
+          <a:xfrm rot="5400000" flipH="1">
+            <a:off x="5751588" y="889684"/>
+            <a:ext cx="57037" cy="4103433"/>
+          </a:xfrm>
+          <a:prstGeom prst="curvedConnector3">
+            <a:avLst>
+              <a:gd name="adj1" fmla="val -4604660"/>
+            </a:avLst>
+          </a:prstGeom>
+          <a:ln>
+            <a:tailEnd type="triangle"/>
+          </a:ln>
+        </p:spPr>
+        <p:style>
+          <a:lnRef idx="1">
+            <a:schemeClr val="accent1"/>
+          </a:lnRef>
+          <a:fillRef idx="0">
+            <a:schemeClr val="accent1"/>
+          </a:fillRef>
+          <a:effectRef idx="0">
+            <a:schemeClr val="accent1"/>
+          </a:effectRef>
+          <a:fontRef idx="minor">
+            <a:schemeClr val="tx1"/>
+          </a:fontRef>
+        </p:style>
+      </p:cxnSp>
+      <p:cxnSp>
+        <p:nvCxnSpPr>
+          <p:cNvPr id="35" name="Connecteur : en arc 34">
+            <a:extLst>
+              <a:ext uri="{FF2B5EF4-FFF2-40B4-BE49-F238E27FC236}">
+                <a16:creationId xmlns:a16="http://schemas.microsoft.com/office/drawing/2014/main" id="{42DF71C9-73DB-4D30-A79A-C503F4793B10}"/>
+              </a:ext>
+            </a:extLst>
+          </p:cNvPr>
+          <p:cNvCxnSpPr>
+            <a:stCxn id="5" idx="2"/>
+            <a:endCxn id="4" idx="6"/>
+          </p:cNvCxnSpPr>
+          <p:nvPr/>
+        </p:nvCxnSpPr>
+        <p:spPr>
+          <a:xfrm rot="10800000">
+            <a:off x="4039475" y="2658359"/>
+            <a:ext cx="1113935" cy="18851"/>
+          </a:xfrm>
+          <a:prstGeom prst="curvedConnector3">
+            <a:avLst/>
+          </a:prstGeom>
+          <a:ln>
+            <a:tailEnd type="triangle"/>
+          </a:ln>
+        </p:spPr>
+        <p:style>
+          <a:lnRef idx="1">
+            <a:schemeClr val="accent1"/>
+          </a:lnRef>
+          <a:fillRef idx="0">
+            <a:schemeClr val="accent1"/>
+          </a:fillRef>
+          <a:effectRef idx="0">
+            <a:schemeClr val="accent1"/>
+          </a:effectRef>
+          <a:fontRef idx="minor">
+            <a:schemeClr val="tx1"/>
+          </a:fontRef>
+        </p:style>
+      </p:cxnSp>
+      <p:sp>
+        <p:nvSpPr>
+          <p:cNvPr id="36" name="ZoneTexte 35">
+            <a:extLst>
+              <a:ext uri="{FF2B5EF4-FFF2-40B4-BE49-F238E27FC236}">
+                <a16:creationId xmlns:a16="http://schemas.microsoft.com/office/drawing/2014/main" id="{9F4A104C-D67A-47D1-A17F-525F899C3BB0}"/>
+              </a:ext>
+            </a:extLst>
+          </p:cNvPr>
+          <p:cNvSpPr txBox="1"/>
+          <p:nvPr/>
+        </p:nvSpPr>
+        <p:spPr>
+          <a:xfrm rot="19823965">
+            <a:off x="3943935" y="2710220"/>
+            <a:ext cx="658129" cy="369332"/>
+          </a:xfrm>
+          <a:prstGeom prst="rect">
+            <a:avLst/>
+          </a:prstGeom>
+          <a:noFill/>
+        </p:spPr>
+        <p:txBody>
+          <a:bodyPr wrap="none" rtlCol="0">
+            <a:spAutoFit/>
+          </a:bodyPr>
+          <a:lstStyle/>
+          <a:p>
+            <a:r>
+              <a:rPr lang="fr-FR" dirty="0"/>
+              <a:t>reset</a:t>
+            </a:r>
+          </a:p>
+        </p:txBody>
+      </p:sp>
+      <p:sp>
+        <p:nvSpPr>
+          <p:cNvPr id="42" name="ZoneTexte 41">
+            <a:extLst>
+              <a:ext uri="{FF2B5EF4-FFF2-40B4-BE49-F238E27FC236}">
+                <a16:creationId xmlns:a16="http://schemas.microsoft.com/office/drawing/2014/main" id="{C6CD36E2-26DA-4120-AED6-FE981A5A1F14}"/>
+              </a:ext>
+            </a:extLst>
+          </p:cNvPr>
+          <p:cNvSpPr txBox="1"/>
+          <p:nvPr/>
+        </p:nvSpPr>
+        <p:spPr>
+          <a:xfrm>
+            <a:off x="4311235" y="1816215"/>
+            <a:ext cx="418704" cy="369332"/>
+          </a:xfrm>
+          <a:prstGeom prst="rect">
+            <a:avLst/>
+          </a:prstGeom>
+          <a:noFill/>
+        </p:spPr>
+        <p:txBody>
+          <a:bodyPr wrap="none" rtlCol="0">
+            <a:spAutoFit/>
+          </a:bodyPr>
+          <a:lstStyle/>
+          <a:p>
+            <a:r>
+              <a:rPr lang="fr-FR" dirty="0"/>
+              <a:t>1$</a:t>
+            </a:r>
+          </a:p>
+        </p:txBody>
+      </p:sp>
+      <p:sp>
+        <p:nvSpPr>
+          <p:cNvPr id="44" name="Ellipse 43">
+            <a:extLst>
+              <a:ext uri="{FF2B5EF4-FFF2-40B4-BE49-F238E27FC236}">
+                <a16:creationId xmlns:a16="http://schemas.microsoft.com/office/drawing/2014/main" id="{6C6472F4-8079-4F27-9BE1-B10DE856DA74}"/>
               </a:ext>
             </a:extLst>
           </p:cNvPr>
@@ -4058,12 +5016,13 @@
         </p:nvSpPr>
         <p:spPr>
           <a:xfrm>
-            <a:off x="3045039" y="2787589"/>
-            <a:ext cx="532660" cy="523783"/>
+            <a:off x="4733820" y="3789693"/>
+            <a:ext cx="622168" cy="509047"/>
           </a:xfrm>
           <a:prstGeom prst="ellipse">
             <a:avLst/>
           </a:prstGeom>
+          <a:ln/>
         </p:spPr>
         <p:style>
           <a:lnRef idx="2">
@@ -4084,173 +5043,104 @@
           <a:lstStyle/>
           <a:p>
             <a:pPr algn="ctr"/>
-            <a:r>
-              <a:rPr lang="fr-FR" sz="1400" dirty="0"/>
-              <a:t>E2</a:t>
-            </a:r>
-          </a:p>
-        </p:txBody>
-      </p:sp>
-      <p:sp>
-        <p:nvSpPr>
-          <p:cNvPr id="48" name="Ellipse 47">
-            <a:extLst>
-              <a:ext uri="{FF2B5EF4-FFF2-40B4-BE49-F238E27FC236}">
-                <a16:creationId xmlns:a16="http://schemas.microsoft.com/office/drawing/2014/main" id="{C2EECA59-AB51-4067-8C2B-A22D66013523}"/>
-              </a:ext>
-            </a:extLst>
-          </p:cNvPr>
-          <p:cNvSpPr/>
-          <p:nvPr/>
-        </p:nvSpPr>
-        <p:spPr>
-          <a:xfrm>
-            <a:off x="2512378" y="3808521"/>
-            <a:ext cx="532660" cy="523783"/>
-          </a:xfrm>
-          <a:prstGeom prst="ellipse">
-            <a:avLst/>
-          </a:prstGeom>
-        </p:spPr>
-        <p:style>
-          <a:lnRef idx="2">
-            <a:schemeClr val="dk1"/>
-          </a:lnRef>
-          <a:fillRef idx="1">
-            <a:schemeClr val="lt1"/>
-          </a:fillRef>
-          <a:effectRef idx="0">
-            <a:schemeClr val="dk1"/>
-          </a:effectRef>
-          <a:fontRef idx="minor">
-            <a:schemeClr val="dk1"/>
-          </a:fontRef>
-        </p:style>
-        <p:txBody>
-          <a:bodyPr rtlCol="0" anchor="ctr"/>
-          <a:lstStyle/>
-          <a:p>
-            <a:pPr algn="ctr"/>
-            <a:r>
-              <a:rPr lang="fr-FR" sz="1400" dirty="0"/>
-              <a:t>E3</a:t>
-            </a:r>
-          </a:p>
-        </p:txBody>
-      </p:sp>
-      <p:sp>
-        <p:nvSpPr>
-          <p:cNvPr id="49" name="Ellipse 48">
-            <a:extLst>
-              <a:ext uri="{FF2B5EF4-FFF2-40B4-BE49-F238E27FC236}">
-                <a16:creationId xmlns:a16="http://schemas.microsoft.com/office/drawing/2014/main" id="{EA2FE788-0E37-43C5-B0A0-CDDC19B7A4BB}"/>
-              </a:ext>
-            </a:extLst>
-          </p:cNvPr>
-          <p:cNvSpPr/>
-          <p:nvPr/>
-        </p:nvSpPr>
-        <p:spPr>
-          <a:xfrm>
-            <a:off x="1979719" y="4829453"/>
-            <a:ext cx="532660" cy="523783"/>
-          </a:xfrm>
-          <a:prstGeom prst="ellipse">
-            <a:avLst/>
-          </a:prstGeom>
-        </p:spPr>
-        <p:style>
-          <a:lnRef idx="2">
-            <a:schemeClr val="dk1"/>
-          </a:lnRef>
-          <a:fillRef idx="1">
-            <a:schemeClr val="lt1"/>
-          </a:fillRef>
-          <a:effectRef idx="0">
-            <a:schemeClr val="dk1"/>
-          </a:effectRef>
-          <a:fontRef idx="minor">
-            <a:schemeClr val="dk1"/>
-          </a:fontRef>
-        </p:style>
-        <p:txBody>
-          <a:bodyPr rtlCol="0" anchor="ctr"/>
-          <a:lstStyle/>
-          <a:p>
-            <a:pPr algn="ctr"/>
-            <a:r>
-              <a:rPr lang="fr-FR" sz="1400" dirty="0"/>
-              <a:t>E4</a:t>
-            </a:r>
-          </a:p>
-        </p:txBody>
-      </p:sp>
-      <p:sp>
-        <p:nvSpPr>
-          <p:cNvPr id="50" name="Ellipse 49">
-            <a:extLst>
-              <a:ext uri="{FF2B5EF4-FFF2-40B4-BE49-F238E27FC236}">
-                <a16:creationId xmlns:a16="http://schemas.microsoft.com/office/drawing/2014/main" id="{834F6F82-EC82-46CF-B2EF-ABA95394F4FA}"/>
-              </a:ext>
-            </a:extLst>
-          </p:cNvPr>
-          <p:cNvSpPr/>
-          <p:nvPr/>
-        </p:nvSpPr>
-        <p:spPr>
-          <a:xfrm>
-            <a:off x="3045039" y="4829453"/>
-            <a:ext cx="532660" cy="523783"/>
-          </a:xfrm>
-          <a:prstGeom prst="ellipse">
-            <a:avLst/>
-          </a:prstGeom>
-        </p:spPr>
-        <p:style>
-          <a:lnRef idx="2">
-            <a:schemeClr val="dk1"/>
-          </a:lnRef>
-          <a:fillRef idx="1">
-            <a:schemeClr val="lt1"/>
-          </a:fillRef>
-          <a:effectRef idx="0">
-            <a:schemeClr val="dk1"/>
-          </a:effectRef>
-          <a:fontRef idx="minor">
-            <a:schemeClr val="dk1"/>
-          </a:fontRef>
-        </p:style>
-        <p:txBody>
-          <a:bodyPr rtlCol="0" anchor="ctr"/>
-          <a:lstStyle/>
-          <a:p>
-            <a:pPr algn="ctr"/>
-            <a:r>
-              <a:rPr lang="fr-FR" sz="1400" dirty="0"/>
-              <a:t>E5</a:t>
-            </a:r>
+            <a:endParaRPr lang="fr-FR" dirty="0"/>
           </a:p>
         </p:txBody>
       </p:sp>
       <p:cxnSp>
         <p:nvCxnSpPr>
-          <p:cNvPr id="52" name="Connecteur droit avec flèche 51">
-            <a:extLst>
-              <a:ext uri="{FF2B5EF4-FFF2-40B4-BE49-F238E27FC236}">
-                <a16:creationId xmlns:a16="http://schemas.microsoft.com/office/drawing/2014/main" id="{4ECD6D07-05AE-487D-8B57-F16B058D89CE}"/>
+          <p:cNvPr id="58" name="Connecteur : en arc 57">
+            <a:extLst>
+              <a:ext uri="{FF2B5EF4-FFF2-40B4-BE49-F238E27FC236}">
+                <a16:creationId xmlns:a16="http://schemas.microsoft.com/office/drawing/2014/main" id="{5BB3B1E0-4EB2-4187-908A-EB0CC551096A}"/>
               </a:ext>
             </a:extLst>
           </p:cNvPr>
           <p:cNvCxnSpPr>
-            <a:stCxn id="40" idx="3"/>
-            <a:endCxn id="46" idx="0"/>
+            <a:cxnSpLocks/>
           </p:cNvCxnSpPr>
           <p:nvPr/>
         </p:nvCxnSpPr>
         <p:spPr>
-          <a:xfrm flipH="1">
-            <a:off x="2246049" y="2213734"/>
-            <a:ext cx="344336" cy="573855"/>
+          <a:xfrm rot="5400000">
+            <a:off x="4849650" y="3471908"/>
+            <a:ext cx="1112485" cy="108505"/>
+          </a:xfrm>
+          <a:prstGeom prst="curvedConnector2">
+            <a:avLst/>
+          </a:prstGeom>
+          <a:ln>
+            <a:tailEnd type="triangle"/>
+          </a:ln>
+        </p:spPr>
+        <p:style>
+          <a:lnRef idx="1">
+            <a:schemeClr val="accent1"/>
+          </a:lnRef>
+          <a:fillRef idx="0">
+            <a:schemeClr val="accent1"/>
+          </a:fillRef>
+          <a:effectRef idx="0">
+            <a:schemeClr val="accent1"/>
+          </a:effectRef>
+          <a:fontRef idx="minor">
+            <a:schemeClr val="tx1"/>
+          </a:fontRef>
+        </p:style>
+      </p:cxnSp>
+      <p:sp>
+        <p:nvSpPr>
+          <p:cNvPr id="59" name="ZoneTexte 58">
+            <a:extLst>
+              <a:ext uri="{FF2B5EF4-FFF2-40B4-BE49-F238E27FC236}">
+                <a16:creationId xmlns:a16="http://schemas.microsoft.com/office/drawing/2014/main" id="{EC1E86F1-8CDB-4651-994A-C3CA944F46EB}"/>
+              </a:ext>
+            </a:extLst>
+          </p:cNvPr>
+          <p:cNvSpPr txBox="1"/>
+          <p:nvPr/>
+        </p:nvSpPr>
+        <p:spPr>
+          <a:xfrm>
+            <a:off x="5460145" y="3385441"/>
+            <a:ext cx="486030" cy="369332"/>
+          </a:xfrm>
+          <a:prstGeom prst="rect">
+            <a:avLst/>
+          </a:prstGeom>
+          <a:noFill/>
+        </p:spPr>
+        <p:txBody>
+          <a:bodyPr wrap="none" rtlCol="0">
+            <a:spAutoFit/>
+          </a:bodyPr>
+          <a:lstStyle/>
+          <a:p>
+            <a:r>
+              <a:rPr lang="fr-FR" dirty="0"/>
+              <a:t>clic</a:t>
+            </a:r>
+          </a:p>
+        </p:txBody>
+      </p:sp>
+      <p:cxnSp>
+        <p:nvCxnSpPr>
+          <p:cNvPr id="61" name="Connecteur droit avec flèche 60">
+            <a:extLst>
+              <a:ext uri="{FF2B5EF4-FFF2-40B4-BE49-F238E27FC236}">
+                <a16:creationId xmlns:a16="http://schemas.microsoft.com/office/drawing/2014/main" id="{4A7F457F-E488-4525-AED3-3C4D6AE498E7}"/>
+              </a:ext>
+            </a:extLst>
+          </p:cNvPr>
+          <p:cNvCxnSpPr>
+            <a:stCxn id="44" idx="7"/>
+          </p:cNvCxnSpPr>
+          <p:nvPr/>
+        </p:nvCxnSpPr>
+        <p:spPr>
+          <a:xfrm flipV="1">
+            <a:off x="5264874" y="3015549"/>
+            <a:ext cx="141018" cy="848692"/>
           </a:xfrm>
           <a:prstGeom prst="straightConnector1">
             <a:avLst/>
@@ -4260,14 +5150,14 @@
           </a:ln>
         </p:spPr>
         <p:style>
-          <a:lnRef idx="2">
-            <a:schemeClr val="dk1"/>
+          <a:lnRef idx="1">
+            <a:schemeClr val="accent1"/>
           </a:lnRef>
           <a:fillRef idx="0">
-            <a:schemeClr val="dk1"/>
+            <a:schemeClr val="accent1"/>
           </a:fillRef>
-          <a:effectRef idx="1">
-            <a:schemeClr val="dk1"/>
+          <a:effectRef idx="0">
+            <a:schemeClr val="accent1"/>
           </a:effectRef>
           <a:fontRef idx="minor">
             <a:schemeClr val="tx1"/>
@@ -4276,67 +5166,245 @@
       </p:cxnSp>
       <p:cxnSp>
         <p:nvCxnSpPr>
-          <p:cNvPr id="54" name="Connecteur droit avec flèche 53">
-            <a:extLst>
-              <a:ext uri="{FF2B5EF4-FFF2-40B4-BE49-F238E27FC236}">
-                <a16:creationId xmlns:a16="http://schemas.microsoft.com/office/drawing/2014/main" id="{0A19A22A-6FEB-46A7-BEE8-2DEBB84C959C}"/>
+          <p:cNvPr id="63" name="Connecteur : en arc 62">
+            <a:extLst>
+              <a:ext uri="{FF2B5EF4-FFF2-40B4-BE49-F238E27FC236}">
+                <a16:creationId xmlns:a16="http://schemas.microsoft.com/office/drawing/2014/main" id="{2DC20373-AEA7-445C-A8BF-CC9007D7CC41}"/>
               </a:ext>
             </a:extLst>
           </p:cNvPr>
           <p:cNvCxnSpPr>
-            <a:stCxn id="40" idx="5"/>
-            <a:endCxn id="47" idx="0"/>
+            <a:stCxn id="44" idx="1"/>
+            <a:endCxn id="5" idx="3"/>
           </p:cNvCxnSpPr>
           <p:nvPr/>
         </p:nvCxnSpPr>
         <p:spPr>
-          <a:xfrm>
-            <a:off x="2967033" y="2213734"/>
-            <a:ext cx="344336" cy="573855"/>
-          </a:xfrm>
-          <a:prstGeom prst="straightConnector1">
-            <a:avLst/>
+          <a:xfrm rot="5400000" flipH="1" flipV="1">
+            <a:off x="4531200" y="3150919"/>
+            <a:ext cx="1007057" cy="419589"/>
+          </a:xfrm>
+          <a:prstGeom prst="curvedConnector3">
+            <a:avLst>
+              <a:gd name="adj1" fmla="val 68160"/>
+            </a:avLst>
           </a:prstGeom>
           <a:ln>
             <a:tailEnd type="triangle"/>
           </a:ln>
         </p:spPr>
         <p:style>
-          <a:lnRef idx="2">
-            <a:schemeClr val="dk1"/>
+          <a:lnRef idx="1">
+            <a:schemeClr val="accent1"/>
           </a:lnRef>
           <a:fillRef idx="0">
-            <a:schemeClr val="dk1"/>
+            <a:schemeClr val="accent1"/>
           </a:fillRef>
-          <a:effectRef idx="1">
-            <a:schemeClr val="dk1"/>
+          <a:effectRef idx="0">
+            <a:schemeClr val="accent1"/>
           </a:effectRef>
           <a:fontRef idx="minor">
             <a:schemeClr val="tx1"/>
           </a:fontRef>
         </p:style>
       </p:cxnSp>
+      <p:sp>
+        <p:nvSpPr>
+          <p:cNvPr id="65" name="ZoneTexte 64">
+            <a:extLst>
+              <a:ext uri="{FF2B5EF4-FFF2-40B4-BE49-F238E27FC236}">
+                <a16:creationId xmlns:a16="http://schemas.microsoft.com/office/drawing/2014/main" id="{939062FA-FA71-4C65-962B-CB02ACE66AEE}"/>
+              </a:ext>
+            </a:extLst>
+          </p:cNvPr>
+          <p:cNvSpPr txBox="1"/>
+          <p:nvPr/>
+        </p:nvSpPr>
+        <p:spPr>
+          <a:xfrm>
+            <a:off x="4485594" y="3317178"/>
+            <a:ext cx="460447" cy="369332"/>
+          </a:xfrm>
+          <a:prstGeom prst="rect">
+            <a:avLst/>
+          </a:prstGeom>
+          <a:noFill/>
+        </p:spPr>
+        <p:txBody>
+          <a:bodyPr wrap="none" rtlCol="0">
+            <a:spAutoFit/>
+          </a:bodyPr>
+          <a:lstStyle/>
+          <a:p>
+            <a:r>
+              <a:rPr lang="fr-FR" dirty="0" err="1"/>
+              <a:t>sra</a:t>
+            </a:r>
+            <a:endParaRPr lang="fr-FR" dirty="0"/>
+          </a:p>
+        </p:txBody>
+      </p:sp>
+      <p:sp>
+        <p:nvSpPr>
+          <p:cNvPr id="66" name="ZoneTexte 65">
+            <a:extLst>
+              <a:ext uri="{FF2B5EF4-FFF2-40B4-BE49-F238E27FC236}">
+                <a16:creationId xmlns:a16="http://schemas.microsoft.com/office/drawing/2014/main" id="{7C6CD308-2B13-47AA-BE19-48FC2D688FEB}"/>
+              </a:ext>
+            </a:extLst>
+          </p:cNvPr>
+          <p:cNvSpPr txBox="1"/>
+          <p:nvPr/>
+        </p:nvSpPr>
+        <p:spPr>
+          <a:xfrm rot="19823965">
+            <a:off x="3110165" y="3501906"/>
+            <a:ext cx="658129" cy="369332"/>
+          </a:xfrm>
+          <a:prstGeom prst="rect">
+            <a:avLst/>
+          </a:prstGeom>
+          <a:noFill/>
+        </p:spPr>
+        <p:txBody>
+          <a:bodyPr wrap="none" rtlCol="0">
+            <a:spAutoFit/>
+          </a:bodyPr>
+          <a:lstStyle/>
+          <a:p>
+            <a:r>
+              <a:rPr lang="fr-FR" dirty="0"/>
+              <a:t>reset</a:t>
+            </a:r>
+          </a:p>
+        </p:txBody>
+      </p:sp>
+      <p:sp>
+        <p:nvSpPr>
+          <p:cNvPr id="67" name="ZoneTexte 66">
+            <a:extLst>
+              <a:ext uri="{FF2B5EF4-FFF2-40B4-BE49-F238E27FC236}">
+                <a16:creationId xmlns:a16="http://schemas.microsoft.com/office/drawing/2014/main" id="{C95E5ED8-D6DB-49CD-A4A6-19EFE06C1CF5}"/>
+              </a:ext>
+            </a:extLst>
+          </p:cNvPr>
+          <p:cNvSpPr txBox="1"/>
+          <p:nvPr/>
+        </p:nvSpPr>
+        <p:spPr>
+          <a:xfrm>
+            <a:off x="5032769" y="3421929"/>
+            <a:ext cx="296876" cy="369332"/>
+          </a:xfrm>
+          <a:prstGeom prst="rect">
+            <a:avLst/>
+          </a:prstGeom>
+          <a:noFill/>
+        </p:spPr>
+        <p:txBody>
+          <a:bodyPr wrap="none" rtlCol="0">
+            <a:spAutoFit/>
+          </a:bodyPr>
+          <a:lstStyle/>
+          <a:p>
+            <a:r>
+              <a:rPr lang="fr-FR" dirty="0"/>
+              <a:t>T</a:t>
+            </a:r>
+          </a:p>
+        </p:txBody>
+      </p:sp>
+      <p:sp>
+        <p:nvSpPr>
+          <p:cNvPr id="68" name="ZoneTexte 67">
+            <a:extLst>
+              <a:ext uri="{FF2B5EF4-FFF2-40B4-BE49-F238E27FC236}">
+                <a16:creationId xmlns:a16="http://schemas.microsoft.com/office/drawing/2014/main" id="{581C1085-E73C-4A41-8014-08C45867531D}"/>
+              </a:ext>
+            </a:extLst>
+          </p:cNvPr>
+          <p:cNvSpPr txBox="1"/>
+          <p:nvPr/>
+        </p:nvSpPr>
+        <p:spPr>
+          <a:xfrm>
+            <a:off x="4327919" y="4298740"/>
+            <a:ext cx="2493118" cy="369332"/>
+          </a:xfrm>
+          <a:prstGeom prst="rect">
+            <a:avLst/>
+          </a:prstGeom>
+          <a:noFill/>
+        </p:spPr>
+        <p:txBody>
+          <a:bodyPr wrap="none" rtlCol="0">
+            <a:spAutoFit/>
+          </a:bodyPr>
+          <a:lstStyle/>
+          <a:p>
+            <a:r>
+              <a:rPr lang="fr-FR" dirty="0"/>
+              <a:t>Attente position/couleur</a:t>
+            </a:r>
+          </a:p>
+        </p:txBody>
+      </p:sp>
+      <p:sp>
+        <p:nvSpPr>
+          <p:cNvPr id="69" name="ZoneTexte 68">
+            <a:extLst>
+              <a:ext uri="{FF2B5EF4-FFF2-40B4-BE49-F238E27FC236}">
+                <a16:creationId xmlns:a16="http://schemas.microsoft.com/office/drawing/2014/main" id="{FC0DC047-44E3-4594-8A25-3EC7E3A40F8B}"/>
+              </a:ext>
+            </a:extLst>
+          </p:cNvPr>
+          <p:cNvSpPr txBox="1"/>
+          <p:nvPr/>
+        </p:nvSpPr>
+        <p:spPr>
+          <a:xfrm>
+            <a:off x="172071" y="149500"/>
+            <a:ext cx="5923929" cy="369332"/>
+          </a:xfrm>
+          <a:prstGeom prst="rect">
+            <a:avLst/>
+          </a:prstGeom>
+          <a:noFill/>
+        </p:spPr>
+        <p:txBody>
+          <a:bodyPr wrap="none" rtlCol="0">
+            <a:spAutoFit/>
+          </a:bodyPr>
+          <a:lstStyle/>
+          <a:p>
+            <a:r>
+              <a:rPr lang="fr-FR" dirty="0"/>
+              <a:t>Etat intermédiaire pour gérer clic avant commande et inverse</a:t>
+            </a:r>
+          </a:p>
+        </p:txBody>
+      </p:sp>
       <p:cxnSp>
         <p:nvCxnSpPr>
-          <p:cNvPr id="56" name="Connecteur droit avec flèche 55">
-            <a:extLst>
-              <a:ext uri="{FF2B5EF4-FFF2-40B4-BE49-F238E27FC236}">
-                <a16:creationId xmlns:a16="http://schemas.microsoft.com/office/drawing/2014/main" id="{507D64D9-2764-49BC-9099-4B5028A290A8}"/>
+          <p:cNvPr id="71" name="Connecteur : en arc 70">
+            <a:extLst>
+              <a:ext uri="{FF2B5EF4-FFF2-40B4-BE49-F238E27FC236}">
+                <a16:creationId xmlns:a16="http://schemas.microsoft.com/office/drawing/2014/main" id="{6D92093B-A44F-4A0C-86E6-5B4ADEDB01B3}"/>
               </a:ext>
             </a:extLst>
           </p:cNvPr>
           <p:cNvCxnSpPr>
-            <a:stCxn id="46" idx="4"/>
-            <a:endCxn id="48" idx="1"/>
+            <a:stCxn id="44" idx="2"/>
+            <a:endCxn id="4" idx="5"/>
           </p:cNvCxnSpPr>
           <p:nvPr/>
         </p:nvCxnSpPr>
         <p:spPr>
-          <a:xfrm>
-            <a:off x="2246049" y="3311372"/>
-            <a:ext cx="344335" cy="573855"/>
-          </a:xfrm>
-          <a:prstGeom prst="straightConnector1">
+          <a:xfrm rot="10800000">
+            <a:off x="3948360" y="2838333"/>
+            <a:ext cx="785460" cy="1205884"/>
+          </a:xfrm>
+          <a:prstGeom prst="curvedConnector2">
             <a:avLst/>
           </a:prstGeom>
           <a:ln>
@@ -4344,242 +5412,26 @@
           </a:ln>
         </p:spPr>
         <p:style>
-          <a:lnRef idx="2">
-            <a:schemeClr val="dk1"/>
+          <a:lnRef idx="1">
+            <a:schemeClr val="accent1"/>
           </a:lnRef>
           <a:fillRef idx="0">
-            <a:schemeClr val="dk1"/>
+            <a:schemeClr val="accent1"/>
           </a:fillRef>
-          <a:effectRef idx="1">
-            <a:schemeClr val="dk1"/>
+          <a:effectRef idx="0">
+            <a:schemeClr val="accent1"/>
           </a:effectRef>
           <a:fontRef idx="minor">
             <a:schemeClr val="tx1"/>
           </a:fontRef>
         </p:style>
       </p:cxnSp>
-      <p:cxnSp>
-        <p:nvCxnSpPr>
-          <p:cNvPr id="58" name="Connecteur droit avec flèche 57">
-            <a:extLst>
-              <a:ext uri="{FF2B5EF4-FFF2-40B4-BE49-F238E27FC236}">
-                <a16:creationId xmlns:a16="http://schemas.microsoft.com/office/drawing/2014/main" id="{22913731-C4E1-41D9-BC10-126764302063}"/>
-              </a:ext>
-            </a:extLst>
-          </p:cNvPr>
-          <p:cNvCxnSpPr>
-            <a:stCxn id="47" idx="4"/>
-            <a:endCxn id="48" idx="7"/>
-          </p:cNvCxnSpPr>
-          <p:nvPr/>
-        </p:nvCxnSpPr>
-        <p:spPr>
-          <a:xfrm flipH="1">
-            <a:off x="2967032" y="3311372"/>
-            <a:ext cx="344337" cy="573855"/>
-          </a:xfrm>
-          <a:prstGeom prst="straightConnector1">
-            <a:avLst/>
-          </a:prstGeom>
-          <a:ln>
-            <a:tailEnd type="triangle"/>
-          </a:ln>
-        </p:spPr>
-        <p:style>
-          <a:lnRef idx="2">
-            <a:schemeClr val="dk1"/>
-          </a:lnRef>
-          <a:fillRef idx="0">
-            <a:schemeClr val="dk1"/>
-          </a:fillRef>
-          <a:effectRef idx="1">
-            <a:schemeClr val="dk1"/>
-          </a:effectRef>
-          <a:fontRef idx="minor">
-            <a:schemeClr val="tx1"/>
-          </a:fontRef>
-        </p:style>
-      </p:cxnSp>
-      <p:cxnSp>
-        <p:nvCxnSpPr>
-          <p:cNvPr id="60" name="Connecteur droit avec flèche 59">
-            <a:extLst>
-              <a:ext uri="{FF2B5EF4-FFF2-40B4-BE49-F238E27FC236}">
-                <a16:creationId xmlns:a16="http://schemas.microsoft.com/office/drawing/2014/main" id="{67CEA606-2278-43A9-9594-7B5504A422BE}"/>
-              </a:ext>
-            </a:extLst>
-          </p:cNvPr>
-          <p:cNvCxnSpPr>
-            <a:stCxn id="48" idx="3"/>
-            <a:endCxn id="49" idx="0"/>
-          </p:cNvCxnSpPr>
-          <p:nvPr/>
-        </p:nvCxnSpPr>
-        <p:spPr>
-          <a:xfrm flipH="1">
-            <a:off x="2246049" y="4255598"/>
-            <a:ext cx="344335" cy="573855"/>
-          </a:xfrm>
-          <a:prstGeom prst="straightConnector1">
-            <a:avLst/>
-          </a:prstGeom>
-          <a:ln>
-            <a:tailEnd type="triangle"/>
-          </a:ln>
-        </p:spPr>
-        <p:style>
-          <a:lnRef idx="2">
-            <a:schemeClr val="dk1"/>
-          </a:lnRef>
-          <a:fillRef idx="0">
-            <a:schemeClr val="dk1"/>
-          </a:fillRef>
-          <a:effectRef idx="1">
-            <a:schemeClr val="dk1"/>
-          </a:effectRef>
-          <a:fontRef idx="minor">
-            <a:schemeClr val="tx1"/>
-          </a:fontRef>
-        </p:style>
-      </p:cxnSp>
-      <p:cxnSp>
-        <p:nvCxnSpPr>
-          <p:cNvPr id="62" name="Connecteur droit avec flèche 61">
-            <a:extLst>
-              <a:ext uri="{FF2B5EF4-FFF2-40B4-BE49-F238E27FC236}">
-                <a16:creationId xmlns:a16="http://schemas.microsoft.com/office/drawing/2014/main" id="{FD2C3290-ECB1-44B6-A9B2-2D1F7307E016}"/>
-              </a:ext>
-            </a:extLst>
-          </p:cNvPr>
-          <p:cNvCxnSpPr>
-            <a:stCxn id="48" idx="5"/>
-            <a:endCxn id="50" idx="0"/>
-          </p:cNvCxnSpPr>
-          <p:nvPr/>
-        </p:nvCxnSpPr>
-        <p:spPr>
-          <a:xfrm>
-            <a:off x="2967032" y="4255598"/>
-            <a:ext cx="344337" cy="573855"/>
-          </a:xfrm>
-          <a:prstGeom prst="straightConnector1">
-            <a:avLst/>
-          </a:prstGeom>
-          <a:ln>
-            <a:tailEnd type="triangle"/>
-          </a:ln>
-        </p:spPr>
-        <p:style>
-          <a:lnRef idx="2">
-            <a:schemeClr val="dk1"/>
-          </a:lnRef>
-          <a:fillRef idx="0">
-            <a:schemeClr val="dk1"/>
-          </a:fillRef>
-          <a:effectRef idx="1">
-            <a:schemeClr val="dk1"/>
-          </a:effectRef>
-          <a:fontRef idx="minor">
-            <a:schemeClr val="tx1"/>
-          </a:fontRef>
-        </p:style>
-      </p:cxnSp>
-      <p:cxnSp>
-        <p:nvCxnSpPr>
-          <p:cNvPr id="64" name="Connecteur : en angle 63">
-            <a:extLst>
-              <a:ext uri="{FF2B5EF4-FFF2-40B4-BE49-F238E27FC236}">
-                <a16:creationId xmlns:a16="http://schemas.microsoft.com/office/drawing/2014/main" id="{9A643D12-1479-4541-A9A8-F2AFEEAE78F9}"/>
-              </a:ext>
-            </a:extLst>
-          </p:cNvPr>
-          <p:cNvCxnSpPr>
-            <a:cxnSpLocks/>
-            <a:stCxn id="50" idx="4"/>
-            <a:endCxn id="40" idx="6"/>
-          </p:cNvCxnSpPr>
-          <p:nvPr/>
-        </p:nvCxnSpPr>
-        <p:spPr>
-          <a:xfrm rot="5400000" flipH="1">
-            <a:off x="1515860" y="3557728"/>
-            <a:ext cx="3324687" cy="266330"/>
-          </a:xfrm>
-          <a:prstGeom prst="bentConnector4">
-            <a:avLst>
-              <a:gd name="adj1" fmla="val -6876"/>
-              <a:gd name="adj2" fmla="val -462501"/>
-            </a:avLst>
-          </a:prstGeom>
-          <a:ln>
-            <a:tailEnd type="triangle"/>
-          </a:ln>
-        </p:spPr>
-        <p:style>
-          <a:lnRef idx="2">
-            <a:schemeClr val="dk1"/>
-          </a:lnRef>
-          <a:fillRef idx="0">
-            <a:schemeClr val="dk1"/>
-          </a:fillRef>
-          <a:effectRef idx="1">
-            <a:schemeClr val="dk1"/>
-          </a:effectRef>
-          <a:fontRef idx="minor">
-            <a:schemeClr val="tx1"/>
-          </a:fontRef>
-        </p:style>
-      </p:cxnSp>
-      <p:cxnSp>
-        <p:nvCxnSpPr>
-          <p:cNvPr id="68" name="Connecteur : en angle 67">
-            <a:extLst>
-              <a:ext uri="{FF2B5EF4-FFF2-40B4-BE49-F238E27FC236}">
-                <a16:creationId xmlns:a16="http://schemas.microsoft.com/office/drawing/2014/main" id="{8D3491DF-F85A-44DA-97C8-20F22CBECCDB}"/>
-              </a:ext>
-            </a:extLst>
-          </p:cNvPr>
-          <p:cNvCxnSpPr>
-            <a:cxnSpLocks/>
-          </p:cNvCxnSpPr>
-          <p:nvPr/>
-        </p:nvCxnSpPr>
-        <p:spPr>
-          <a:xfrm rot="5400000" flipH="1" flipV="1">
-            <a:off x="716871" y="3557728"/>
-            <a:ext cx="3324687" cy="266330"/>
-          </a:xfrm>
-          <a:prstGeom prst="bentConnector4">
-            <a:avLst>
-              <a:gd name="adj1" fmla="val -6876"/>
-              <a:gd name="adj2" fmla="val -499167"/>
-            </a:avLst>
-          </a:prstGeom>
-          <a:ln>
-            <a:tailEnd type="triangle"/>
-          </a:ln>
-        </p:spPr>
-        <p:style>
-          <a:lnRef idx="2">
-            <a:schemeClr val="dk1"/>
-          </a:lnRef>
-          <a:fillRef idx="0">
-            <a:schemeClr val="dk1"/>
-          </a:fillRef>
-          <a:effectRef idx="1">
-            <a:schemeClr val="dk1"/>
-          </a:effectRef>
-          <a:fontRef idx="minor">
-            <a:schemeClr val="tx1"/>
-          </a:fontRef>
-        </p:style>
-      </p:cxnSp>
-      <p:sp>
-        <p:nvSpPr>
-          <p:cNvPr id="70" name="ZoneTexte 69">
-            <a:extLst>
-              <a:ext uri="{FF2B5EF4-FFF2-40B4-BE49-F238E27FC236}">
-                <a16:creationId xmlns:a16="http://schemas.microsoft.com/office/drawing/2014/main" id="{56B040DB-81BB-4AB0-AE49-691751502426}"/>
+      <p:sp>
+        <p:nvSpPr>
+          <p:cNvPr id="72" name="ZoneTexte 71">
+            <a:extLst>
+              <a:ext uri="{FF2B5EF4-FFF2-40B4-BE49-F238E27FC236}">
+                <a16:creationId xmlns:a16="http://schemas.microsoft.com/office/drawing/2014/main" id="{5C993486-B3A8-43AB-8586-9F4FDFC53AEE}"/>
               </a:ext>
             </a:extLst>
           </p:cNvPr>
@@ -4588,8 +5440,8 @@
         </p:nvSpPr>
         <p:spPr>
           <a:xfrm>
-            <a:off x="1921670" y="2222611"/>
-            <a:ext cx="512704" cy="369332"/>
+            <a:off x="10231120" y="3754773"/>
+            <a:ext cx="1387816" cy="369332"/>
           </a:xfrm>
           <a:prstGeom prst="rect">
             <a:avLst/>
@@ -4604,867 +5456,7 @@
           <a:p>
             <a:r>
               <a:rPr lang="fr-FR" dirty="0"/>
-              <a:t>Ev1</a:t>
-            </a:r>
-          </a:p>
-        </p:txBody>
-      </p:sp>
-      <p:sp>
-        <p:nvSpPr>
-          <p:cNvPr id="71" name="ZoneTexte 70">
-            <a:extLst>
-              <a:ext uri="{FF2B5EF4-FFF2-40B4-BE49-F238E27FC236}">
-                <a16:creationId xmlns:a16="http://schemas.microsoft.com/office/drawing/2014/main" id="{D38F971D-B732-4FB9-8354-747B75C5C04F}"/>
-              </a:ext>
-            </a:extLst>
-          </p:cNvPr>
-          <p:cNvSpPr txBox="1"/>
-          <p:nvPr/>
-        </p:nvSpPr>
-        <p:spPr>
-          <a:xfrm>
-            <a:off x="3329302" y="3377749"/>
-            <a:ext cx="512704" cy="369332"/>
-          </a:xfrm>
-          <a:prstGeom prst="rect">
-            <a:avLst/>
-          </a:prstGeom>
-          <a:noFill/>
-        </p:spPr>
-        <p:txBody>
-          <a:bodyPr wrap="none" rtlCol="0">
-            <a:spAutoFit/>
-          </a:bodyPr>
-          <a:lstStyle/>
-          <a:p>
-            <a:r>
-              <a:rPr lang="fr-FR" dirty="0"/>
-              <a:t>Ev1</a:t>
-            </a:r>
-          </a:p>
-        </p:txBody>
-      </p:sp>
-      <p:sp>
-        <p:nvSpPr>
-          <p:cNvPr id="72" name="ZoneTexte 71">
-            <a:extLst>
-              <a:ext uri="{FF2B5EF4-FFF2-40B4-BE49-F238E27FC236}">
-                <a16:creationId xmlns:a16="http://schemas.microsoft.com/office/drawing/2014/main" id="{01B45DC1-4C97-4DA3-896D-1186E6740526}"/>
-              </a:ext>
-            </a:extLst>
-          </p:cNvPr>
-          <p:cNvSpPr txBox="1"/>
-          <p:nvPr/>
-        </p:nvSpPr>
-        <p:spPr>
-          <a:xfrm>
-            <a:off x="3123043" y="2213733"/>
-            <a:ext cx="520142" cy="369332"/>
-          </a:xfrm>
-          <a:prstGeom prst="rect">
-            <a:avLst/>
-          </a:prstGeom>
-          <a:noFill/>
-        </p:spPr>
-        <p:txBody>
-          <a:bodyPr wrap="none" rtlCol="0">
-            <a:spAutoFit/>
-          </a:bodyPr>
-          <a:lstStyle/>
-          <a:p>
-            <a:r>
-              <a:rPr lang="fr-FR" dirty="0"/>
-              <a:t>Ev2</a:t>
-            </a:r>
-          </a:p>
-        </p:txBody>
-      </p:sp>
-      <p:sp>
-        <p:nvSpPr>
-          <p:cNvPr id="73" name="ZoneTexte 72">
-            <a:extLst>
-              <a:ext uri="{FF2B5EF4-FFF2-40B4-BE49-F238E27FC236}">
-                <a16:creationId xmlns:a16="http://schemas.microsoft.com/office/drawing/2014/main" id="{4AF4D7F5-FB32-458F-B9CA-E0B8D103F711}"/>
-              </a:ext>
-            </a:extLst>
-          </p:cNvPr>
-          <p:cNvSpPr txBox="1"/>
-          <p:nvPr/>
-        </p:nvSpPr>
-        <p:spPr>
-          <a:xfrm>
-            <a:off x="1693447" y="3371255"/>
-            <a:ext cx="520142" cy="369332"/>
-          </a:xfrm>
-          <a:prstGeom prst="rect">
-            <a:avLst/>
-          </a:prstGeom>
-          <a:noFill/>
-        </p:spPr>
-        <p:txBody>
-          <a:bodyPr wrap="none" rtlCol="0">
-            <a:spAutoFit/>
-          </a:bodyPr>
-          <a:lstStyle/>
-          <a:p>
-            <a:r>
-              <a:rPr lang="fr-FR" dirty="0"/>
-              <a:t>Ev2</a:t>
-            </a:r>
-          </a:p>
-        </p:txBody>
-      </p:sp>
-      <p:sp>
-        <p:nvSpPr>
-          <p:cNvPr id="74" name="ZoneTexte 73">
-            <a:extLst>
-              <a:ext uri="{FF2B5EF4-FFF2-40B4-BE49-F238E27FC236}">
-                <a16:creationId xmlns:a16="http://schemas.microsoft.com/office/drawing/2014/main" id="{1D5B36C5-ABEF-4FEB-8F28-E3E0063796D6}"/>
-              </a:ext>
-            </a:extLst>
-          </p:cNvPr>
-          <p:cNvSpPr txBox="1"/>
-          <p:nvPr/>
-        </p:nvSpPr>
-        <p:spPr>
-          <a:xfrm>
-            <a:off x="1847276" y="4244412"/>
-            <a:ext cx="512704" cy="369332"/>
-          </a:xfrm>
-          <a:prstGeom prst="rect">
-            <a:avLst/>
-          </a:prstGeom>
-          <a:noFill/>
-        </p:spPr>
-        <p:txBody>
-          <a:bodyPr wrap="none" rtlCol="0">
-            <a:spAutoFit/>
-          </a:bodyPr>
-          <a:lstStyle/>
-          <a:p>
-            <a:r>
-              <a:rPr lang="fr-FR" dirty="0"/>
-              <a:t>Ev3</a:t>
-            </a:r>
-          </a:p>
-        </p:txBody>
-      </p:sp>
-      <p:sp>
-        <p:nvSpPr>
-          <p:cNvPr id="75" name="ZoneTexte 74">
-            <a:extLst>
-              <a:ext uri="{FF2B5EF4-FFF2-40B4-BE49-F238E27FC236}">
-                <a16:creationId xmlns:a16="http://schemas.microsoft.com/office/drawing/2014/main" id="{9DC39040-8A39-466E-837C-843619896FE8}"/>
-              </a:ext>
-            </a:extLst>
-          </p:cNvPr>
-          <p:cNvSpPr txBox="1"/>
-          <p:nvPr/>
-        </p:nvSpPr>
-        <p:spPr>
-          <a:xfrm>
-            <a:off x="4888909" y="3441255"/>
-            <a:ext cx="512704" cy="369332"/>
-          </a:xfrm>
-          <a:prstGeom prst="rect">
-            <a:avLst/>
-          </a:prstGeom>
-          <a:noFill/>
-        </p:spPr>
-        <p:txBody>
-          <a:bodyPr wrap="none" rtlCol="0">
-            <a:spAutoFit/>
-          </a:bodyPr>
-          <a:lstStyle/>
-          <a:p>
-            <a:r>
-              <a:rPr lang="fr-FR" dirty="0"/>
-              <a:t>Ev3</a:t>
-            </a:r>
-          </a:p>
-        </p:txBody>
-      </p:sp>
-      <p:sp>
-        <p:nvSpPr>
-          <p:cNvPr id="76" name="ZoneTexte 75">
-            <a:extLst>
-              <a:ext uri="{FF2B5EF4-FFF2-40B4-BE49-F238E27FC236}">
-                <a16:creationId xmlns:a16="http://schemas.microsoft.com/office/drawing/2014/main" id="{E28E5193-DE42-4AD4-9ECE-1C711C1CD3BE}"/>
-              </a:ext>
-            </a:extLst>
-          </p:cNvPr>
-          <p:cNvSpPr txBox="1"/>
-          <p:nvPr/>
-        </p:nvSpPr>
-        <p:spPr>
-          <a:xfrm>
-            <a:off x="3123042" y="4246155"/>
-            <a:ext cx="512704" cy="369332"/>
-          </a:xfrm>
-          <a:prstGeom prst="rect">
-            <a:avLst/>
-          </a:prstGeom>
-          <a:noFill/>
-        </p:spPr>
-        <p:txBody>
-          <a:bodyPr wrap="none" rtlCol="0">
-            <a:spAutoFit/>
-          </a:bodyPr>
-          <a:lstStyle/>
-          <a:p>
-            <a:r>
-              <a:rPr lang="fr-FR" dirty="0"/>
-              <a:t>Ev4</a:t>
-            </a:r>
-          </a:p>
-        </p:txBody>
-      </p:sp>
-      <p:sp>
-        <p:nvSpPr>
-          <p:cNvPr id="77" name="ZoneTexte 76">
-            <a:extLst>
-              <a:ext uri="{FF2B5EF4-FFF2-40B4-BE49-F238E27FC236}">
-                <a16:creationId xmlns:a16="http://schemas.microsoft.com/office/drawing/2014/main" id="{8D4EF638-E940-4255-BD3D-38ABDD448CEC}"/>
-              </a:ext>
-            </a:extLst>
-          </p:cNvPr>
-          <p:cNvSpPr txBox="1"/>
-          <p:nvPr/>
-        </p:nvSpPr>
-        <p:spPr>
-          <a:xfrm>
-            <a:off x="156754" y="3515895"/>
-            <a:ext cx="512704" cy="369332"/>
-          </a:xfrm>
-          <a:prstGeom prst="rect">
-            <a:avLst/>
-          </a:prstGeom>
-          <a:noFill/>
-        </p:spPr>
-        <p:txBody>
-          <a:bodyPr wrap="none" rtlCol="0">
-            <a:spAutoFit/>
-          </a:bodyPr>
-          <a:lstStyle/>
-          <a:p>
-            <a:r>
-              <a:rPr lang="fr-FR" dirty="0"/>
-              <a:t>Ev4</a:t>
-            </a:r>
-          </a:p>
-        </p:txBody>
-      </p:sp>
-      <p:cxnSp>
-        <p:nvCxnSpPr>
-          <p:cNvPr id="79" name="Connecteur : en arc 78">
-            <a:extLst>
-              <a:ext uri="{FF2B5EF4-FFF2-40B4-BE49-F238E27FC236}">
-                <a16:creationId xmlns:a16="http://schemas.microsoft.com/office/drawing/2014/main" id="{D6ED2E70-E441-446A-9E45-2BC0D759D4E8}"/>
-              </a:ext>
-            </a:extLst>
-          </p:cNvPr>
-          <p:cNvCxnSpPr>
-            <a:stCxn id="46" idx="1"/>
-            <a:endCxn id="46" idx="3"/>
-          </p:cNvCxnSpPr>
-          <p:nvPr/>
-        </p:nvCxnSpPr>
-        <p:spPr>
-          <a:xfrm rot="16200000" flipH="1">
-            <a:off x="1872539" y="3049480"/>
-            <a:ext cx="370371" cy="12700"/>
-          </a:xfrm>
-          <a:prstGeom prst="curvedConnector5">
-            <a:avLst>
-              <a:gd name="adj1" fmla="val -1798"/>
-              <a:gd name="adj2" fmla="val -2618803"/>
-              <a:gd name="adj3" fmla="val 99401"/>
-            </a:avLst>
-          </a:prstGeom>
-          <a:ln>
-            <a:tailEnd type="triangle"/>
-          </a:ln>
-        </p:spPr>
-        <p:style>
-          <a:lnRef idx="2">
-            <a:schemeClr val="dk1"/>
-          </a:lnRef>
-          <a:fillRef idx="0">
-            <a:schemeClr val="dk1"/>
-          </a:fillRef>
-          <a:effectRef idx="1">
-            <a:schemeClr val="dk1"/>
-          </a:effectRef>
-          <a:fontRef idx="minor">
-            <a:schemeClr val="tx1"/>
-          </a:fontRef>
-        </p:style>
-      </p:cxnSp>
-      <p:cxnSp>
-        <p:nvCxnSpPr>
-          <p:cNvPr id="86" name="Connecteur : en arc 85">
-            <a:extLst>
-              <a:ext uri="{FF2B5EF4-FFF2-40B4-BE49-F238E27FC236}">
-                <a16:creationId xmlns:a16="http://schemas.microsoft.com/office/drawing/2014/main" id="{E4BB4CC3-3CF9-4B29-A92C-B31E84118BEA}"/>
-              </a:ext>
-            </a:extLst>
-          </p:cNvPr>
-          <p:cNvCxnSpPr>
-            <a:cxnSpLocks/>
-          </p:cNvCxnSpPr>
-          <p:nvPr/>
-        </p:nvCxnSpPr>
-        <p:spPr>
-          <a:xfrm rot="16200000" flipH="1">
-            <a:off x="1872540" y="5084994"/>
-            <a:ext cx="370371" cy="12700"/>
-          </a:xfrm>
-          <a:prstGeom prst="curvedConnector5">
-            <a:avLst>
-              <a:gd name="adj1" fmla="val -1798"/>
-              <a:gd name="adj2" fmla="val -2618803"/>
-              <a:gd name="adj3" fmla="val 99401"/>
-            </a:avLst>
-          </a:prstGeom>
-          <a:ln>
-            <a:tailEnd type="triangle"/>
-          </a:ln>
-        </p:spPr>
-        <p:style>
-          <a:lnRef idx="2">
-            <a:schemeClr val="dk1"/>
-          </a:lnRef>
-          <a:fillRef idx="0">
-            <a:schemeClr val="dk1"/>
-          </a:fillRef>
-          <a:effectRef idx="1">
-            <a:schemeClr val="dk1"/>
-          </a:effectRef>
-          <a:fontRef idx="minor">
-            <a:schemeClr val="tx1"/>
-          </a:fontRef>
-        </p:style>
-      </p:cxnSp>
-      <p:cxnSp>
-        <p:nvCxnSpPr>
-          <p:cNvPr id="90" name="Connecteur : en arc 89">
-            <a:extLst>
-              <a:ext uri="{FF2B5EF4-FFF2-40B4-BE49-F238E27FC236}">
-                <a16:creationId xmlns:a16="http://schemas.microsoft.com/office/drawing/2014/main" id="{F41EED2A-8D45-4839-B339-350A8F73CAD8}"/>
-              </a:ext>
-            </a:extLst>
-          </p:cNvPr>
-          <p:cNvCxnSpPr>
-            <a:cxnSpLocks/>
-            <a:stCxn id="47" idx="7"/>
-            <a:endCxn id="47" idx="5"/>
-          </p:cNvCxnSpPr>
-          <p:nvPr/>
-        </p:nvCxnSpPr>
-        <p:spPr>
-          <a:xfrm rot="16200000" flipH="1">
-            <a:off x="3314507" y="3049480"/>
-            <a:ext cx="370371" cy="12700"/>
-          </a:xfrm>
-          <a:prstGeom prst="curvedConnector5">
-            <a:avLst>
-              <a:gd name="adj1" fmla="val -16179"/>
-              <a:gd name="adj2" fmla="val 3282858"/>
-              <a:gd name="adj3" fmla="val 113783"/>
-            </a:avLst>
-          </a:prstGeom>
-          <a:ln>
-            <a:tailEnd type="triangle"/>
-          </a:ln>
-        </p:spPr>
-        <p:style>
-          <a:lnRef idx="2">
-            <a:schemeClr val="dk1"/>
-          </a:lnRef>
-          <a:fillRef idx="0">
-            <a:schemeClr val="dk1"/>
-          </a:fillRef>
-          <a:effectRef idx="1">
-            <a:schemeClr val="dk1"/>
-          </a:effectRef>
-          <a:fontRef idx="minor">
-            <a:schemeClr val="tx1"/>
-          </a:fontRef>
-        </p:style>
-      </p:cxnSp>
-      <p:cxnSp>
-        <p:nvCxnSpPr>
-          <p:cNvPr id="96" name="Connecteur : en arc 95">
-            <a:extLst>
-              <a:ext uri="{FF2B5EF4-FFF2-40B4-BE49-F238E27FC236}">
-                <a16:creationId xmlns:a16="http://schemas.microsoft.com/office/drawing/2014/main" id="{70CE13DE-E606-49A4-A958-206A5EFDD672}"/>
-              </a:ext>
-            </a:extLst>
-          </p:cNvPr>
-          <p:cNvCxnSpPr>
-            <a:cxnSpLocks/>
-          </p:cNvCxnSpPr>
-          <p:nvPr/>
-        </p:nvCxnSpPr>
-        <p:spPr>
-          <a:xfrm rot="16200000" flipH="1">
-            <a:off x="3339206" y="5078336"/>
-            <a:ext cx="370371" cy="12700"/>
-          </a:xfrm>
-          <a:prstGeom prst="curvedConnector5">
-            <a:avLst>
-              <a:gd name="adj1" fmla="val -16179"/>
-              <a:gd name="adj2" fmla="val 3282858"/>
-              <a:gd name="adj3" fmla="val 113783"/>
-            </a:avLst>
-          </a:prstGeom>
-          <a:ln>
-            <a:tailEnd type="triangle"/>
-          </a:ln>
-        </p:spPr>
-        <p:style>
-          <a:lnRef idx="2">
-            <a:schemeClr val="dk1"/>
-          </a:lnRef>
-          <a:fillRef idx="0">
-            <a:schemeClr val="dk1"/>
-          </a:fillRef>
-          <a:effectRef idx="1">
-            <a:schemeClr val="dk1"/>
-          </a:effectRef>
-          <a:fontRef idx="minor">
-            <a:schemeClr val="tx1"/>
-          </a:fontRef>
-        </p:style>
-      </p:cxnSp>
-      <p:sp>
-        <p:nvSpPr>
-          <p:cNvPr id="97" name="ZoneTexte 96">
-            <a:extLst>
-              <a:ext uri="{FF2B5EF4-FFF2-40B4-BE49-F238E27FC236}">
-                <a16:creationId xmlns:a16="http://schemas.microsoft.com/office/drawing/2014/main" id="{0A7EB741-9734-4CFC-9062-14EFAD5719D0}"/>
-              </a:ext>
-            </a:extLst>
-          </p:cNvPr>
-          <p:cNvSpPr txBox="1"/>
-          <p:nvPr/>
-        </p:nvSpPr>
-        <p:spPr>
-          <a:xfrm>
-            <a:off x="1239688" y="2856083"/>
-            <a:ext cx="512704" cy="369332"/>
-          </a:xfrm>
-          <a:prstGeom prst="rect">
-            <a:avLst/>
-          </a:prstGeom>
-          <a:noFill/>
-        </p:spPr>
-        <p:txBody>
-          <a:bodyPr wrap="none" rtlCol="0">
-            <a:spAutoFit/>
-          </a:bodyPr>
-          <a:lstStyle/>
-          <a:p>
-            <a:r>
-              <a:rPr lang="fr-FR" dirty="0"/>
-              <a:t>Ev1</a:t>
-            </a:r>
-          </a:p>
-        </p:txBody>
-      </p:sp>
-      <p:sp>
-        <p:nvSpPr>
-          <p:cNvPr id="98" name="ZoneTexte 97">
-            <a:extLst>
-              <a:ext uri="{FF2B5EF4-FFF2-40B4-BE49-F238E27FC236}">
-                <a16:creationId xmlns:a16="http://schemas.microsoft.com/office/drawing/2014/main" id="{C87BD052-A70A-434B-9245-8A8F7A8AFE01}"/>
-              </a:ext>
-            </a:extLst>
-          </p:cNvPr>
-          <p:cNvSpPr txBox="1"/>
-          <p:nvPr/>
-        </p:nvSpPr>
-        <p:spPr>
-          <a:xfrm>
-            <a:off x="3912972" y="2871684"/>
-            <a:ext cx="520142" cy="369332"/>
-          </a:xfrm>
-          <a:prstGeom prst="rect">
-            <a:avLst/>
-          </a:prstGeom>
-          <a:noFill/>
-        </p:spPr>
-        <p:txBody>
-          <a:bodyPr wrap="none" rtlCol="0">
-            <a:spAutoFit/>
-          </a:bodyPr>
-          <a:lstStyle/>
-          <a:p>
-            <a:r>
-              <a:rPr lang="fr-FR" dirty="0"/>
-              <a:t>Ev2</a:t>
-            </a:r>
-          </a:p>
-        </p:txBody>
-      </p:sp>
-      <p:sp>
-        <p:nvSpPr>
-          <p:cNvPr id="100" name="ZoneTexte 99">
-            <a:extLst>
-              <a:ext uri="{FF2B5EF4-FFF2-40B4-BE49-F238E27FC236}">
-                <a16:creationId xmlns:a16="http://schemas.microsoft.com/office/drawing/2014/main" id="{D1107AC6-83C1-4375-8E5C-A50618FA9654}"/>
-              </a:ext>
-            </a:extLst>
-          </p:cNvPr>
-          <p:cNvSpPr txBox="1"/>
-          <p:nvPr/>
-        </p:nvSpPr>
-        <p:spPr>
-          <a:xfrm>
-            <a:off x="1272341" y="4907198"/>
-            <a:ext cx="512704" cy="369332"/>
-          </a:xfrm>
-          <a:prstGeom prst="rect">
-            <a:avLst/>
-          </a:prstGeom>
-          <a:noFill/>
-        </p:spPr>
-        <p:txBody>
-          <a:bodyPr wrap="none" rtlCol="0">
-            <a:spAutoFit/>
-          </a:bodyPr>
-          <a:lstStyle/>
-          <a:p>
-            <a:r>
-              <a:rPr lang="fr-FR" dirty="0"/>
-              <a:t>Ev3</a:t>
-            </a:r>
-          </a:p>
-        </p:txBody>
-      </p:sp>
-      <p:sp>
-        <p:nvSpPr>
-          <p:cNvPr id="102" name="ZoneTexte 101">
-            <a:extLst>
-              <a:ext uri="{FF2B5EF4-FFF2-40B4-BE49-F238E27FC236}">
-                <a16:creationId xmlns:a16="http://schemas.microsoft.com/office/drawing/2014/main" id="{C14C1A67-9EA4-4E81-BD7C-29C03898E466}"/>
-              </a:ext>
-            </a:extLst>
-          </p:cNvPr>
-          <p:cNvSpPr txBox="1"/>
-          <p:nvPr/>
-        </p:nvSpPr>
-        <p:spPr>
-          <a:xfrm>
-            <a:off x="3863251" y="4899500"/>
-            <a:ext cx="512704" cy="369332"/>
-          </a:xfrm>
-          <a:prstGeom prst="rect">
-            <a:avLst/>
-          </a:prstGeom>
-          <a:noFill/>
-        </p:spPr>
-        <p:txBody>
-          <a:bodyPr wrap="none" rtlCol="0">
-            <a:spAutoFit/>
-          </a:bodyPr>
-          <a:lstStyle/>
-          <a:p>
-            <a:r>
-              <a:rPr lang="fr-FR" dirty="0"/>
-              <a:t>Ev4</a:t>
-            </a:r>
-          </a:p>
-        </p:txBody>
-      </p:sp>
-      <p:cxnSp>
-        <p:nvCxnSpPr>
-          <p:cNvPr id="104" name="Connecteur droit 103">
-            <a:extLst>
-              <a:ext uri="{FF2B5EF4-FFF2-40B4-BE49-F238E27FC236}">
-                <a16:creationId xmlns:a16="http://schemas.microsoft.com/office/drawing/2014/main" id="{A1DD5172-E509-4B42-BA4F-99444D3AAC54}"/>
-              </a:ext>
-            </a:extLst>
-          </p:cNvPr>
-          <p:cNvCxnSpPr>
-            <a:cxnSpLocks/>
-          </p:cNvCxnSpPr>
-          <p:nvPr/>
-        </p:nvCxnSpPr>
-        <p:spPr>
-          <a:xfrm>
-            <a:off x="4743166" y="3874041"/>
-            <a:ext cx="658447" cy="0"/>
-          </a:xfrm>
-          <a:prstGeom prst="line">
-            <a:avLst/>
-          </a:prstGeom>
-        </p:spPr>
-        <p:style>
-          <a:lnRef idx="2">
-            <a:schemeClr val="dk1"/>
-          </a:lnRef>
-          <a:fillRef idx="0">
-            <a:schemeClr val="dk1"/>
-          </a:fillRef>
-          <a:effectRef idx="1">
-            <a:schemeClr val="dk1"/>
-          </a:effectRef>
-          <a:fontRef idx="minor">
-            <a:schemeClr val="tx1"/>
-          </a:fontRef>
-        </p:style>
-      </p:cxnSp>
-      <p:sp>
-        <p:nvSpPr>
-          <p:cNvPr id="108" name="ZoneTexte 107">
-            <a:extLst>
-              <a:ext uri="{FF2B5EF4-FFF2-40B4-BE49-F238E27FC236}">
-                <a16:creationId xmlns:a16="http://schemas.microsoft.com/office/drawing/2014/main" id="{F6169E50-94F0-4438-BA5C-794F3EA46528}"/>
-              </a:ext>
-            </a:extLst>
-          </p:cNvPr>
-          <p:cNvSpPr txBox="1"/>
-          <p:nvPr/>
-        </p:nvSpPr>
-        <p:spPr>
-          <a:xfrm>
-            <a:off x="4631568" y="3886266"/>
-            <a:ext cx="919162" cy="369332"/>
-          </a:xfrm>
-          <a:prstGeom prst="rect">
-            <a:avLst/>
-          </a:prstGeom>
-          <a:noFill/>
-        </p:spPr>
-        <p:txBody>
-          <a:bodyPr wrap="none" rtlCol="0">
-            <a:spAutoFit/>
-          </a:bodyPr>
-          <a:lstStyle/>
-          <a:p>
-            <a:r>
-              <a:rPr lang="fr-FR" dirty="0"/>
-              <a:t>A1,A2.1</a:t>
-            </a:r>
-          </a:p>
-        </p:txBody>
-      </p:sp>
-      <p:cxnSp>
-        <p:nvCxnSpPr>
-          <p:cNvPr id="110" name="Connecteur droit 109">
-            <a:extLst>
-              <a:ext uri="{FF2B5EF4-FFF2-40B4-BE49-F238E27FC236}">
-                <a16:creationId xmlns:a16="http://schemas.microsoft.com/office/drawing/2014/main" id="{DE79A22B-5437-4467-B091-5EFCB33F3123}"/>
-              </a:ext>
-            </a:extLst>
-          </p:cNvPr>
-          <p:cNvCxnSpPr>
-            <a:cxnSpLocks/>
-          </p:cNvCxnSpPr>
-          <p:nvPr/>
-        </p:nvCxnSpPr>
-        <p:spPr>
-          <a:xfrm>
-            <a:off x="110971" y="3874041"/>
-            <a:ext cx="658447" cy="0"/>
-          </a:xfrm>
-          <a:prstGeom prst="line">
-            <a:avLst/>
-          </a:prstGeom>
-        </p:spPr>
-        <p:style>
-          <a:lnRef idx="2">
-            <a:schemeClr val="dk1"/>
-          </a:lnRef>
-          <a:fillRef idx="0">
-            <a:schemeClr val="dk1"/>
-          </a:fillRef>
-          <a:effectRef idx="1">
-            <a:schemeClr val="dk1"/>
-          </a:effectRef>
-          <a:fontRef idx="minor">
-            <a:schemeClr val="tx1"/>
-          </a:fontRef>
-        </p:style>
-      </p:cxnSp>
-      <p:sp>
-        <p:nvSpPr>
-          <p:cNvPr id="111" name="ZoneTexte 110">
-            <a:extLst>
-              <a:ext uri="{FF2B5EF4-FFF2-40B4-BE49-F238E27FC236}">
-                <a16:creationId xmlns:a16="http://schemas.microsoft.com/office/drawing/2014/main" id="{E9F24BE7-AD40-48BE-80C2-759F939CD3D6}"/>
-              </a:ext>
-            </a:extLst>
-          </p:cNvPr>
-          <p:cNvSpPr txBox="1"/>
-          <p:nvPr/>
-        </p:nvSpPr>
-        <p:spPr>
-          <a:xfrm>
-            <a:off x="-627" y="3886266"/>
-            <a:ext cx="919162" cy="369332"/>
-          </a:xfrm>
-          <a:prstGeom prst="rect">
-            <a:avLst/>
-          </a:prstGeom>
-          <a:noFill/>
-        </p:spPr>
-        <p:txBody>
-          <a:bodyPr wrap="none" rtlCol="0">
-            <a:spAutoFit/>
-          </a:bodyPr>
-          <a:lstStyle/>
-          <a:p>
-            <a:r>
-              <a:rPr lang="fr-FR" dirty="0"/>
-              <a:t>A1,A2.1</a:t>
-            </a:r>
-          </a:p>
-        </p:txBody>
-      </p:sp>
-      <p:cxnSp>
-        <p:nvCxnSpPr>
-          <p:cNvPr id="112" name="Connecteur droit 111">
-            <a:extLst>
-              <a:ext uri="{FF2B5EF4-FFF2-40B4-BE49-F238E27FC236}">
-                <a16:creationId xmlns:a16="http://schemas.microsoft.com/office/drawing/2014/main" id="{338CF924-3549-4991-B12C-A57D5ED70745}"/>
-              </a:ext>
-            </a:extLst>
-          </p:cNvPr>
-          <p:cNvCxnSpPr>
-            <a:cxnSpLocks/>
-          </p:cNvCxnSpPr>
-          <p:nvPr/>
-        </p:nvCxnSpPr>
-        <p:spPr>
-          <a:xfrm>
-            <a:off x="1605535" y="3743095"/>
-            <a:ext cx="658447" cy="0"/>
-          </a:xfrm>
-          <a:prstGeom prst="line">
-            <a:avLst/>
-          </a:prstGeom>
-        </p:spPr>
-        <p:style>
-          <a:lnRef idx="2">
-            <a:schemeClr val="dk1"/>
-          </a:lnRef>
-          <a:fillRef idx="0">
-            <a:schemeClr val="dk1"/>
-          </a:fillRef>
-          <a:effectRef idx="1">
-            <a:schemeClr val="dk1"/>
-          </a:effectRef>
-          <a:fontRef idx="minor">
-            <a:schemeClr val="tx1"/>
-          </a:fontRef>
-        </p:style>
-      </p:cxnSp>
-      <p:sp>
-        <p:nvSpPr>
-          <p:cNvPr id="113" name="ZoneTexte 112">
-            <a:extLst>
-              <a:ext uri="{FF2B5EF4-FFF2-40B4-BE49-F238E27FC236}">
-                <a16:creationId xmlns:a16="http://schemas.microsoft.com/office/drawing/2014/main" id="{EC3D91E4-A8D4-4C62-A911-5A798A149AA4}"/>
-              </a:ext>
-            </a:extLst>
-          </p:cNvPr>
-          <p:cNvSpPr txBox="1"/>
-          <p:nvPr/>
-        </p:nvSpPr>
-        <p:spPr>
-          <a:xfrm>
-            <a:off x="1493937" y="3755320"/>
-            <a:ext cx="919162" cy="369332"/>
-          </a:xfrm>
-          <a:prstGeom prst="rect">
-            <a:avLst/>
-          </a:prstGeom>
-          <a:noFill/>
-        </p:spPr>
-        <p:txBody>
-          <a:bodyPr wrap="none" rtlCol="0">
-            <a:spAutoFit/>
-          </a:bodyPr>
-          <a:lstStyle/>
-          <a:p>
-            <a:r>
-              <a:rPr lang="fr-FR" dirty="0"/>
-              <a:t>A2,A1.1</a:t>
-            </a:r>
-          </a:p>
-        </p:txBody>
-      </p:sp>
-      <p:cxnSp>
-        <p:nvCxnSpPr>
-          <p:cNvPr id="114" name="Connecteur droit 113">
-            <a:extLst>
-              <a:ext uri="{FF2B5EF4-FFF2-40B4-BE49-F238E27FC236}">
-                <a16:creationId xmlns:a16="http://schemas.microsoft.com/office/drawing/2014/main" id="{E78FA0E4-72D5-48B0-A12A-11BDE6B0C532}"/>
-              </a:ext>
-            </a:extLst>
-          </p:cNvPr>
-          <p:cNvCxnSpPr>
-            <a:cxnSpLocks/>
-          </p:cNvCxnSpPr>
-          <p:nvPr/>
-        </p:nvCxnSpPr>
-        <p:spPr>
-          <a:xfrm>
-            <a:off x="3256282" y="3701110"/>
-            <a:ext cx="658447" cy="0"/>
-          </a:xfrm>
-          <a:prstGeom prst="line">
-            <a:avLst/>
-          </a:prstGeom>
-        </p:spPr>
-        <p:style>
-          <a:lnRef idx="2">
-            <a:schemeClr val="dk1"/>
-          </a:lnRef>
-          <a:fillRef idx="0">
-            <a:schemeClr val="dk1"/>
-          </a:fillRef>
-          <a:effectRef idx="1">
-            <a:schemeClr val="dk1"/>
-          </a:effectRef>
-          <a:fontRef idx="minor">
-            <a:schemeClr val="tx1"/>
-          </a:fontRef>
-        </p:style>
-      </p:cxnSp>
-      <p:sp>
-        <p:nvSpPr>
-          <p:cNvPr id="115" name="ZoneTexte 114">
-            <a:extLst>
-              <a:ext uri="{FF2B5EF4-FFF2-40B4-BE49-F238E27FC236}">
-                <a16:creationId xmlns:a16="http://schemas.microsoft.com/office/drawing/2014/main" id="{2539A287-EDC6-4C9E-91A6-EA2431532F4A}"/>
-              </a:ext>
-            </a:extLst>
-          </p:cNvPr>
-          <p:cNvSpPr txBox="1"/>
-          <p:nvPr/>
-        </p:nvSpPr>
-        <p:spPr>
-          <a:xfrm>
-            <a:off x="3144684" y="3713335"/>
-            <a:ext cx="919162" cy="369332"/>
-          </a:xfrm>
-          <a:prstGeom prst="rect">
-            <a:avLst/>
-          </a:prstGeom>
-          <a:noFill/>
-        </p:spPr>
-        <p:txBody>
-          <a:bodyPr wrap="none" rtlCol="0">
-            <a:spAutoFit/>
-          </a:bodyPr>
-          <a:lstStyle/>
-          <a:p>
-            <a:r>
-              <a:rPr lang="fr-FR" dirty="0"/>
-              <a:t>A2,A1.1</a:t>
+              <a:t>Clic = Palette</a:t>
             </a:r>
           </a:p>
         </p:txBody>
@@ -5472,7 +5464,7 @@
     </p:spTree>
     <p:extLst>
       <p:ext uri="{BB962C8B-B14F-4D97-AF65-F5344CB8AC3E}">
-        <p14:creationId xmlns:p14="http://schemas.microsoft.com/office/powerpoint/2010/main" val="3352024475"/>
+        <p14:creationId xmlns:p14="http://schemas.microsoft.com/office/powerpoint/2010/main" val="1329038433"/>
       </p:ext>
     </p:extLst>
   </p:cSld>

--- a/Concep/MachineEtat.pptx
+++ b/Concep/MachineEtat.pptx
@@ -3517,7 +3517,7 @@
         </p:nvSpPr>
         <p:spPr>
           <a:xfrm>
-            <a:off x="5627979" y="2029931"/>
+            <a:off x="5243580" y="3188626"/>
             <a:ext cx="622168" cy="509047"/>
           </a:xfrm>
           <a:prstGeom prst="ellipse">
@@ -3566,7 +3566,7 @@
         <p:spPr>
           <a:xfrm>
             <a:off x="8513404" y="466019"/>
-            <a:ext cx="3367028" cy="5632311"/>
+            <a:ext cx="3367028" cy="6463308"/>
           </a:xfrm>
           <a:prstGeom prst="rect">
             <a:avLst/>
@@ -3613,9 +3613,6 @@
             <a:endParaRPr lang="fr-FR" u="sng" dirty="0"/>
           </a:p>
           <a:p>
-            <a:endParaRPr lang="fr-FR" u="sng" dirty="0"/>
-          </a:p>
-          <a:p>
             <a:endParaRPr lang="fr-FR" dirty="0"/>
           </a:p>
           <a:p>
@@ -3648,6 +3645,14 @@
             </a:r>
           </a:p>
           <a:p>
+            <a:r>
+              <a:rPr lang="fr-FR" dirty="0"/>
+              <a:t>T : </a:t>
+            </a:r>
+            <a:r>
+              <a:rPr lang="fr-FR" dirty="0" err="1"/>
+              <a:t>Timer</a:t>
+            </a:r>
             <a:endParaRPr lang="fr-FR" u="sng" dirty="0"/>
           </a:p>
           <a:p>
@@ -3686,6 +3691,31 @@
             <a:r>
               <a:rPr lang="fr-FR" dirty="0"/>
               <a:t>A4 : Annoncer Forme</a:t>
+            </a:r>
+          </a:p>
+          <a:p>
+            <a:r>
+              <a:rPr lang="fr-FR" dirty="0"/>
+              <a:t>A5 : Cliquer Forme</a:t>
+            </a:r>
+          </a:p>
+          <a:p>
+            <a:endParaRPr lang="fr-FR" u="sng" dirty="0"/>
+          </a:p>
+          <a:p>
+            <a:r>
+              <a:rPr lang="fr-FR" u="sng" dirty="0"/>
+              <a:t>Variable</a:t>
+            </a:r>
+          </a:p>
+          <a:p>
+            <a:r>
+              <a:rPr lang="fr-FR" dirty="0" err="1"/>
+              <a:t>comp</a:t>
+            </a:r>
+            <a:r>
+              <a:rPr lang="fr-FR" dirty="0"/>
+              <a:t> : Commande complète</a:t>
             </a:r>
           </a:p>
           <a:p>
@@ -3815,7 +3845,7 @@
         </p:nvSpPr>
         <p:spPr>
           <a:xfrm>
-            <a:off x="3521000" y="3926202"/>
+            <a:off x="2182130" y="4198131"/>
             <a:ext cx="622168" cy="509047"/>
           </a:xfrm>
           <a:prstGeom prst="ellipse">
@@ -3973,7 +4003,7 @@
         </p:nvSpPr>
         <p:spPr>
           <a:xfrm>
-            <a:off x="12192000" y="4674954"/>
+            <a:off x="12395011" y="4819590"/>
             <a:ext cx="2579979" cy="646331"/>
           </a:xfrm>
           <a:prstGeom prst="rect">
@@ -4260,6 +4290,503 @@
           </a:p>
         </p:txBody>
       </p:sp>
+      <p:cxnSp>
+        <p:nvCxnSpPr>
+          <p:cNvPr id="3" name="Connecteur : en arc 2">
+            <a:extLst>
+              <a:ext uri="{FF2B5EF4-FFF2-40B4-BE49-F238E27FC236}">
+                <a16:creationId xmlns:a16="http://schemas.microsoft.com/office/drawing/2014/main" id="{D272BD9F-CE4B-428D-9377-2A1D854F606F}"/>
+              </a:ext>
+            </a:extLst>
+          </p:cNvPr>
+          <p:cNvCxnSpPr>
+            <a:cxnSpLocks/>
+            <a:stCxn id="6" idx="6"/>
+            <a:endCxn id="8" idx="0"/>
+          </p:cNvCxnSpPr>
+          <p:nvPr/>
+        </p:nvCxnSpPr>
+        <p:spPr>
+          <a:xfrm>
+            <a:off x="4143168" y="2284456"/>
+            <a:ext cx="1411496" cy="904170"/>
+          </a:xfrm>
+          <a:prstGeom prst="curvedConnector2">
+            <a:avLst/>
+          </a:prstGeom>
+          <a:ln>
+            <a:tailEnd type="triangle"/>
+          </a:ln>
+        </p:spPr>
+        <p:style>
+          <a:lnRef idx="2">
+            <a:schemeClr val="dk1"/>
+          </a:lnRef>
+          <a:fillRef idx="0">
+            <a:schemeClr val="dk1"/>
+          </a:fillRef>
+          <a:effectRef idx="1">
+            <a:schemeClr val="dk1"/>
+          </a:effectRef>
+          <a:fontRef idx="minor">
+            <a:schemeClr val="tx1"/>
+          </a:fontRef>
+        </p:style>
+      </p:cxnSp>
+      <p:grpSp>
+        <p:nvGrpSpPr>
+          <p:cNvPr id="20" name="Groupe 19">
+            <a:extLst>
+              <a:ext uri="{FF2B5EF4-FFF2-40B4-BE49-F238E27FC236}">
+                <a16:creationId xmlns:a16="http://schemas.microsoft.com/office/drawing/2014/main" id="{5006EBEB-BD13-49C8-9107-6A0AE90A9C72}"/>
+              </a:ext>
+            </a:extLst>
+          </p:cNvPr>
+          <p:cNvGrpSpPr/>
+          <p:nvPr/>
+        </p:nvGrpSpPr>
+        <p:grpSpPr>
+          <a:xfrm>
+            <a:off x="4961682" y="1764194"/>
+            <a:ext cx="744435" cy="738863"/>
+            <a:chOff x="5093827" y="2075610"/>
+            <a:chExt cx="744435" cy="738863"/>
+          </a:xfrm>
+        </p:grpSpPr>
+        <p:sp>
+          <p:nvSpPr>
+            <p:cNvPr id="25" name="ZoneTexte 24">
+              <a:extLst>
+                <a:ext uri="{FF2B5EF4-FFF2-40B4-BE49-F238E27FC236}">
+                  <a16:creationId xmlns:a16="http://schemas.microsoft.com/office/drawing/2014/main" id="{A65E9E9D-61B5-4ADC-B84A-DAE70F5F0248}"/>
+                </a:ext>
+              </a:extLst>
+            </p:cNvPr>
+            <p:cNvSpPr txBox="1"/>
+            <p:nvPr/>
+          </p:nvSpPr>
+          <p:spPr>
+            <a:xfrm>
+              <a:off x="5206497" y="2075610"/>
+              <a:ext cx="512704" cy="369332"/>
+            </a:xfrm>
+            <a:prstGeom prst="rect">
+              <a:avLst/>
+            </a:prstGeom>
+            <a:noFill/>
+          </p:spPr>
+          <p:txBody>
+            <a:bodyPr wrap="none" rtlCol="0">
+              <a:spAutoFit/>
+            </a:bodyPr>
+            <a:lstStyle/>
+            <a:p>
+              <a:r>
+                <a:rPr lang="fr-FR" dirty="0"/>
+                <a:t>Ev2</a:t>
+              </a:r>
+            </a:p>
+          </p:txBody>
+        </p:sp>
+        <p:cxnSp>
+          <p:nvCxnSpPr>
+            <p:cNvPr id="26" name="Connecteur droit 25">
+              <a:extLst>
+                <a:ext uri="{FF2B5EF4-FFF2-40B4-BE49-F238E27FC236}">
+                  <a16:creationId xmlns:a16="http://schemas.microsoft.com/office/drawing/2014/main" id="{8469AB5A-C4E1-48BD-A651-A5D8711839B8}"/>
+                </a:ext>
+              </a:extLst>
+            </p:cNvPr>
+            <p:cNvCxnSpPr>
+              <a:cxnSpLocks/>
+            </p:cNvCxnSpPr>
+            <p:nvPr/>
+          </p:nvCxnSpPr>
+          <p:spPr>
+            <a:xfrm flipV="1">
+              <a:off x="5234664" y="2429171"/>
+              <a:ext cx="422763" cy="6113"/>
+            </a:xfrm>
+            <a:prstGeom prst="line">
+              <a:avLst/>
+            </a:prstGeom>
+          </p:spPr>
+          <p:style>
+            <a:lnRef idx="2">
+              <a:schemeClr val="dk1"/>
+            </a:lnRef>
+            <a:fillRef idx="0">
+              <a:schemeClr val="dk1"/>
+            </a:fillRef>
+            <a:effectRef idx="1">
+              <a:schemeClr val="dk1"/>
+            </a:effectRef>
+            <a:fontRef idx="minor">
+              <a:schemeClr val="tx1"/>
+            </a:fontRef>
+          </p:style>
+        </p:cxnSp>
+        <p:sp>
+          <p:nvSpPr>
+            <p:cNvPr id="30" name="ZoneTexte 29">
+              <a:extLst>
+                <a:ext uri="{FF2B5EF4-FFF2-40B4-BE49-F238E27FC236}">
+                  <a16:creationId xmlns:a16="http://schemas.microsoft.com/office/drawing/2014/main" id="{01779251-F854-4C37-9A17-11CC0F53592C}"/>
+                </a:ext>
+              </a:extLst>
+            </p:cNvPr>
+            <p:cNvSpPr txBox="1"/>
+            <p:nvPr/>
+          </p:nvSpPr>
+          <p:spPr>
+            <a:xfrm>
+              <a:off x="5093827" y="2445141"/>
+              <a:ext cx="744435" cy="369332"/>
+            </a:xfrm>
+            <a:prstGeom prst="rect">
+              <a:avLst/>
+            </a:prstGeom>
+            <a:noFill/>
+          </p:spPr>
+          <p:txBody>
+            <a:bodyPr wrap="none" rtlCol="0">
+              <a:spAutoFit/>
+            </a:bodyPr>
+            <a:lstStyle/>
+            <a:p>
+              <a:r>
+                <a:rPr lang="fr-FR" dirty="0"/>
+                <a:t>A3,A4</a:t>
+              </a:r>
+            </a:p>
+          </p:txBody>
+        </p:sp>
+      </p:grpSp>
+      <p:cxnSp>
+        <p:nvCxnSpPr>
+          <p:cNvPr id="15" name="Connecteur droit avec flèche 14">
+            <a:extLst>
+              <a:ext uri="{FF2B5EF4-FFF2-40B4-BE49-F238E27FC236}">
+                <a16:creationId xmlns:a16="http://schemas.microsoft.com/office/drawing/2014/main" id="{822D558C-45B1-4DDA-920B-F79C97F5B3CC}"/>
+              </a:ext>
+            </a:extLst>
+          </p:cNvPr>
+          <p:cNvCxnSpPr>
+            <a:stCxn id="6" idx="2"/>
+            <a:endCxn id="5" idx="6"/>
+          </p:cNvCxnSpPr>
+          <p:nvPr/>
+        </p:nvCxnSpPr>
+        <p:spPr>
+          <a:xfrm flipH="1">
+            <a:off x="2036189" y="2284456"/>
+            <a:ext cx="1484811" cy="0"/>
+          </a:xfrm>
+          <a:prstGeom prst="straightConnector1">
+            <a:avLst/>
+          </a:prstGeom>
+          <a:ln>
+            <a:tailEnd type="triangle"/>
+          </a:ln>
+        </p:spPr>
+        <p:style>
+          <a:lnRef idx="2">
+            <a:schemeClr val="dk1"/>
+          </a:lnRef>
+          <a:fillRef idx="0">
+            <a:schemeClr val="dk1"/>
+          </a:fillRef>
+          <a:effectRef idx="1">
+            <a:schemeClr val="dk1"/>
+          </a:effectRef>
+          <a:fontRef idx="minor">
+            <a:schemeClr val="tx1"/>
+          </a:fontRef>
+        </p:style>
+      </p:cxnSp>
+      <p:sp>
+        <p:nvSpPr>
+          <p:cNvPr id="16" name="ZoneTexte 15">
+            <a:extLst>
+              <a:ext uri="{FF2B5EF4-FFF2-40B4-BE49-F238E27FC236}">
+                <a16:creationId xmlns:a16="http://schemas.microsoft.com/office/drawing/2014/main" id="{86D7B8ED-A884-4B21-AE65-2855F14FBD5B}"/>
+              </a:ext>
+            </a:extLst>
+          </p:cNvPr>
+          <p:cNvSpPr txBox="1"/>
+          <p:nvPr/>
+        </p:nvSpPr>
+        <p:spPr>
+          <a:xfrm>
+            <a:off x="2493214" y="1948960"/>
+            <a:ext cx="724878" cy="369332"/>
+          </a:xfrm>
+          <a:prstGeom prst="rect">
+            <a:avLst/>
+          </a:prstGeom>
+          <a:noFill/>
+        </p:spPr>
+        <p:txBody>
+          <a:bodyPr wrap="none" rtlCol="0">
+            <a:spAutoFit/>
+          </a:bodyPr>
+          <a:lstStyle/>
+          <a:p>
+            <a:r>
+              <a:rPr lang="fr-FR" dirty="0"/>
+              <a:t>T &lt; 2s</a:t>
+            </a:r>
+          </a:p>
+        </p:txBody>
+      </p:sp>
+      <p:cxnSp>
+        <p:nvCxnSpPr>
+          <p:cNvPr id="24" name="Connecteur droit avec flèche 23">
+            <a:extLst>
+              <a:ext uri="{FF2B5EF4-FFF2-40B4-BE49-F238E27FC236}">
+                <a16:creationId xmlns:a16="http://schemas.microsoft.com/office/drawing/2014/main" id="{89FE6CE7-8683-4A35-8F2C-D02B32E0EE04}"/>
+              </a:ext>
+            </a:extLst>
+          </p:cNvPr>
+          <p:cNvCxnSpPr>
+            <a:stCxn id="8" idx="1"/>
+            <a:endCxn id="6" idx="5"/>
+          </p:cNvCxnSpPr>
+          <p:nvPr/>
+        </p:nvCxnSpPr>
+        <p:spPr>
+          <a:xfrm flipH="1" flipV="1">
+            <a:off x="4052054" y="2464431"/>
+            <a:ext cx="1282640" cy="798743"/>
+          </a:xfrm>
+          <a:prstGeom prst="straightConnector1">
+            <a:avLst/>
+          </a:prstGeom>
+          <a:ln>
+            <a:tailEnd type="triangle"/>
+          </a:ln>
+        </p:spPr>
+        <p:style>
+          <a:lnRef idx="2">
+            <a:schemeClr val="dk1"/>
+          </a:lnRef>
+          <a:fillRef idx="0">
+            <a:schemeClr val="dk1"/>
+          </a:fillRef>
+          <a:effectRef idx="1">
+            <a:schemeClr val="dk1"/>
+          </a:effectRef>
+          <a:fontRef idx="minor">
+            <a:schemeClr val="tx1"/>
+          </a:fontRef>
+        </p:style>
+      </p:cxnSp>
+      <p:sp>
+        <p:nvSpPr>
+          <p:cNvPr id="38" name="ZoneTexte 37">
+            <a:extLst>
+              <a:ext uri="{FF2B5EF4-FFF2-40B4-BE49-F238E27FC236}">
+                <a16:creationId xmlns:a16="http://schemas.microsoft.com/office/drawing/2014/main" id="{82430E43-9CBA-4B5F-ACF6-658F1CE19EAE}"/>
+              </a:ext>
+            </a:extLst>
+          </p:cNvPr>
+          <p:cNvSpPr txBox="1"/>
+          <p:nvPr/>
+        </p:nvSpPr>
+        <p:spPr>
+          <a:xfrm rot="1930817">
+            <a:off x="4462301" y="2597105"/>
+            <a:ext cx="724878" cy="369332"/>
+          </a:xfrm>
+          <a:prstGeom prst="rect">
+            <a:avLst/>
+          </a:prstGeom>
+          <a:noFill/>
+        </p:spPr>
+        <p:txBody>
+          <a:bodyPr wrap="none" rtlCol="0">
+            <a:spAutoFit/>
+          </a:bodyPr>
+          <a:lstStyle/>
+          <a:p>
+            <a:r>
+              <a:rPr lang="fr-FR" dirty="0"/>
+              <a:t>T &lt; 1s</a:t>
+            </a:r>
+          </a:p>
+        </p:txBody>
+      </p:sp>
+      <p:cxnSp>
+        <p:nvCxnSpPr>
+          <p:cNvPr id="43" name="Connecteur : en arc 42">
+            <a:extLst>
+              <a:ext uri="{FF2B5EF4-FFF2-40B4-BE49-F238E27FC236}">
+                <a16:creationId xmlns:a16="http://schemas.microsoft.com/office/drawing/2014/main" id="{5AB54E10-9C71-467A-BD42-7080E659CC97}"/>
+              </a:ext>
+            </a:extLst>
+          </p:cNvPr>
+          <p:cNvCxnSpPr>
+            <a:cxnSpLocks/>
+            <a:endCxn id="6" idx="4"/>
+          </p:cNvCxnSpPr>
+          <p:nvPr/>
+        </p:nvCxnSpPr>
+        <p:spPr>
+          <a:xfrm rot="10800000">
+            <a:off x="3832085" y="2538980"/>
+            <a:ext cx="1397769" cy="952073"/>
+          </a:xfrm>
+          <a:prstGeom prst="curvedConnector2">
+            <a:avLst/>
+          </a:prstGeom>
+          <a:ln>
+            <a:tailEnd type="triangle"/>
+          </a:ln>
+        </p:spPr>
+        <p:style>
+          <a:lnRef idx="2">
+            <a:schemeClr val="dk1"/>
+          </a:lnRef>
+          <a:fillRef idx="0">
+            <a:schemeClr val="dk1"/>
+          </a:fillRef>
+          <a:effectRef idx="1">
+            <a:schemeClr val="dk1"/>
+          </a:effectRef>
+          <a:fontRef idx="minor">
+            <a:schemeClr val="tx1"/>
+          </a:fontRef>
+        </p:style>
+      </p:cxnSp>
+      <p:grpSp>
+        <p:nvGrpSpPr>
+          <p:cNvPr id="46" name="Groupe 45">
+            <a:extLst>
+              <a:ext uri="{FF2B5EF4-FFF2-40B4-BE49-F238E27FC236}">
+                <a16:creationId xmlns:a16="http://schemas.microsoft.com/office/drawing/2014/main" id="{E40AEE8A-B075-4213-BC26-B44CAC07D28C}"/>
+              </a:ext>
+            </a:extLst>
+          </p:cNvPr>
+          <p:cNvGrpSpPr/>
+          <p:nvPr/>
+        </p:nvGrpSpPr>
+        <p:grpSpPr>
+          <a:xfrm>
+            <a:off x="3929538" y="3179145"/>
+            <a:ext cx="512704" cy="738664"/>
+            <a:chOff x="5206497" y="2075610"/>
+            <a:chExt cx="512704" cy="738664"/>
+          </a:xfrm>
+        </p:grpSpPr>
+        <p:sp>
+          <p:nvSpPr>
+            <p:cNvPr id="47" name="ZoneTexte 46">
+              <a:extLst>
+                <a:ext uri="{FF2B5EF4-FFF2-40B4-BE49-F238E27FC236}">
+                  <a16:creationId xmlns:a16="http://schemas.microsoft.com/office/drawing/2014/main" id="{7AE0D6AF-EA40-4E70-A50D-3B227C066B2E}"/>
+                </a:ext>
+              </a:extLst>
+            </p:cNvPr>
+            <p:cNvSpPr txBox="1"/>
+            <p:nvPr/>
+          </p:nvSpPr>
+          <p:spPr>
+            <a:xfrm>
+              <a:off x="5206497" y="2075610"/>
+              <a:ext cx="512704" cy="369332"/>
+            </a:xfrm>
+            <a:prstGeom prst="rect">
+              <a:avLst/>
+            </a:prstGeom>
+            <a:noFill/>
+          </p:spPr>
+          <p:txBody>
+            <a:bodyPr wrap="none" rtlCol="0">
+              <a:spAutoFit/>
+            </a:bodyPr>
+            <a:lstStyle/>
+            <a:p>
+              <a:r>
+                <a:rPr lang="fr-FR" dirty="0"/>
+                <a:t>Ev3</a:t>
+              </a:r>
+            </a:p>
+          </p:txBody>
+        </p:sp>
+        <p:cxnSp>
+          <p:nvCxnSpPr>
+            <p:cNvPr id="48" name="Connecteur droit 47">
+              <a:extLst>
+                <a:ext uri="{FF2B5EF4-FFF2-40B4-BE49-F238E27FC236}">
+                  <a16:creationId xmlns:a16="http://schemas.microsoft.com/office/drawing/2014/main" id="{F81362E9-970F-46FA-A4D0-D464D30A0E21}"/>
+                </a:ext>
+              </a:extLst>
+            </p:cNvPr>
+            <p:cNvCxnSpPr>
+              <a:cxnSpLocks/>
+            </p:cNvCxnSpPr>
+            <p:nvPr/>
+          </p:nvCxnSpPr>
+          <p:spPr>
+            <a:xfrm flipV="1">
+              <a:off x="5234664" y="2429171"/>
+              <a:ext cx="422763" cy="6113"/>
+            </a:xfrm>
+            <a:prstGeom prst="line">
+              <a:avLst/>
+            </a:prstGeom>
+          </p:spPr>
+          <p:style>
+            <a:lnRef idx="2">
+              <a:schemeClr val="dk1"/>
+            </a:lnRef>
+            <a:fillRef idx="0">
+              <a:schemeClr val="dk1"/>
+            </a:fillRef>
+            <a:effectRef idx="1">
+              <a:schemeClr val="dk1"/>
+            </a:effectRef>
+            <a:fontRef idx="minor">
+              <a:schemeClr val="tx1"/>
+            </a:fontRef>
+          </p:style>
+        </p:cxnSp>
+        <p:sp>
+          <p:nvSpPr>
+            <p:cNvPr id="49" name="ZoneTexte 48">
+              <a:extLst>
+                <a:ext uri="{FF2B5EF4-FFF2-40B4-BE49-F238E27FC236}">
+                  <a16:creationId xmlns:a16="http://schemas.microsoft.com/office/drawing/2014/main" id="{51435C5C-AD65-4447-9294-A4DF9BC1B0C3}"/>
+                </a:ext>
+              </a:extLst>
+            </p:cNvPr>
+            <p:cNvSpPr txBox="1"/>
+            <p:nvPr/>
+          </p:nvSpPr>
+          <p:spPr>
+            <a:xfrm>
+              <a:off x="5237236" y="2444942"/>
+              <a:ext cx="434734" cy="369332"/>
+            </a:xfrm>
+            <a:prstGeom prst="rect">
+              <a:avLst/>
+            </a:prstGeom>
+            <a:noFill/>
+          </p:spPr>
+          <p:txBody>
+            <a:bodyPr wrap="none" rtlCol="0">
+              <a:spAutoFit/>
+            </a:bodyPr>
+            <a:lstStyle/>
+            <a:p>
+              <a:r>
+                <a:rPr lang="fr-FR" dirty="0"/>
+                <a:t>A5</a:t>
+              </a:r>
+            </a:p>
+          </p:txBody>
+        </p:sp>
+      </p:grpSp>
     </p:spTree>
     <p:extLst>
       <p:ext uri="{BB962C8B-B14F-4D97-AF65-F5344CB8AC3E}">

--- a/Concep/MachineEtat.pptx
+++ b/Concep/MachineEtat.pptx
@@ -261,7 +261,7 @@
           <a:p>
             <a:fld id="{F4A82166-679B-4DCA-B2EB-D3A018EE558C}" type="datetimeFigureOut">
               <a:rPr lang="fr-FR" smtClean="0"/>
-              <a:t>21/11/2019</a:t>
+              <a:t>22/11/2019</a:t>
             </a:fld>
             <a:endParaRPr lang="fr-FR"/>
           </a:p>
@@ -459,7 +459,7 @@
           <a:p>
             <a:fld id="{F4A82166-679B-4DCA-B2EB-D3A018EE558C}" type="datetimeFigureOut">
               <a:rPr lang="fr-FR" smtClean="0"/>
-              <a:t>21/11/2019</a:t>
+              <a:t>22/11/2019</a:t>
             </a:fld>
             <a:endParaRPr lang="fr-FR"/>
           </a:p>
@@ -667,7 +667,7 @@
           <a:p>
             <a:fld id="{F4A82166-679B-4DCA-B2EB-D3A018EE558C}" type="datetimeFigureOut">
               <a:rPr lang="fr-FR" smtClean="0"/>
-              <a:t>21/11/2019</a:t>
+              <a:t>22/11/2019</a:t>
             </a:fld>
             <a:endParaRPr lang="fr-FR"/>
           </a:p>
@@ -865,7 +865,7 @@
           <a:p>
             <a:fld id="{F4A82166-679B-4DCA-B2EB-D3A018EE558C}" type="datetimeFigureOut">
               <a:rPr lang="fr-FR" smtClean="0"/>
-              <a:t>21/11/2019</a:t>
+              <a:t>22/11/2019</a:t>
             </a:fld>
             <a:endParaRPr lang="fr-FR"/>
           </a:p>
@@ -1140,7 +1140,7 @@
           <a:p>
             <a:fld id="{F4A82166-679B-4DCA-B2EB-D3A018EE558C}" type="datetimeFigureOut">
               <a:rPr lang="fr-FR" smtClean="0"/>
-              <a:t>21/11/2019</a:t>
+              <a:t>22/11/2019</a:t>
             </a:fld>
             <a:endParaRPr lang="fr-FR"/>
           </a:p>
@@ -1405,7 +1405,7 @@
           <a:p>
             <a:fld id="{F4A82166-679B-4DCA-B2EB-D3A018EE558C}" type="datetimeFigureOut">
               <a:rPr lang="fr-FR" smtClean="0"/>
-              <a:t>21/11/2019</a:t>
+              <a:t>22/11/2019</a:t>
             </a:fld>
             <a:endParaRPr lang="fr-FR"/>
           </a:p>
@@ -1817,7 +1817,7 @@
           <a:p>
             <a:fld id="{F4A82166-679B-4DCA-B2EB-D3A018EE558C}" type="datetimeFigureOut">
               <a:rPr lang="fr-FR" smtClean="0"/>
-              <a:t>21/11/2019</a:t>
+              <a:t>22/11/2019</a:t>
             </a:fld>
             <a:endParaRPr lang="fr-FR"/>
           </a:p>
@@ -1958,7 +1958,7 @@
           <a:p>
             <a:fld id="{F4A82166-679B-4DCA-B2EB-D3A018EE558C}" type="datetimeFigureOut">
               <a:rPr lang="fr-FR" smtClean="0"/>
-              <a:t>21/11/2019</a:t>
+              <a:t>22/11/2019</a:t>
             </a:fld>
             <a:endParaRPr lang="fr-FR"/>
           </a:p>
@@ -2071,7 +2071,7 @@
           <a:p>
             <a:fld id="{F4A82166-679B-4DCA-B2EB-D3A018EE558C}" type="datetimeFigureOut">
               <a:rPr lang="fr-FR" smtClean="0"/>
-              <a:t>21/11/2019</a:t>
+              <a:t>22/11/2019</a:t>
             </a:fld>
             <a:endParaRPr lang="fr-FR"/>
           </a:p>
@@ -2382,7 +2382,7 @@
           <a:p>
             <a:fld id="{F4A82166-679B-4DCA-B2EB-D3A018EE558C}" type="datetimeFigureOut">
               <a:rPr lang="fr-FR" smtClean="0"/>
-              <a:t>21/11/2019</a:t>
+              <a:t>22/11/2019</a:t>
             </a:fld>
             <a:endParaRPr lang="fr-FR"/>
           </a:p>
@@ -2670,7 +2670,7 @@
           <a:p>
             <a:fld id="{F4A82166-679B-4DCA-B2EB-D3A018EE558C}" type="datetimeFigureOut">
               <a:rPr lang="fr-FR" smtClean="0"/>
-              <a:t>21/11/2019</a:t>
+              <a:t>22/11/2019</a:t>
             </a:fld>
             <a:endParaRPr lang="fr-FR"/>
           </a:p>
@@ -2911,7 +2911,7 @@
           <a:p>
             <a:fld id="{F4A82166-679B-4DCA-B2EB-D3A018EE558C}" type="datetimeFigureOut">
               <a:rPr lang="fr-FR" smtClean="0"/>
-              <a:t>21/11/2019</a:t>
+              <a:t>22/11/2019</a:t>
             </a:fld>
             <a:endParaRPr lang="fr-FR"/>
           </a:p>
@@ -3330,41 +3330,6 @@
       </p:grpSpPr>
       <p:sp>
         <p:nvSpPr>
-          <p:cNvPr id="4" name="ZoneTexte 3">
-            <a:extLst>
-              <a:ext uri="{FF2B5EF4-FFF2-40B4-BE49-F238E27FC236}">
-                <a16:creationId xmlns:a16="http://schemas.microsoft.com/office/drawing/2014/main" id="{D696518F-AFBF-4D05-95B9-DBB5152EAF65}"/>
-              </a:ext>
-            </a:extLst>
-          </p:cNvPr>
-          <p:cNvSpPr txBox="1"/>
-          <p:nvPr/>
-        </p:nvSpPr>
-        <p:spPr>
-          <a:xfrm>
-            <a:off x="895546" y="273377"/>
-            <a:ext cx="1238416" cy="369332"/>
-          </a:xfrm>
-          <a:prstGeom prst="rect">
-            <a:avLst/>
-          </a:prstGeom>
-          <a:noFill/>
-        </p:spPr>
-        <p:txBody>
-          <a:bodyPr wrap="none" rtlCol="0">
-            <a:spAutoFit/>
-          </a:bodyPr>
-          <a:lstStyle/>
-          <a:p>
-            <a:r>
-              <a:rPr lang="fr-FR" dirty="0"/>
-              <a:t>Créer objet</a:t>
-            </a:r>
-          </a:p>
-        </p:txBody>
-      </p:sp>
-      <p:sp>
-        <p:nvSpPr>
           <p:cNvPr id="5" name="Ellipse 4">
             <a:extLst>
               <a:ext uri="{FF2B5EF4-FFF2-40B4-BE49-F238E27FC236}">
@@ -3517,7 +3482,7 @@
         </p:nvSpPr>
         <p:spPr>
           <a:xfrm>
-            <a:off x="5243580" y="3188626"/>
+            <a:off x="5587056" y="2760493"/>
             <a:ext cx="622168" cy="509047"/>
           </a:xfrm>
           <a:prstGeom prst="ellipse">
@@ -3565,8 +3530,8 @@
         </p:nvSpPr>
         <p:spPr>
           <a:xfrm>
-            <a:off x="8513404" y="466019"/>
-            <a:ext cx="3367028" cy="6463308"/>
+            <a:off x="8361365" y="460587"/>
+            <a:ext cx="3367028" cy="5909310"/>
           </a:xfrm>
           <a:prstGeom prst="rect">
             <a:avLst/>
@@ -3594,21 +3559,25 @@
           <a:p>
             <a:r>
               <a:rPr lang="fr-FR" dirty="0"/>
-              <a:t>E1 : En cours de création</a:t>
+              <a:t>E1 : En cours d’</a:t>
+            </a:r>
+            <a:r>
+              <a:rPr lang="fr-FR" dirty="0" err="1"/>
+              <a:t>éxécution</a:t>
             </a:r>
             <a:endParaRPr lang="fr-FR" u="sng" dirty="0"/>
           </a:p>
           <a:p>
             <a:r>
               <a:rPr lang="fr-FR" dirty="0"/>
-              <a:t>E2 : Attente clic validation</a:t>
+              <a:t>E2 : Attente validation clic</a:t>
             </a:r>
             <a:endParaRPr lang="fr-FR" u="sng" dirty="0"/>
           </a:p>
           <a:p>
             <a:r>
               <a:rPr lang="fr-FR" dirty="0"/>
-              <a:t>E3 : Attente parole validation</a:t>
+              <a:t>E3 : Attente info parole pour validation</a:t>
             </a:r>
             <a:endParaRPr lang="fr-FR" u="sng" dirty="0"/>
           </a:p>
@@ -3624,24 +3593,23 @@
           <a:p>
             <a:r>
               <a:rPr lang="fr-FR" dirty="0"/>
-              <a:t>Ev1 : 1$</a:t>
-            </a:r>
-          </a:p>
-          <a:p>
-            <a:r>
-              <a:rPr lang="fr-FR" dirty="0"/>
-              <a:t>Ev2 : </a:t>
-            </a:r>
+              <a:t>1$ : geste</a:t>
+            </a:r>
+          </a:p>
+          <a:p>
             <a:r>
               <a:rPr lang="fr-FR" dirty="0" err="1"/>
               <a:t>sra</a:t>
             </a:r>
-            <a:endParaRPr lang="fr-FR" dirty="0"/>
-          </a:p>
-          <a:p>
             <a:r>
               <a:rPr lang="fr-FR" dirty="0"/>
-              <a:t>Ev3 : Palette</a:t>
+              <a:t> : parole</a:t>
+            </a:r>
+          </a:p>
+          <a:p>
+            <a:r>
+              <a:rPr lang="fr-FR" dirty="0"/>
+              <a:t>Palette : clic</a:t>
             </a:r>
           </a:p>
           <a:p>
@@ -3665,38 +3633,12 @@
             </a:r>
           </a:p>
           <a:p>
+            <a:endParaRPr lang="fr-FR" dirty="0"/>
+          </a:p>
+          <a:p>
             <a:r>
               <a:rPr lang="fr-FR" dirty="0"/>
-              <a:t>A1 : Dessiner Rectangle</a:t>
-            </a:r>
-            <a:endParaRPr lang="fr-FR" u="sng" dirty="0"/>
-          </a:p>
-          <a:p>
-            <a:r>
-              <a:rPr lang="fr-FR" dirty="0"/>
-              <a:t>A2 : Dessiner Ellipse</a:t>
-            </a:r>
-          </a:p>
-          <a:p>
-            <a:endParaRPr lang="fr-FR" u="sng" dirty="0"/>
-          </a:p>
-          <a:p>
-            <a:r>
-              <a:rPr lang="fr-FR" dirty="0"/>
-              <a:t>A3 : Annoncer Couleur</a:t>
-            </a:r>
-            <a:endParaRPr lang="fr-FR" u="sng" dirty="0"/>
-          </a:p>
-          <a:p>
-            <a:r>
-              <a:rPr lang="fr-FR" dirty="0"/>
-              <a:t>A4 : Annoncer Forme</a:t>
-            </a:r>
-          </a:p>
-          <a:p>
-            <a:r>
-              <a:rPr lang="fr-FR" dirty="0"/>
-              <a:t>A5 : Cliquer Forme</a:t>
+              <a:t>A1 : Exécuter commande</a:t>
             </a:r>
           </a:p>
           <a:p>
@@ -3715,7 +3657,15 @@
             </a:r>
             <a:r>
               <a:rPr lang="fr-FR" dirty="0"/>
-              <a:t> : Commande complète</a:t>
+              <a:t> </a:t>
+            </a:r>
+            <a:r>
+              <a:rPr lang="fr-FR"/>
+              <a:t>: Boolean Commande </a:t>
+            </a:r>
+            <a:r>
+              <a:rPr lang="fr-FR" dirty="0"/>
+              <a:t>complète</a:t>
             </a:r>
           </a:p>
           <a:p>
@@ -3738,7 +3688,7 @@
         <p:spPr>
           <a:xfrm>
             <a:off x="12671469" y="984399"/>
-            <a:ext cx="512704" cy="369332"/>
+            <a:ext cx="839589" cy="369332"/>
           </a:xfrm>
           <a:prstGeom prst="rect">
             <a:avLst/>
@@ -3753,7 +3703,7 @@
           <a:p>
             <a:r>
               <a:rPr lang="fr-FR" dirty="0"/>
-              <a:t>Ev3</a:t>
+              <a:t>Palette</a:t>
             </a:r>
           </a:p>
         </p:txBody>
@@ -3845,7 +3795,7 @@
         </p:nvSpPr>
         <p:spPr>
           <a:xfrm>
-            <a:off x="2182130" y="4198131"/>
+            <a:off x="3014136" y="3493973"/>
             <a:ext cx="622168" cy="509047"/>
           </a:xfrm>
           <a:prstGeom prst="ellipse">
@@ -3908,14 +3858,14 @@
           <a:p>
             <a:r>
               <a:rPr lang="fr-FR" dirty="0"/>
-              <a:t>Ev1.1 : Dessiner Créer Ellipse</a:t>
+              <a:t>1$.1 : Dessiner Créer Ellipse</a:t>
             </a:r>
             <a:endParaRPr lang="fr-FR" u="sng" dirty="0"/>
           </a:p>
           <a:p>
             <a:r>
               <a:rPr lang="fr-FR" dirty="0"/>
-              <a:t>Ev1.2 : Dessiner Créer Rectangle</a:t>
+              <a:t>1$.2 : Dessiner Créer Rectangle</a:t>
             </a:r>
           </a:p>
           <a:p>
@@ -3924,21 +3874,21 @@
           <a:p>
             <a:r>
               <a:rPr lang="fr-FR" dirty="0"/>
-              <a:t>Ev2.1 : Annoncer Forme</a:t>
+              <a:t>sra.1 : Annoncer Forme</a:t>
             </a:r>
             <a:endParaRPr lang="fr-FR" u="sng" dirty="0"/>
           </a:p>
           <a:p>
             <a:r>
               <a:rPr lang="fr-FR" dirty="0"/>
-              <a:t>Ev2.2.1 : Annoncer Couleur</a:t>
+              <a:t>sra.2.1 : Annoncer Couleur</a:t>
             </a:r>
             <a:endParaRPr lang="fr-FR" u="sng" dirty="0"/>
           </a:p>
           <a:p>
             <a:r>
               <a:rPr lang="fr-FR" dirty="0"/>
-              <a:t>Ev2.2.2 : Annoncer Copie Couleur</a:t>
+              <a:t>sra.2.2 : Annoncer Copie Couleur</a:t>
             </a:r>
             <a:endParaRPr lang="fr-FR" u="sng" dirty="0"/>
           </a:p>
@@ -3991,47 +3941,6 @@
       </p:cxnSp>
       <p:sp>
         <p:nvSpPr>
-          <p:cNvPr id="23" name="Rectangle 22">
-            <a:extLst>
-              <a:ext uri="{FF2B5EF4-FFF2-40B4-BE49-F238E27FC236}">
-                <a16:creationId xmlns:a16="http://schemas.microsoft.com/office/drawing/2014/main" id="{5155A4CC-43A4-45FE-B2AE-578BFCA93E55}"/>
-              </a:ext>
-            </a:extLst>
-          </p:cNvPr>
-          <p:cNvSpPr/>
-          <p:nvPr/>
-        </p:nvSpPr>
-        <p:spPr>
-          <a:xfrm>
-            <a:off x="12395011" y="4819590"/>
-            <a:ext cx="2579979" cy="646331"/>
-          </a:xfrm>
-          <a:prstGeom prst="rect">
-            <a:avLst/>
-          </a:prstGeom>
-        </p:spPr>
-        <p:txBody>
-          <a:bodyPr wrap="square">
-            <a:spAutoFit/>
-          </a:bodyPr>
-          <a:lstStyle/>
-          <a:p>
-            <a:r>
-              <a:rPr lang="fr-FR" dirty="0"/>
-              <a:t>Ax : Dessiner Déplacer</a:t>
-            </a:r>
-            <a:endParaRPr lang="fr-FR" u="sng" dirty="0"/>
-          </a:p>
-          <a:p>
-            <a:r>
-              <a:rPr lang="fr-FR" dirty="0"/>
-              <a:t>Ax : Dessiner Supprimer</a:t>
-            </a:r>
-          </a:p>
-        </p:txBody>
-      </p:sp>
-      <p:sp>
-        <p:nvSpPr>
           <p:cNvPr id="27" name="ZoneTexte 26">
             <a:extLst>
               <a:ext uri="{FF2B5EF4-FFF2-40B4-BE49-F238E27FC236}">
@@ -4044,8 +3953,8 @@
         </p:nvSpPr>
         <p:spPr>
           <a:xfrm>
-            <a:off x="2362441" y="1041741"/>
-            <a:ext cx="512704" cy="369332"/>
+            <a:off x="2569242" y="1454144"/>
+            <a:ext cx="418704" cy="369332"/>
           </a:xfrm>
           <a:prstGeom prst="rect">
             <a:avLst/>
@@ -4060,33 +3969,39 @@
           <a:p>
             <a:r>
               <a:rPr lang="fr-FR" dirty="0"/>
-              <a:t>Ev1</a:t>
+              <a:t>1$</a:t>
             </a:r>
           </a:p>
         </p:txBody>
       </p:sp>
       <p:cxnSp>
         <p:nvCxnSpPr>
-          <p:cNvPr id="28" name="Connecteur droit 27">
-            <a:extLst>
-              <a:ext uri="{FF2B5EF4-FFF2-40B4-BE49-F238E27FC236}">
-                <a16:creationId xmlns:a16="http://schemas.microsoft.com/office/drawing/2014/main" id="{63727C58-5F1D-4E28-8DF2-1AC341505F2B}"/>
+          <p:cNvPr id="31" name="Connecteur : en arc 30">
+            <a:extLst>
+              <a:ext uri="{FF2B5EF4-FFF2-40B4-BE49-F238E27FC236}">
+                <a16:creationId xmlns:a16="http://schemas.microsoft.com/office/drawing/2014/main" id="{D25A4ABB-FB4B-4CE7-BE0A-B677C6963F17}"/>
               </a:ext>
             </a:extLst>
           </p:cNvPr>
           <p:cNvCxnSpPr>
-            <a:cxnSpLocks/>
+            <a:stCxn id="6" idx="0"/>
+            <a:endCxn id="6" idx="7"/>
           </p:cNvCxnSpPr>
           <p:nvPr/>
         </p:nvCxnSpPr>
         <p:spPr>
-          <a:xfrm>
-            <a:off x="2289570" y="1404960"/>
-            <a:ext cx="658447" cy="0"/>
-          </a:xfrm>
-          <a:prstGeom prst="line">
-            <a:avLst/>
+          <a:xfrm rot="16200000" flipH="1">
+            <a:off x="3904795" y="1957221"/>
+            <a:ext cx="74548" cy="219970"/>
+          </a:xfrm>
+          <a:prstGeom prst="curvedConnector3">
+            <a:avLst>
+              <a:gd name="adj1" fmla="val -538338"/>
+            </a:avLst>
           </a:prstGeom>
+          <a:ln>
+            <a:tailEnd type="triangle"/>
+          </a:ln>
         </p:spPr>
         <p:style>
           <a:lnRef idx="2">
@@ -4105,10 +4020,10 @@
       </p:cxnSp>
       <p:sp>
         <p:nvSpPr>
-          <p:cNvPr id="29" name="ZoneTexte 28">
-            <a:extLst>
-              <a:ext uri="{FF2B5EF4-FFF2-40B4-BE49-F238E27FC236}">
-                <a16:creationId xmlns:a16="http://schemas.microsoft.com/office/drawing/2014/main" id="{DA6FB778-4590-47DC-B9D5-4B56A58FB1A5}"/>
+          <p:cNvPr id="35" name="ZoneTexte 34">
+            <a:extLst>
+              <a:ext uri="{FF2B5EF4-FFF2-40B4-BE49-F238E27FC236}">
+                <a16:creationId xmlns:a16="http://schemas.microsoft.com/office/drawing/2014/main" id="{22B233F2-259C-4BBF-A57C-8E98F22B208B}"/>
               </a:ext>
             </a:extLst>
           </p:cNvPr>
@@ -4117,8 +4032,8 @@
         </p:nvSpPr>
         <p:spPr>
           <a:xfrm>
-            <a:off x="2246575" y="1398848"/>
-            <a:ext cx="744435" cy="369332"/>
+            <a:off x="3711845" y="1276201"/>
+            <a:ext cx="460447" cy="369332"/>
           </a:xfrm>
           <a:prstGeom prst="rect">
             <a:avLst/>
@@ -4132,36 +4047,36 @@
           <a:lstStyle/>
           <a:p>
             <a:r>
-              <a:rPr lang="fr-FR" dirty="0"/>
-              <a:t>A1,A2</a:t>
-            </a:r>
+              <a:rPr lang="fr-FR" dirty="0" err="1"/>
+              <a:t>sra</a:t>
+            </a:r>
+            <a:endParaRPr lang="fr-FR" dirty="0"/>
           </a:p>
         </p:txBody>
       </p:sp>
       <p:cxnSp>
         <p:nvCxnSpPr>
-          <p:cNvPr id="31" name="Connecteur : en arc 30">
-            <a:extLst>
-              <a:ext uri="{FF2B5EF4-FFF2-40B4-BE49-F238E27FC236}">
-                <a16:creationId xmlns:a16="http://schemas.microsoft.com/office/drawing/2014/main" id="{D25A4ABB-FB4B-4CE7-BE0A-B677C6963F17}"/>
+          <p:cNvPr id="3" name="Connecteur : en arc 2">
+            <a:extLst>
+              <a:ext uri="{FF2B5EF4-FFF2-40B4-BE49-F238E27FC236}">
+                <a16:creationId xmlns:a16="http://schemas.microsoft.com/office/drawing/2014/main" id="{D272BD9F-CE4B-428D-9377-2A1D854F606F}"/>
               </a:ext>
             </a:extLst>
           </p:cNvPr>
           <p:cNvCxnSpPr>
-            <a:stCxn id="6" idx="0"/>
-            <a:endCxn id="6" idx="7"/>
+            <a:cxnSpLocks/>
+            <a:stCxn id="6" idx="6"/>
+            <a:endCxn id="8" idx="0"/>
           </p:cNvCxnSpPr>
           <p:nvPr/>
         </p:nvCxnSpPr>
         <p:spPr>
-          <a:xfrm rot="16200000" flipH="1">
-            <a:off x="3904795" y="1957221"/>
-            <a:ext cx="74548" cy="219970"/>
-          </a:xfrm>
-          <a:prstGeom prst="curvedConnector3">
-            <a:avLst>
-              <a:gd name="adj1" fmla="val -538338"/>
-            </a:avLst>
+          <a:xfrm>
+            <a:off x="4143168" y="2284456"/>
+            <a:ext cx="1754972" cy="476037"/>
+          </a:xfrm>
+          <a:prstGeom prst="curvedConnector2">
+            <a:avLst/>
           </a:prstGeom>
           <a:ln>
             <a:tailEnd type="triangle"/>
@@ -4184,10 +4099,10 @@
       </p:cxnSp>
       <p:sp>
         <p:nvSpPr>
-          <p:cNvPr id="35" name="ZoneTexte 34">
-            <a:extLst>
-              <a:ext uri="{FF2B5EF4-FFF2-40B4-BE49-F238E27FC236}">
-                <a16:creationId xmlns:a16="http://schemas.microsoft.com/office/drawing/2014/main" id="{22B233F2-259C-4BBF-A57C-8E98F22B208B}"/>
+          <p:cNvPr id="25" name="ZoneTexte 24">
+            <a:extLst>
+              <a:ext uri="{FF2B5EF4-FFF2-40B4-BE49-F238E27FC236}">
+                <a16:creationId xmlns:a16="http://schemas.microsoft.com/office/drawing/2014/main" id="{A65E9E9D-61B5-4ADC-B84A-DAE70F5F0248}"/>
               </a:ext>
             </a:extLst>
           </p:cNvPr>
@@ -4196,8 +4111,8 @@
         </p:nvSpPr>
         <p:spPr>
           <a:xfrm>
-            <a:off x="3575732" y="924467"/>
-            <a:ext cx="512704" cy="369332"/>
+            <a:off x="4992438" y="1913355"/>
+            <a:ext cx="460447" cy="369332"/>
           </a:xfrm>
           <a:prstGeom prst="rect">
             <a:avLst/>
@@ -4211,34 +4126,39 @@
           <a:lstStyle/>
           <a:p>
             <a:r>
-              <a:rPr lang="fr-FR" dirty="0"/>
-              <a:t>Ev2</a:t>
-            </a:r>
+              <a:rPr lang="fr-FR" dirty="0" err="1"/>
+              <a:t>sra</a:t>
+            </a:r>
+            <a:endParaRPr lang="fr-FR" dirty="0"/>
           </a:p>
         </p:txBody>
       </p:sp>
       <p:cxnSp>
         <p:nvCxnSpPr>
-          <p:cNvPr id="36" name="Connecteur droit 35">
-            <a:extLst>
-              <a:ext uri="{FF2B5EF4-FFF2-40B4-BE49-F238E27FC236}">
-                <a16:creationId xmlns:a16="http://schemas.microsoft.com/office/drawing/2014/main" id="{321EB2A1-9120-461D-9D64-77CED388A62E}"/>
+          <p:cNvPr id="15" name="Connecteur droit avec flèche 14">
+            <a:extLst>
+              <a:ext uri="{FF2B5EF4-FFF2-40B4-BE49-F238E27FC236}">
+                <a16:creationId xmlns:a16="http://schemas.microsoft.com/office/drawing/2014/main" id="{822D558C-45B1-4DDA-920B-F79C97F5B3CC}"/>
               </a:ext>
             </a:extLst>
           </p:cNvPr>
           <p:cNvCxnSpPr>
-            <a:cxnSpLocks/>
+            <a:stCxn id="6" idx="2"/>
+            <a:endCxn id="5" idx="6"/>
           </p:cNvCxnSpPr>
           <p:nvPr/>
         </p:nvCxnSpPr>
         <p:spPr>
-          <a:xfrm flipV="1">
-            <a:off x="3636915" y="1293800"/>
-            <a:ext cx="422763" cy="6113"/>
-          </a:xfrm>
-          <a:prstGeom prst="line">
+          <a:xfrm flipH="1">
+            <a:off x="2036189" y="2284456"/>
+            <a:ext cx="1484811" cy="0"/>
+          </a:xfrm>
+          <a:prstGeom prst="straightConnector1">
             <a:avLst/>
           </a:prstGeom>
+          <a:ln>
+            <a:tailEnd type="triangle"/>
+          </a:ln>
         </p:spPr>
         <p:style>
           <a:lnRef idx="2">
@@ -4257,10 +4177,10 @@
       </p:cxnSp>
       <p:sp>
         <p:nvSpPr>
-          <p:cNvPr id="37" name="ZoneTexte 36">
-            <a:extLst>
-              <a:ext uri="{FF2B5EF4-FFF2-40B4-BE49-F238E27FC236}">
-                <a16:creationId xmlns:a16="http://schemas.microsoft.com/office/drawing/2014/main" id="{C829DA40-DCE9-4795-B93F-FCCD98C50D4F}"/>
+          <p:cNvPr id="16" name="ZoneTexte 15">
+            <a:extLst>
+              <a:ext uri="{FF2B5EF4-FFF2-40B4-BE49-F238E27FC236}">
+                <a16:creationId xmlns:a16="http://schemas.microsoft.com/office/drawing/2014/main" id="{86D7B8ED-A884-4B21-AE65-2855F14FBD5B}"/>
               </a:ext>
             </a:extLst>
           </p:cNvPr>
@@ -4269,8 +4189,8 @@
         </p:nvSpPr>
         <p:spPr>
           <a:xfrm>
-            <a:off x="3636304" y="1296857"/>
-            <a:ext cx="434734" cy="369332"/>
+            <a:off x="2493214" y="1948960"/>
+            <a:ext cx="724878" cy="369332"/>
           </a:xfrm>
           <a:prstGeom prst="rect">
             <a:avLst/>
@@ -4285,34 +4205,504 @@
           <a:p>
             <a:r>
               <a:rPr lang="fr-FR" dirty="0"/>
-              <a:t>A3</a:t>
+              <a:t>T &lt; 2s</a:t>
             </a:r>
           </a:p>
         </p:txBody>
       </p:sp>
       <p:cxnSp>
         <p:nvCxnSpPr>
-          <p:cNvPr id="3" name="Connecteur : en arc 2">
-            <a:extLst>
-              <a:ext uri="{FF2B5EF4-FFF2-40B4-BE49-F238E27FC236}">
-                <a16:creationId xmlns:a16="http://schemas.microsoft.com/office/drawing/2014/main" id="{D272BD9F-CE4B-428D-9377-2A1D854F606F}"/>
+          <p:cNvPr id="24" name="Connecteur droit avec flèche 23">
+            <a:extLst>
+              <a:ext uri="{FF2B5EF4-FFF2-40B4-BE49-F238E27FC236}">
+                <a16:creationId xmlns:a16="http://schemas.microsoft.com/office/drawing/2014/main" id="{89FE6CE7-8683-4A35-8F2C-D02B32E0EE04}"/>
               </a:ext>
             </a:extLst>
           </p:cNvPr>
           <p:cNvCxnSpPr>
             <a:cxnSpLocks/>
-            <a:stCxn id="6" idx="6"/>
-            <a:endCxn id="8" idx="0"/>
+            <a:stCxn id="8" idx="1"/>
+            <a:endCxn id="6" idx="6"/>
           </p:cNvCxnSpPr>
           <p:nvPr/>
         </p:nvCxnSpPr>
         <p:spPr>
+          <a:xfrm flipH="1" flipV="1">
+            <a:off x="4143168" y="2284456"/>
+            <a:ext cx="1535002" cy="550585"/>
+          </a:xfrm>
+          <a:prstGeom prst="straightConnector1">
+            <a:avLst/>
+          </a:prstGeom>
+          <a:ln>
+            <a:tailEnd type="triangle"/>
+          </a:ln>
+        </p:spPr>
+        <p:style>
+          <a:lnRef idx="2">
+            <a:schemeClr val="dk1"/>
+          </a:lnRef>
+          <a:fillRef idx="0">
+            <a:schemeClr val="dk1"/>
+          </a:fillRef>
+          <a:effectRef idx="1">
+            <a:schemeClr val="dk1"/>
+          </a:effectRef>
+          <a:fontRef idx="minor">
+            <a:schemeClr val="tx1"/>
+          </a:fontRef>
+        </p:style>
+      </p:cxnSp>
+      <p:sp>
+        <p:nvSpPr>
+          <p:cNvPr id="38" name="ZoneTexte 37">
+            <a:extLst>
+              <a:ext uri="{FF2B5EF4-FFF2-40B4-BE49-F238E27FC236}">
+                <a16:creationId xmlns:a16="http://schemas.microsoft.com/office/drawing/2014/main" id="{82430E43-9CBA-4B5F-ACF6-658F1CE19EAE}"/>
+              </a:ext>
+            </a:extLst>
+          </p:cNvPr>
+          <p:cNvSpPr txBox="1"/>
+          <p:nvPr/>
+        </p:nvSpPr>
+        <p:spPr>
+          <a:xfrm rot="1403471">
+            <a:off x="4610574" y="2554246"/>
+            <a:ext cx="724878" cy="369332"/>
+          </a:xfrm>
+          <a:prstGeom prst="rect">
+            <a:avLst/>
+          </a:prstGeom>
+          <a:noFill/>
+        </p:spPr>
+        <p:txBody>
+          <a:bodyPr wrap="none" rtlCol="0">
+            <a:spAutoFit/>
+          </a:bodyPr>
+          <a:lstStyle/>
+          <a:p>
+            <a:r>
+              <a:rPr lang="fr-FR" dirty="0"/>
+              <a:t>T &lt; 1s</a:t>
+            </a:r>
+          </a:p>
+        </p:txBody>
+      </p:sp>
+      <p:cxnSp>
+        <p:nvCxnSpPr>
+          <p:cNvPr id="43" name="Connecteur : en arc 42">
+            <a:extLst>
+              <a:ext uri="{FF2B5EF4-FFF2-40B4-BE49-F238E27FC236}">
+                <a16:creationId xmlns:a16="http://schemas.microsoft.com/office/drawing/2014/main" id="{5AB54E10-9C71-467A-BD42-7080E659CC97}"/>
+              </a:ext>
+            </a:extLst>
+          </p:cNvPr>
+          <p:cNvCxnSpPr>
+            <a:cxnSpLocks/>
+            <a:stCxn id="8" idx="3"/>
+            <a:endCxn id="6" idx="5"/>
+          </p:cNvCxnSpPr>
+          <p:nvPr/>
+        </p:nvCxnSpPr>
+        <p:spPr>
+          <a:xfrm rot="5400000" flipH="1">
+            <a:off x="4499831" y="2016654"/>
+            <a:ext cx="730561" cy="1626116"/>
+          </a:xfrm>
+          <a:prstGeom prst="curvedConnector3">
+            <a:avLst>
+              <a:gd name="adj1" fmla="val 8570"/>
+            </a:avLst>
+          </a:prstGeom>
+          <a:ln>
+            <a:tailEnd type="triangle"/>
+          </a:ln>
+        </p:spPr>
+        <p:style>
+          <a:lnRef idx="2">
+            <a:schemeClr val="dk1"/>
+          </a:lnRef>
+          <a:fillRef idx="0">
+            <a:schemeClr val="dk1"/>
+          </a:fillRef>
+          <a:effectRef idx="1">
+            <a:schemeClr val="dk1"/>
+          </a:effectRef>
+          <a:fontRef idx="minor">
+            <a:schemeClr val="tx1"/>
+          </a:fontRef>
+        </p:style>
+      </p:cxnSp>
+      <p:cxnSp>
+        <p:nvCxnSpPr>
+          <p:cNvPr id="41" name="Connecteur : en arc 40">
+            <a:extLst>
+              <a:ext uri="{FF2B5EF4-FFF2-40B4-BE49-F238E27FC236}">
+                <a16:creationId xmlns:a16="http://schemas.microsoft.com/office/drawing/2014/main" id="{2E1D8893-50A3-4C16-98AA-E42F4806E6B4}"/>
+              </a:ext>
+            </a:extLst>
+          </p:cNvPr>
+          <p:cNvCxnSpPr>
+            <a:cxnSpLocks/>
+            <a:stCxn id="6" idx="4"/>
+            <a:endCxn id="18" idx="7"/>
+          </p:cNvCxnSpPr>
+          <p:nvPr/>
+        </p:nvCxnSpPr>
+        <p:spPr>
+          <a:xfrm rot="5400000">
+            <a:off x="3173866" y="2910303"/>
+            <a:ext cx="1029542" cy="286894"/>
+          </a:xfrm>
+          <a:prstGeom prst="curvedConnector3">
+            <a:avLst>
+              <a:gd name="adj1" fmla="val 106608"/>
+            </a:avLst>
+          </a:prstGeom>
+          <a:ln>
+            <a:tailEnd type="triangle"/>
+          </a:ln>
+        </p:spPr>
+        <p:style>
+          <a:lnRef idx="2">
+            <a:schemeClr val="dk1"/>
+          </a:lnRef>
+          <a:fillRef idx="0">
+            <a:schemeClr val="dk1"/>
+          </a:fillRef>
+          <a:effectRef idx="1">
+            <a:schemeClr val="dk1"/>
+          </a:effectRef>
+          <a:fontRef idx="minor">
+            <a:schemeClr val="tx1"/>
+          </a:fontRef>
+        </p:style>
+      </p:cxnSp>
+      <p:cxnSp>
+        <p:nvCxnSpPr>
+          <p:cNvPr id="52" name="Connecteur : en arc 51">
+            <a:extLst>
+              <a:ext uri="{FF2B5EF4-FFF2-40B4-BE49-F238E27FC236}">
+                <a16:creationId xmlns:a16="http://schemas.microsoft.com/office/drawing/2014/main" id="{17C22186-9889-4CE2-AEBB-4562364B60A9}"/>
+              </a:ext>
+            </a:extLst>
+          </p:cNvPr>
+          <p:cNvCxnSpPr>
+            <a:cxnSpLocks/>
+            <a:stCxn id="18" idx="1"/>
+            <a:endCxn id="6" idx="3"/>
+          </p:cNvCxnSpPr>
+          <p:nvPr/>
+        </p:nvCxnSpPr>
+        <p:spPr>
+          <a:xfrm rot="5400000" flipH="1" flipV="1">
+            <a:off x="2806637" y="2763044"/>
+            <a:ext cx="1104090" cy="506864"/>
+          </a:xfrm>
+          <a:prstGeom prst="curvedConnector3">
+            <a:avLst>
+              <a:gd name="adj1" fmla="val 91865"/>
+            </a:avLst>
+          </a:prstGeom>
+          <a:ln>
+            <a:tailEnd type="triangle"/>
+          </a:ln>
+        </p:spPr>
+        <p:style>
+          <a:lnRef idx="2">
+            <a:schemeClr val="dk1"/>
+          </a:lnRef>
+          <a:fillRef idx="0">
+            <a:schemeClr val="dk1"/>
+          </a:fillRef>
+          <a:effectRef idx="1">
+            <a:schemeClr val="dk1"/>
+          </a:effectRef>
+          <a:fontRef idx="minor">
+            <a:schemeClr val="tx1"/>
+          </a:fontRef>
+        </p:style>
+      </p:cxnSp>
+      <p:cxnSp>
+        <p:nvCxnSpPr>
+          <p:cNvPr id="55" name="Connecteur droit avec flèche 54">
+            <a:extLst>
+              <a:ext uri="{FF2B5EF4-FFF2-40B4-BE49-F238E27FC236}">
+                <a16:creationId xmlns:a16="http://schemas.microsoft.com/office/drawing/2014/main" id="{C46D3FDE-BF7C-4541-8675-F2E220920870}"/>
+              </a:ext>
+            </a:extLst>
+          </p:cNvPr>
+          <p:cNvCxnSpPr>
+            <a:stCxn id="18" idx="7"/>
+            <a:endCxn id="6" idx="4"/>
+          </p:cNvCxnSpPr>
+          <p:nvPr/>
+        </p:nvCxnSpPr>
+        <p:spPr>
+          <a:xfrm flipV="1">
+            <a:off x="3545190" y="2538979"/>
+            <a:ext cx="286894" cy="1029542"/>
+          </a:xfrm>
+          <a:prstGeom prst="straightConnector1">
+            <a:avLst/>
+          </a:prstGeom>
+          <a:ln>
+            <a:tailEnd type="triangle"/>
+          </a:ln>
+        </p:spPr>
+        <p:style>
+          <a:lnRef idx="2">
+            <a:schemeClr val="dk1"/>
+          </a:lnRef>
+          <a:fillRef idx="0">
+            <a:schemeClr val="dk1"/>
+          </a:fillRef>
+          <a:effectRef idx="1">
+            <a:schemeClr val="dk1"/>
+          </a:effectRef>
+          <a:fontRef idx="minor">
+            <a:schemeClr val="tx1"/>
+          </a:fontRef>
+        </p:style>
+      </p:cxnSp>
+      <p:sp>
+        <p:nvSpPr>
+          <p:cNvPr id="58" name="ZoneTexte 57">
+            <a:extLst>
+              <a:ext uri="{FF2B5EF4-FFF2-40B4-BE49-F238E27FC236}">
+                <a16:creationId xmlns:a16="http://schemas.microsoft.com/office/drawing/2014/main" id="{DE542449-8730-46F7-83ED-60803BA87D55}"/>
+              </a:ext>
+            </a:extLst>
+          </p:cNvPr>
+          <p:cNvSpPr txBox="1"/>
+          <p:nvPr/>
+        </p:nvSpPr>
+        <p:spPr>
           <a:xfrm>
-            <a:off x="4143168" y="2284456"/>
-            <a:ext cx="1411496" cy="904170"/>
-          </a:xfrm>
-          <a:prstGeom prst="curvedConnector2">
+            <a:off x="3684853" y="3304297"/>
+            <a:ext cx="839589" cy="369332"/>
+          </a:xfrm>
+          <a:prstGeom prst="rect">
             <a:avLst/>
+          </a:prstGeom>
+          <a:noFill/>
+        </p:spPr>
+        <p:txBody>
+          <a:bodyPr wrap="none" rtlCol="0">
+            <a:spAutoFit/>
+          </a:bodyPr>
+          <a:lstStyle/>
+          <a:p>
+            <a:r>
+              <a:rPr lang="fr-FR" dirty="0"/>
+              <a:t>Palette</a:t>
+            </a:r>
+          </a:p>
+        </p:txBody>
+      </p:sp>
+      <p:sp>
+        <p:nvSpPr>
+          <p:cNvPr id="61" name="ZoneTexte 60">
+            <a:extLst>
+              <a:ext uri="{FF2B5EF4-FFF2-40B4-BE49-F238E27FC236}">
+                <a16:creationId xmlns:a16="http://schemas.microsoft.com/office/drawing/2014/main" id="{78E418F0-01A9-471B-9190-E195448238A3}"/>
+              </a:ext>
+            </a:extLst>
+          </p:cNvPr>
+          <p:cNvSpPr txBox="1"/>
+          <p:nvPr/>
+        </p:nvSpPr>
+        <p:spPr>
+          <a:xfrm rot="17229360">
+            <a:off x="3213293" y="2867627"/>
+            <a:ext cx="724878" cy="369332"/>
+          </a:xfrm>
+          <a:prstGeom prst="rect">
+            <a:avLst/>
+          </a:prstGeom>
+          <a:noFill/>
+        </p:spPr>
+        <p:txBody>
+          <a:bodyPr wrap="none" rtlCol="0">
+            <a:spAutoFit/>
+          </a:bodyPr>
+          <a:lstStyle/>
+          <a:p>
+            <a:r>
+              <a:rPr lang="fr-FR" dirty="0"/>
+              <a:t>T &lt; 1s</a:t>
+            </a:r>
+          </a:p>
+        </p:txBody>
+      </p:sp>
+      <p:sp>
+        <p:nvSpPr>
+          <p:cNvPr id="69" name="ZoneTexte 68">
+            <a:extLst>
+              <a:ext uri="{FF2B5EF4-FFF2-40B4-BE49-F238E27FC236}">
+                <a16:creationId xmlns:a16="http://schemas.microsoft.com/office/drawing/2014/main" id="{98A0110D-D148-4A40-8CC2-60A947D4E0C8}"/>
+              </a:ext>
+            </a:extLst>
+          </p:cNvPr>
+          <p:cNvSpPr txBox="1"/>
+          <p:nvPr/>
+        </p:nvSpPr>
+        <p:spPr>
+          <a:xfrm>
+            <a:off x="2000699" y="2651508"/>
+            <a:ext cx="1195905" cy="369332"/>
+          </a:xfrm>
+          <a:prstGeom prst="rect">
+            <a:avLst/>
+          </a:prstGeom>
+          <a:noFill/>
+        </p:spPr>
+        <p:txBody>
+          <a:bodyPr wrap="none" rtlCol="0">
+            <a:spAutoFit/>
+          </a:bodyPr>
+          <a:lstStyle/>
+          <a:p>
+            <a:r>
+              <a:rPr lang="fr-FR" dirty="0" err="1"/>
+              <a:t>sra</a:t>
+            </a:r>
+            <a:r>
+              <a:rPr lang="fr-FR" dirty="0"/>
+              <a:t> | </a:t>
+            </a:r>
+            <a:r>
+              <a:rPr lang="fr-FR" dirty="0" err="1"/>
+              <a:t>comp</a:t>
+            </a:r>
+            <a:endParaRPr lang="fr-FR" dirty="0"/>
+          </a:p>
+        </p:txBody>
+      </p:sp>
+      <p:grpSp>
+        <p:nvGrpSpPr>
+          <p:cNvPr id="75" name="Groupe 74">
+            <a:extLst>
+              <a:ext uri="{FF2B5EF4-FFF2-40B4-BE49-F238E27FC236}">
+                <a16:creationId xmlns:a16="http://schemas.microsoft.com/office/drawing/2014/main" id="{40CC39C8-75EF-43F3-BA45-580D6B30BA2E}"/>
+              </a:ext>
+            </a:extLst>
+          </p:cNvPr>
+          <p:cNvGrpSpPr/>
+          <p:nvPr/>
+        </p:nvGrpSpPr>
+        <p:grpSpPr>
+          <a:xfrm>
+            <a:off x="4376591" y="3205837"/>
+            <a:ext cx="1575047" cy="369332"/>
+            <a:chOff x="4502233" y="3566516"/>
+            <a:chExt cx="1575047" cy="369332"/>
+          </a:xfrm>
+        </p:grpSpPr>
+        <p:sp>
+          <p:nvSpPr>
+            <p:cNvPr id="47" name="ZoneTexte 46">
+              <a:extLst>
+                <a:ext uri="{FF2B5EF4-FFF2-40B4-BE49-F238E27FC236}">
+                  <a16:creationId xmlns:a16="http://schemas.microsoft.com/office/drawing/2014/main" id="{7AE0D6AF-EA40-4E70-A50D-3B227C066B2E}"/>
+                </a:ext>
+              </a:extLst>
+            </p:cNvPr>
+            <p:cNvSpPr txBox="1"/>
+            <p:nvPr/>
+          </p:nvSpPr>
+          <p:spPr>
+            <a:xfrm>
+              <a:off x="4502233" y="3566516"/>
+              <a:ext cx="1575047" cy="369332"/>
+            </a:xfrm>
+            <a:prstGeom prst="rect">
+              <a:avLst/>
+            </a:prstGeom>
+            <a:noFill/>
+          </p:spPr>
+          <p:txBody>
+            <a:bodyPr wrap="none" rtlCol="0">
+              <a:spAutoFit/>
+            </a:bodyPr>
+            <a:lstStyle/>
+            <a:p>
+              <a:r>
+                <a:rPr lang="fr-FR" dirty="0"/>
+                <a:t>Palette | </a:t>
+              </a:r>
+              <a:r>
+                <a:rPr lang="fr-FR" dirty="0" err="1"/>
+                <a:t>comp</a:t>
+              </a:r>
+              <a:endParaRPr lang="fr-FR" dirty="0"/>
+            </a:p>
+          </p:txBody>
+        </p:sp>
+        <p:cxnSp>
+          <p:nvCxnSpPr>
+            <p:cNvPr id="73" name="Connecteur droit 72">
+              <a:extLst>
+                <a:ext uri="{FF2B5EF4-FFF2-40B4-BE49-F238E27FC236}">
+                  <a16:creationId xmlns:a16="http://schemas.microsoft.com/office/drawing/2014/main" id="{F590C5FC-AAA0-4ED9-B670-3161A7AF4E7E}"/>
+                </a:ext>
+              </a:extLst>
+            </p:cNvPr>
+            <p:cNvCxnSpPr>
+              <a:cxnSpLocks/>
+            </p:cNvCxnSpPr>
+            <p:nvPr/>
+          </p:nvCxnSpPr>
+          <p:spPr>
+            <a:xfrm>
+              <a:off x="5399934" y="3647138"/>
+              <a:ext cx="475825" cy="0"/>
+            </a:xfrm>
+            <a:prstGeom prst="line">
+              <a:avLst/>
+            </a:prstGeom>
+          </p:spPr>
+          <p:style>
+            <a:lnRef idx="1">
+              <a:schemeClr val="dk1"/>
+            </a:lnRef>
+            <a:fillRef idx="0">
+              <a:schemeClr val="dk1"/>
+            </a:fillRef>
+            <a:effectRef idx="0">
+              <a:schemeClr val="dk1"/>
+            </a:effectRef>
+            <a:fontRef idx="minor">
+              <a:schemeClr val="tx1"/>
+            </a:fontRef>
+          </p:style>
+        </p:cxnSp>
+      </p:grpSp>
+      <p:cxnSp>
+        <p:nvCxnSpPr>
+          <p:cNvPr id="77" name="Connecteur : en arc 76">
+            <a:extLst>
+              <a:ext uri="{FF2B5EF4-FFF2-40B4-BE49-F238E27FC236}">
+                <a16:creationId xmlns:a16="http://schemas.microsoft.com/office/drawing/2014/main" id="{D801F456-6A4B-494C-921B-A51645AD3693}"/>
+              </a:ext>
+            </a:extLst>
+          </p:cNvPr>
+          <p:cNvCxnSpPr>
+            <a:cxnSpLocks/>
+            <a:stCxn id="8" idx="5"/>
+            <a:endCxn id="5" idx="3"/>
+          </p:cNvCxnSpPr>
+          <p:nvPr/>
+        </p:nvCxnSpPr>
+        <p:spPr>
+          <a:xfrm rot="5400000" flipH="1">
+            <a:off x="3446342" y="523225"/>
+            <a:ext cx="730561" cy="4612975"/>
+          </a:xfrm>
+          <a:prstGeom prst="curvedConnector3">
+            <a:avLst>
+              <a:gd name="adj1" fmla="val -277916"/>
+            </a:avLst>
           </a:prstGeom>
           <a:ln>
             <a:tailEnd type="triangle"/>
@@ -4335,10 +4725,10 @@
       </p:cxnSp>
       <p:grpSp>
         <p:nvGrpSpPr>
-          <p:cNvPr id="20" name="Groupe 19">
-            <a:extLst>
-              <a:ext uri="{FF2B5EF4-FFF2-40B4-BE49-F238E27FC236}">
-                <a16:creationId xmlns:a16="http://schemas.microsoft.com/office/drawing/2014/main" id="{5006EBEB-BD13-49C8-9107-6A0AE90A9C72}"/>
+          <p:cNvPr id="81" name="Groupe 80">
+            <a:extLst>
+              <a:ext uri="{FF2B5EF4-FFF2-40B4-BE49-F238E27FC236}">
+                <a16:creationId xmlns:a16="http://schemas.microsoft.com/office/drawing/2014/main" id="{F0765BBC-2003-4522-A046-4AFE50A989CE}"/>
               </a:ext>
             </a:extLst>
           </p:cNvPr>
@@ -4347,18 +4737,18 @@
         </p:nvGrpSpPr>
         <p:grpSpPr>
           <a:xfrm>
-            <a:off x="4961682" y="1764194"/>
-            <a:ext cx="744435" cy="738863"/>
-            <a:chOff x="5093827" y="2075610"/>
-            <a:chExt cx="744435" cy="738863"/>
+            <a:off x="4695062" y="4938712"/>
+            <a:ext cx="1575047" cy="710089"/>
+            <a:chOff x="5017673" y="2075610"/>
+            <a:chExt cx="1575047" cy="710089"/>
           </a:xfrm>
         </p:grpSpPr>
         <p:sp>
           <p:nvSpPr>
-            <p:cNvPr id="25" name="ZoneTexte 24">
+            <p:cNvPr id="83" name="ZoneTexte 82">
               <a:extLst>
                 <a:ext uri="{FF2B5EF4-FFF2-40B4-BE49-F238E27FC236}">
-                  <a16:creationId xmlns:a16="http://schemas.microsoft.com/office/drawing/2014/main" id="{A65E9E9D-61B5-4ADC-B84A-DAE70F5F0248}"/>
+                  <a16:creationId xmlns:a16="http://schemas.microsoft.com/office/drawing/2014/main" id="{31066EFB-2B04-46CD-A81E-9DF609F87BC9}"/>
                 </a:ext>
               </a:extLst>
             </p:cNvPr>
@@ -4367,8 +4757,8 @@
           </p:nvSpPr>
           <p:spPr>
             <a:xfrm>
-              <a:off x="5206497" y="2075610"/>
-              <a:ext cx="512704" cy="369332"/>
+              <a:off x="5017673" y="2075610"/>
+              <a:ext cx="1575047" cy="369332"/>
             </a:xfrm>
             <a:prstGeom prst="rect">
               <a:avLst/>
@@ -4383,17 +4773,22 @@
             <a:p>
               <a:r>
                 <a:rPr lang="fr-FR" dirty="0"/>
-                <a:t>Ev2</a:t>
+                <a:t>Palette | </a:t>
               </a:r>
+              <a:r>
+                <a:rPr lang="fr-FR" dirty="0" err="1"/>
+                <a:t>comp</a:t>
+              </a:r>
+              <a:endParaRPr lang="fr-FR" dirty="0"/>
             </a:p>
           </p:txBody>
         </p:sp>
         <p:cxnSp>
           <p:nvCxnSpPr>
-            <p:cNvPr id="26" name="Connecteur droit 25">
+            <p:cNvPr id="84" name="Connecteur droit 83">
               <a:extLst>
                 <a:ext uri="{FF2B5EF4-FFF2-40B4-BE49-F238E27FC236}">
-                  <a16:creationId xmlns:a16="http://schemas.microsoft.com/office/drawing/2014/main" id="{8469AB5A-C4E1-48BD-A651-A5D8711839B8}"/>
+                  <a16:creationId xmlns:a16="http://schemas.microsoft.com/office/drawing/2014/main" id="{478C3789-B4D7-4B01-AB48-5F1C018CD00F}"/>
                 </a:ext>
               </a:extLst>
             </p:cNvPr>
@@ -4404,8 +4799,8 @@
           </p:nvCxnSpPr>
           <p:spPr>
             <a:xfrm flipV="1">
-              <a:off x="5234664" y="2429171"/>
-              <a:ext cx="422763" cy="6113"/>
+              <a:off x="5234664" y="2435284"/>
+              <a:ext cx="1115075" cy="1"/>
             </a:xfrm>
             <a:prstGeom prst="line">
               <a:avLst/>
@@ -4428,10 +4823,10 @@
         </p:cxnSp>
         <p:sp>
           <p:nvSpPr>
-            <p:cNvPr id="30" name="ZoneTexte 29">
+            <p:cNvPr id="85" name="ZoneTexte 84">
               <a:extLst>
                 <a:ext uri="{FF2B5EF4-FFF2-40B4-BE49-F238E27FC236}">
-                  <a16:creationId xmlns:a16="http://schemas.microsoft.com/office/drawing/2014/main" id="{01779251-F854-4C37-9A17-11CC0F53592C}"/>
+                  <a16:creationId xmlns:a16="http://schemas.microsoft.com/office/drawing/2014/main" id="{99CF3C30-3693-4E1F-9A5B-41564D9F6A8F}"/>
                 </a:ext>
               </a:extLst>
             </p:cNvPr>
@@ -4440,8 +4835,8 @@
           </p:nvSpPr>
           <p:spPr>
             <a:xfrm>
-              <a:off x="5093827" y="2445141"/>
-              <a:ext cx="744435" cy="369332"/>
+              <a:off x="5589227" y="2416367"/>
+              <a:ext cx="434734" cy="369332"/>
             </a:xfrm>
             <a:prstGeom prst="rect">
               <a:avLst/>
@@ -4456,7 +4851,7 @@
             <a:p>
               <a:r>
                 <a:rPr lang="fr-FR" dirty="0"/>
-                <a:t>A3,A4</a:t>
+                <a:t>A5</a:t>
               </a:r>
             </a:p>
           </p:txBody>
@@ -4464,180 +4859,29 @@
       </p:grpSp>
       <p:cxnSp>
         <p:nvCxnSpPr>
-          <p:cNvPr id="15" name="Connecteur droit avec flèche 14">
-            <a:extLst>
-              <a:ext uri="{FF2B5EF4-FFF2-40B4-BE49-F238E27FC236}">
-                <a16:creationId xmlns:a16="http://schemas.microsoft.com/office/drawing/2014/main" id="{822D558C-45B1-4DDA-920B-F79C97F5B3CC}"/>
+          <p:cNvPr id="91" name="Connecteur : en arc 90">
+            <a:extLst>
+              <a:ext uri="{FF2B5EF4-FFF2-40B4-BE49-F238E27FC236}">
+                <a16:creationId xmlns:a16="http://schemas.microsoft.com/office/drawing/2014/main" id="{A703D583-A92B-4181-A63C-3676F80A132C}"/>
               </a:ext>
             </a:extLst>
           </p:cNvPr>
           <p:cNvCxnSpPr>
-            <a:stCxn id="6" idx="2"/>
-            <a:endCxn id="5" idx="6"/>
+            <a:cxnSpLocks/>
+            <a:stCxn id="18" idx="4"/>
+            <a:endCxn id="5" idx="4"/>
           </p:cNvCxnSpPr>
           <p:nvPr/>
         </p:nvCxnSpPr>
         <p:spPr>
-          <a:xfrm flipH="1">
-            <a:off x="2036189" y="2284456"/>
-            <a:ext cx="1484811" cy="0"/>
-          </a:xfrm>
-          <a:prstGeom prst="straightConnector1">
-            <a:avLst/>
-          </a:prstGeom>
-          <a:ln>
-            <a:tailEnd type="triangle"/>
-          </a:ln>
-        </p:spPr>
-        <p:style>
-          <a:lnRef idx="2">
-            <a:schemeClr val="dk1"/>
-          </a:lnRef>
-          <a:fillRef idx="0">
-            <a:schemeClr val="dk1"/>
-          </a:fillRef>
-          <a:effectRef idx="1">
-            <a:schemeClr val="dk1"/>
-          </a:effectRef>
-          <a:fontRef idx="minor">
-            <a:schemeClr val="tx1"/>
-          </a:fontRef>
-        </p:style>
-      </p:cxnSp>
-      <p:sp>
-        <p:nvSpPr>
-          <p:cNvPr id="16" name="ZoneTexte 15">
-            <a:extLst>
-              <a:ext uri="{FF2B5EF4-FFF2-40B4-BE49-F238E27FC236}">
-                <a16:creationId xmlns:a16="http://schemas.microsoft.com/office/drawing/2014/main" id="{86D7B8ED-A884-4B21-AE65-2855F14FBD5B}"/>
-              </a:ext>
-            </a:extLst>
-          </p:cNvPr>
-          <p:cNvSpPr txBox="1"/>
-          <p:nvPr/>
-        </p:nvSpPr>
-        <p:spPr>
-          <a:xfrm>
-            <a:off x="2493214" y="1948960"/>
-            <a:ext cx="724878" cy="369332"/>
-          </a:xfrm>
-          <a:prstGeom prst="rect">
-            <a:avLst/>
-          </a:prstGeom>
-          <a:noFill/>
-        </p:spPr>
-        <p:txBody>
-          <a:bodyPr wrap="none" rtlCol="0">
-            <a:spAutoFit/>
-          </a:bodyPr>
-          <a:lstStyle/>
-          <a:p>
-            <a:r>
-              <a:rPr lang="fr-FR" dirty="0"/>
-              <a:t>T &lt; 2s</a:t>
-            </a:r>
-          </a:p>
-        </p:txBody>
-      </p:sp>
-      <p:cxnSp>
-        <p:nvCxnSpPr>
-          <p:cNvPr id="24" name="Connecteur droit avec flèche 23">
-            <a:extLst>
-              <a:ext uri="{FF2B5EF4-FFF2-40B4-BE49-F238E27FC236}">
-                <a16:creationId xmlns:a16="http://schemas.microsoft.com/office/drawing/2014/main" id="{89FE6CE7-8683-4A35-8F2C-D02B32E0EE04}"/>
-              </a:ext>
-            </a:extLst>
-          </p:cNvPr>
-          <p:cNvCxnSpPr>
-            <a:stCxn id="8" idx="1"/>
-            <a:endCxn id="6" idx="5"/>
-          </p:cNvCxnSpPr>
-          <p:nvPr/>
-        </p:nvCxnSpPr>
-        <p:spPr>
-          <a:xfrm flipH="1" flipV="1">
-            <a:off x="4052054" y="2464431"/>
-            <a:ext cx="1282640" cy="798743"/>
-          </a:xfrm>
-          <a:prstGeom prst="straightConnector1">
-            <a:avLst/>
-          </a:prstGeom>
-          <a:ln>
-            <a:tailEnd type="triangle"/>
-          </a:ln>
-        </p:spPr>
-        <p:style>
-          <a:lnRef idx="2">
-            <a:schemeClr val="dk1"/>
-          </a:lnRef>
-          <a:fillRef idx="0">
-            <a:schemeClr val="dk1"/>
-          </a:fillRef>
-          <a:effectRef idx="1">
-            <a:schemeClr val="dk1"/>
-          </a:effectRef>
-          <a:fontRef idx="minor">
-            <a:schemeClr val="tx1"/>
-          </a:fontRef>
-        </p:style>
-      </p:cxnSp>
-      <p:sp>
-        <p:nvSpPr>
-          <p:cNvPr id="38" name="ZoneTexte 37">
-            <a:extLst>
-              <a:ext uri="{FF2B5EF4-FFF2-40B4-BE49-F238E27FC236}">
-                <a16:creationId xmlns:a16="http://schemas.microsoft.com/office/drawing/2014/main" id="{82430E43-9CBA-4B5F-ACF6-658F1CE19EAE}"/>
-              </a:ext>
-            </a:extLst>
-          </p:cNvPr>
-          <p:cNvSpPr txBox="1"/>
-          <p:nvPr/>
-        </p:nvSpPr>
-        <p:spPr>
-          <a:xfrm rot="1930817">
-            <a:off x="4462301" y="2597105"/>
-            <a:ext cx="724878" cy="369332"/>
-          </a:xfrm>
-          <a:prstGeom prst="rect">
-            <a:avLst/>
-          </a:prstGeom>
-          <a:noFill/>
-        </p:spPr>
-        <p:txBody>
-          <a:bodyPr wrap="none" rtlCol="0">
-            <a:spAutoFit/>
-          </a:bodyPr>
-          <a:lstStyle/>
-          <a:p>
-            <a:r>
-              <a:rPr lang="fr-FR" dirty="0"/>
-              <a:t>T &lt; 1s</a:t>
-            </a:r>
-          </a:p>
-        </p:txBody>
-      </p:sp>
-      <p:cxnSp>
-        <p:nvCxnSpPr>
-          <p:cNvPr id="43" name="Connecteur : en arc 42">
-            <a:extLst>
-              <a:ext uri="{FF2B5EF4-FFF2-40B4-BE49-F238E27FC236}">
-                <a16:creationId xmlns:a16="http://schemas.microsoft.com/office/drawing/2014/main" id="{5AB54E10-9C71-467A-BD42-7080E659CC97}"/>
-              </a:ext>
-            </a:extLst>
-          </p:cNvPr>
-          <p:cNvCxnSpPr>
-            <a:cxnSpLocks/>
-            <a:endCxn id="6" idx="4"/>
-          </p:cNvCxnSpPr>
-          <p:nvPr/>
-        </p:nvCxnSpPr>
-        <p:spPr>
-          <a:xfrm rot="10800000">
-            <a:off x="3832085" y="2538980"/>
-            <a:ext cx="1397769" cy="952073"/>
-          </a:xfrm>
-          <a:prstGeom prst="curvedConnector2">
-            <a:avLst/>
+          <a:xfrm rot="5400000" flipH="1">
+            <a:off x="1793142" y="2470943"/>
+            <a:ext cx="1464041" cy="1600115"/>
+          </a:xfrm>
+          <a:prstGeom prst="curvedConnector3">
+            <a:avLst>
+              <a:gd name="adj1" fmla="val 3123"/>
+            </a:avLst>
           </a:prstGeom>
           <a:ln>
             <a:tailEnd type="triangle"/>
@@ -4660,10 +4904,10 @@
       </p:cxnSp>
       <p:grpSp>
         <p:nvGrpSpPr>
-          <p:cNvPr id="46" name="Groupe 45">
-            <a:extLst>
-              <a:ext uri="{FF2B5EF4-FFF2-40B4-BE49-F238E27FC236}">
-                <a16:creationId xmlns:a16="http://schemas.microsoft.com/office/drawing/2014/main" id="{E40AEE8A-B075-4213-BC26-B44CAC07D28C}"/>
+          <p:cNvPr id="93" name="Groupe 92">
+            <a:extLst>
+              <a:ext uri="{FF2B5EF4-FFF2-40B4-BE49-F238E27FC236}">
+                <a16:creationId xmlns:a16="http://schemas.microsoft.com/office/drawing/2014/main" id="{12E6EA0B-6042-40BC-848C-BAEA1004646B}"/>
               </a:ext>
             </a:extLst>
           </p:cNvPr>
@@ -4672,18 +4916,18 @@
         </p:nvGrpSpPr>
         <p:grpSpPr>
           <a:xfrm>
-            <a:off x="3929538" y="3179145"/>
-            <a:ext cx="512704" cy="738664"/>
+            <a:off x="2538064" y="4043915"/>
+            <a:ext cx="1195905" cy="710089"/>
             <a:chOff x="5206497" y="2075610"/>
-            <a:chExt cx="512704" cy="738664"/>
+            <a:chExt cx="1195905" cy="710089"/>
           </a:xfrm>
         </p:grpSpPr>
         <p:sp>
           <p:nvSpPr>
-            <p:cNvPr id="47" name="ZoneTexte 46">
+            <p:cNvPr id="94" name="ZoneTexte 93">
               <a:extLst>
                 <a:ext uri="{FF2B5EF4-FFF2-40B4-BE49-F238E27FC236}">
-                  <a16:creationId xmlns:a16="http://schemas.microsoft.com/office/drawing/2014/main" id="{7AE0D6AF-EA40-4E70-A50D-3B227C066B2E}"/>
+                  <a16:creationId xmlns:a16="http://schemas.microsoft.com/office/drawing/2014/main" id="{C91F7B7E-218B-4FEA-AEAD-DF74F081FF95}"/>
                 </a:ext>
               </a:extLst>
             </p:cNvPr>
@@ -4693,7 +4937,7 @@
           <p:spPr>
             <a:xfrm>
               <a:off x="5206497" y="2075610"/>
-              <a:ext cx="512704" cy="369332"/>
+              <a:ext cx="1195905" cy="369332"/>
             </a:xfrm>
             <a:prstGeom prst="rect">
               <a:avLst/>
@@ -4707,18 +4951,27 @@
             <a:lstStyle/>
             <a:p>
               <a:r>
+                <a:rPr lang="fr-FR" dirty="0" err="1"/>
+                <a:t>sra</a:t>
+              </a:r>
+              <a:r>
                 <a:rPr lang="fr-FR" dirty="0"/>
-                <a:t>Ev3</a:t>
+                <a:t> | </a:t>
               </a:r>
+              <a:r>
+                <a:rPr lang="fr-FR" dirty="0" err="1"/>
+                <a:t>comp</a:t>
+              </a:r>
+              <a:endParaRPr lang="fr-FR" dirty="0"/>
             </a:p>
           </p:txBody>
         </p:sp>
         <p:cxnSp>
           <p:nvCxnSpPr>
-            <p:cNvPr id="48" name="Connecteur droit 47">
+            <p:cNvPr id="95" name="Connecteur droit 94">
               <a:extLst>
                 <a:ext uri="{FF2B5EF4-FFF2-40B4-BE49-F238E27FC236}">
-                  <a16:creationId xmlns:a16="http://schemas.microsoft.com/office/drawing/2014/main" id="{F81362E9-970F-46FA-A4D0-D464D30A0E21}"/>
+                  <a16:creationId xmlns:a16="http://schemas.microsoft.com/office/drawing/2014/main" id="{9FA5D36E-D353-4EFB-AFB0-3D7103B47E8A}"/>
                 </a:ext>
               </a:extLst>
             </p:cNvPr>
@@ -4729,8 +4982,8 @@
           </p:nvCxnSpPr>
           <p:spPr>
             <a:xfrm flipV="1">
-              <a:off x="5234664" y="2429171"/>
-              <a:ext cx="422763" cy="6113"/>
+              <a:off x="5234664" y="2435284"/>
+              <a:ext cx="1115075" cy="1"/>
             </a:xfrm>
             <a:prstGeom prst="line">
               <a:avLst/>
@@ -4753,10 +5006,10 @@
         </p:cxnSp>
         <p:sp>
           <p:nvSpPr>
-            <p:cNvPr id="49" name="ZoneTexte 48">
+            <p:cNvPr id="96" name="ZoneTexte 95">
               <a:extLst>
                 <a:ext uri="{FF2B5EF4-FFF2-40B4-BE49-F238E27FC236}">
-                  <a16:creationId xmlns:a16="http://schemas.microsoft.com/office/drawing/2014/main" id="{51435C5C-AD65-4447-9294-A4DF9BC1B0C3}"/>
+                  <a16:creationId xmlns:a16="http://schemas.microsoft.com/office/drawing/2014/main" id="{D16CB64B-77F8-4F04-A2FF-FA6063E4A1EC}"/>
                 </a:ext>
               </a:extLst>
             </p:cNvPr>
@@ -4765,7 +5018,7 @@
           </p:nvSpPr>
           <p:spPr>
             <a:xfrm>
-              <a:off x="5237236" y="2444942"/>
+              <a:off x="5589227" y="2416367"/>
               <a:ext cx="434734" cy="369332"/>
             </a:xfrm>
             <a:prstGeom prst="rect">
@@ -4787,6 +5040,44 @@
           </p:txBody>
         </p:sp>
       </p:grpSp>
+      <p:cxnSp>
+        <p:nvCxnSpPr>
+          <p:cNvPr id="98" name="Connecteur droit 97">
+            <a:extLst>
+              <a:ext uri="{FF2B5EF4-FFF2-40B4-BE49-F238E27FC236}">
+                <a16:creationId xmlns:a16="http://schemas.microsoft.com/office/drawing/2014/main" id="{F6E1EE49-CD09-4880-B39F-BF735A0034AA}"/>
+              </a:ext>
+            </a:extLst>
+          </p:cNvPr>
+          <p:cNvCxnSpPr>
+            <a:cxnSpLocks/>
+          </p:cNvCxnSpPr>
+          <p:nvPr/>
+        </p:nvCxnSpPr>
+        <p:spPr>
+          <a:xfrm>
+            <a:off x="2598651" y="2738912"/>
+            <a:ext cx="475825" cy="0"/>
+          </a:xfrm>
+          <a:prstGeom prst="line">
+            <a:avLst/>
+          </a:prstGeom>
+        </p:spPr>
+        <p:style>
+          <a:lnRef idx="1">
+            <a:schemeClr val="dk1"/>
+          </a:lnRef>
+          <a:fillRef idx="0">
+            <a:schemeClr val="dk1"/>
+          </a:fillRef>
+          <a:effectRef idx="0">
+            <a:schemeClr val="dk1"/>
+          </a:effectRef>
+          <a:fontRef idx="minor">
+            <a:schemeClr val="tx1"/>
+          </a:fontRef>
+        </p:style>
+      </p:cxnSp>
     </p:spTree>
     <p:extLst>
       <p:ext uri="{BB962C8B-B14F-4D97-AF65-F5344CB8AC3E}">
@@ -6107,7 +6398,7 @@
                       <a:pPr algn="ctr"/>
                       <a:r>
                         <a:rPr lang="fr-FR" dirty="0"/>
-                        <a:t>Ev1</a:t>
+                        <a:t>1$</a:t>
                       </a:r>
                     </a:p>
                   </a:txBody>
@@ -6120,22 +6411,8 @@
                     <a:p>
                       <a:pPr algn="ctr"/>
                       <a:r>
-                        <a:rPr lang="fr-FR" dirty="0"/>
-                        <a:t>Ev2</a:t>
-                      </a:r>
-                    </a:p>
-                  </a:txBody>
-                  <a:tcPr/>
-                </a:tc>
-                <a:tc>
-                  <a:txBody>
-                    <a:bodyPr/>
-                    <a:lstStyle/>
-                    <a:p>
-                      <a:pPr algn="ctr"/>
-                      <a:r>
-                        <a:rPr lang="fr-FR"/>
-                        <a:t>Ev3</a:t>
+                        <a:rPr lang="fr-FR" dirty="0" err="1"/>
+                        <a:t>sra</a:t>
                       </a:r>
                       <a:endParaRPr lang="fr-FR" dirty="0"/>
                     </a:p>
@@ -6150,8 +6427,23 @@
                       <a:pPr algn="ctr"/>
                       <a:r>
                         <a:rPr lang="fr-FR" dirty="0"/>
+                        <a:t>Palette</a:t>
+                      </a:r>
+                    </a:p>
+                  </a:txBody>
+                  <a:tcPr/>
+                </a:tc>
+                <a:tc>
+                  <a:txBody>
+                    <a:bodyPr/>
+                    <a:lstStyle/>
+                    <a:p>
+                      <a:pPr algn="ctr"/>
+                      <a:r>
+                        <a:rPr lang="fr-FR"/>
                         <a:t>Ev4</a:t>
                       </a:r>
+                      <a:endParaRPr lang="fr-FR" dirty="0"/>
                     </a:p>
                   </a:txBody>
                   <a:tcPr/>

--- a/Concep/MachineEtat.pptx
+++ b/Concep/MachineEtat.pptx
@@ -6,8 +6,7 @@
   </p:sldMasterIdLst>
   <p:sldIdLst>
     <p:sldId id="256" r:id="rId2"/>
-    <p:sldId id="260" r:id="rId3"/>
-    <p:sldId id="259" r:id="rId4"/>
+    <p:sldId id="259" r:id="rId3"/>
   </p:sldIdLst>
   <p:sldSz cx="12192000" cy="6858000"/>
   <p:notesSz cx="6858000" cy="9144000"/>
@@ -261,7 +260,7 @@
           <a:p>
             <a:fld id="{F4A82166-679B-4DCA-B2EB-D3A018EE558C}" type="datetimeFigureOut">
               <a:rPr lang="fr-FR" smtClean="0"/>
-              <a:t>22/11/2019</a:t>
+              <a:t>28/11/2019</a:t>
             </a:fld>
             <a:endParaRPr lang="fr-FR"/>
           </a:p>
@@ -459,7 +458,7 @@
           <a:p>
             <a:fld id="{F4A82166-679B-4DCA-B2EB-D3A018EE558C}" type="datetimeFigureOut">
               <a:rPr lang="fr-FR" smtClean="0"/>
-              <a:t>22/11/2019</a:t>
+              <a:t>28/11/2019</a:t>
             </a:fld>
             <a:endParaRPr lang="fr-FR"/>
           </a:p>
@@ -667,7 +666,7 @@
           <a:p>
             <a:fld id="{F4A82166-679B-4DCA-B2EB-D3A018EE558C}" type="datetimeFigureOut">
               <a:rPr lang="fr-FR" smtClean="0"/>
-              <a:t>22/11/2019</a:t>
+              <a:t>28/11/2019</a:t>
             </a:fld>
             <a:endParaRPr lang="fr-FR"/>
           </a:p>
@@ -865,7 +864,7 @@
           <a:p>
             <a:fld id="{F4A82166-679B-4DCA-B2EB-D3A018EE558C}" type="datetimeFigureOut">
               <a:rPr lang="fr-FR" smtClean="0"/>
-              <a:t>22/11/2019</a:t>
+              <a:t>28/11/2019</a:t>
             </a:fld>
             <a:endParaRPr lang="fr-FR"/>
           </a:p>
@@ -1140,7 +1139,7 @@
           <a:p>
             <a:fld id="{F4A82166-679B-4DCA-B2EB-D3A018EE558C}" type="datetimeFigureOut">
               <a:rPr lang="fr-FR" smtClean="0"/>
-              <a:t>22/11/2019</a:t>
+              <a:t>28/11/2019</a:t>
             </a:fld>
             <a:endParaRPr lang="fr-FR"/>
           </a:p>
@@ -1405,7 +1404,7 @@
           <a:p>
             <a:fld id="{F4A82166-679B-4DCA-B2EB-D3A018EE558C}" type="datetimeFigureOut">
               <a:rPr lang="fr-FR" smtClean="0"/>
-              <a:t>22/11/2019</a:t>
+              <a:t>28/11/2019</a:t>
             </a:fld>
             <a:endParaRPr lang="fr-FR"/>
           </a:p>
@@ -1817,7 +1816,7 @@
           <a:p>
             <a:fld id="{F4A82166-679B-4DCA-B2EB-D3A018EE558C}" type="datetimeFigureOut">
               <a:rPr lang="fr-FR" smtClean="0"/>
-              <a:t>22/11/2019</a:t>
+              <a:t>28/11/2019</a:t>
             </a:fld>
             <a:endParaRPr lang="fr-FR"/>
           </a:p>
@@ -1958,7 +1957,7 @@
           <a:p>
             <a:fld id="{F4A82166-679B-4DCA-B2EB-D3A018EE558C}" type="datetimeFigureOut">
               <a:rPr lang="fr-FR" smtClean="0"/>
-              <a:t>22/11/2019</a:t>
+              <a:t>28/11/2019</a:t>
             </a:fld>
             <a:endParaRPr lang="fr-FR"/>
           </a:p>
@@ -2071,7 +2070,7 @@
           <a:p>
             <a:fld id="{F4A82166-679B-4DCA-B2EB-D3A018EE558C}" type="datetimeFigureOut">
               <a:rPr lang="fr-FR" smtClean="0"/>
-              <a:t>22/11/2019</a:t>
+              <a:t>28/11/2019</a:t>
             </a:fld>
             <a:endParaRPr lang="fr-FR"/>
           </a:p>
@@ -2382,7 +2381,7 @@
           <a:p>
             <a:fld id="{F4A82166-679B-4DCA-B2EB-D3A018EE558C}" type="datetimeFigureOut">
               <a:rPr lang="fr-FR" smtClean="0"/>
-              <a:t>22/11/2019</a:t>
+              <a:t>28/11/2019</a:t>
             </a:fld>
             <a:endParaRPr lang="fr-FR"/>
           </a:p>
@@ -2670,7 +2669,7 @@
           <a:p>
             <a:fld id="{F4A82166-679B-4DCA-B2EB-D3A018EE558C}" type="datetimeFigureOut">
               <a:rPr lang="fr-FR" smtClean="0"/>
-              <a:t>22/11/2019</a:t>
+              <a:t>28/11/2019</a:t>
             </a:fld>
             <a:endParaRPr lang="fr-FR"/>
           </a:p>
@@ -2911,7 +2910,7 @@
           <a:p>
             <a:fld id="{F4A82166-679B-4DCA-B2EB-D3A018EE558C}" type="datetimeFigureOut">
               <a:rPr lang="fr-FR" smtClean="0"/>
-              <a:t>22/11/2019</a:t>
+              <a:t>28/11/2019</a:t>
             </a:fld>
             <a:endParaRPr lang="fr-FR"/>
           </a:p>
@@ -3531,7 +3530,7 @@
         <p:spPr>
           <a:xfrm>
             <a:off x="8361365" y="460587"/>
-            <a:ext cx="3367028" cy="5909310"/>
+            <a:ext cx="3367028" cy="6186309"/>
           </a:xfrm>
           <a:prstGeom prst="rect">
             <a:avLst/>
@@ -3559,11 +3558,7 @@
           <a:p>
             <a:r>
               <a:rPr lang="fr-FR" dirty="0"/>
-              <a:t>E1 : En cours d’</a:t>
-            </a:r>
-            <a:r>
-              <a:rPr lang="fr-FR" dirty="0" err="1"/>
-              <a:t>éxécution</a:t>
+              <a:t>E1 : En cours d’exécution</a:t>
             </a:r>
             <a:endParaRPr lang="fr-FR" u="sng" dirty="0"/>
           </a:p>
@@ -3621,6 +3616,24 @@
               <a:rPr lang="fr-FR" dirty="0" err="1"/>
               <a:t>Timer</a:t>
             </a:r>
+            <a:r>
+              <a:rPr lang="fr-FR" dirty="0"/>
+              <a:t> attente validation info</a:t>
+            </a:r>
+          </a:p>
+          <a:p>
+            <a:r>
+              <a:rPr lang="fr-FR" dirty="0"/>
+              <a:t>T2 : </a:t>
+            </a:r>
+            <a:r>
+              <a:rPr lang="fr-FR" dirty="0" err="1"/>
+              <a:t>Timer</a:t>
+            </a:r>
+            <a:r>
+              <a:rPr lang="fr-FR" dirty="0"/>
+              <a:t> annulation commande</a:t>
+            </a:r>
             <a:endParaRPr lang="fr-FR" u="sng" dirty="0"/>
           </a:p>
           <a:p>
@@ -3653,131 +3666,33 @@
           <a:p>
             <a:r>
               <a:rPr lang="fr-FR" dirty="0" err="1"/>
+              <a:t>comm</a:t>
+            </a:r>
+            <a:r>
+              <a:rPr lang="fr-FR" dirty="0"/>
+              <a:t> : Commande</a:t>
+            </a:r>
+          </a:p>
+          <a:p>
+            <a:r>
+              <a:rPr lang="fr-FR" dirty="0" err="1"/>
               <a:t>comp</a:t>
             </a:r>
             <a:r>
               <a:rPr lang="fr-FR" dirty="0"/>
-              <a:t> </a:t>
-            </a:r>
-            <a:r>
-              <a:rPr lang="fr-FR"/>
-              <a:t>: Boolean Commande </a:t>
+              <a:t> : </a:t>
+            </a:r>
+            <a:r>
+              <a:rPr lang="fr-FR" dirty="0" err="1"/>
+              <a:t>is</a:t>
             </a:r>
             <a:r>
               <a:rPr lang="fr-FR" dirty="0"/>
-              <a:t>complète</a:t>
+              <a:t> Commande complète</a:t>
             </a:r>
           </a:p>
           <a:p>
             <a:endParaRPr lang="fr-FR" dirty="0"/>
-          </a:p>
-        </p:txBody>
-      </p:sp>
-      <p:sp>
-        <p:nvSpPr>
-          <p:cNvPr id="11" name="ZoneTexte 10">
-            <a:extLst>
-              <a:ext uri="{FF2B5EF4-FFF2-40B4-BE49-F238E27FC236}">
-                <a16:creationId xmlns:a16="http://schemas.microsoft.com/office/drawing/2014/main" id="{3DC66447-6B02-407B-890D-E2B615FF665F}"/>
-              </a:ext>
-            </a:extLst>
-          </p:cNvPr>
-          <p:cNvSpPr txBox="1"/>
-          <p:nvPr/>
-        </p:nvSpPr>
-        <p:spPr>
-          <a:xfrm>
-            <a:off x="12671469" y="984399"/>
-            <a:ext cx="839589" cy="369332"/>
-          </a:xfrm>
-          <a:prstGeom prst="rect">
-            <a:avLst/>
-          </a:prstGeom>
-          <a:noFill/>
-        </p:spPr>
-        <p:txBody>
-          <a:bodyPr wrap="none" rtlCol="0">
-            <a:spAutoFit/>
-          </a:bodyPr>
-          <a:lstStyle/>
-          <a:p>
-            <a:r>
-              <a:rPr lang="fr-FR" dirty="0"/>
-              <a:t>Palette</a:t>
-            </a:r>
-          </a:p>
-        </p:txBody>
-      </p:sp>
-      <p:cxnSp>
-        <p:nvCxnSpPr>
-          <p:cNvPr id="13" name="Connecteur droit 12">
-            <a:extLst>
-              <a:ext uri="{FF2B5EF4-FFF2-40B4-BE49-F238E27FC236}">
-                <a16:creationId xmlns:a16="http://schemas.microsoft.com/office/drawing/2014/main" id="{1A686DDC-314D-4AF2-9B61-CA617B6D229D}"/>
-              </a:ext>
-            </a:extLst>
-          </p:cNvPr>
-          <p:cNvCxnSpPr>
-            <a:cxnSpLocks/>
-          </p:cNvCxnSpPr>
-          <p:nvPr/>
-        </p:nvCxnSpPr>
-        <p:spPr>
-          <a:xfrm>
-            <a:off x="12525726" y="1417185"/>
-            <a:ext cx="658447" cy="0"/>
-          </a:xfrm>
-          <a:prstGeom prst="line">
-            <a:avLst/>
-          </a:prstGeom>
-        </p:spPr>
-        <p:style>
-          <a:lnRef idx="2">
-            <a:schemeClr val="dk1"/>
-          </a:lnRef>
-          <a:fillRef idx="0">
-            <a:schemeClr val="dk1"/>
-          </a:fillRef>
-          <a:effectRef idx="1">
-            <a:schemeClr val="dk1"/>
-          </a:effectRef>
-          <a:fontRef idx="minor">
-            <a:schemeClr val="tx1"/>
-          </a:fontRef>
-        </p:style>
-      </p:cxnSp>
-      <p:sp>
-        <p:nvSpPr>
-          <p:cNvPr id="14" name="ZoneTexte 13">
-            <a:extLst>
-              <a:ext uri="{FF2B5EF4-FFF2-40B4-BE49-F238E27FC236}">
-                <a16:creationId xmlns:a16="http://schemas.microsoft.com/office/drawing/2014/main" id="{ABC7844C-EB1F-4E7B-9940-0B226F13138A}"/>
-              </a:ext>
-            </a:extLst>
-          </p:cNvPr>
-          <p:cNvSpPr txBox="1"/>
-          <p:nvPr/>
-        </p:nvSpPr>
-        <p:spPr>
-          <a:xfrm>
-            <a:off x="12414128" y="1429410"/>
-            <a:ext cx="919162" cy="369332"/>
-          </a:xfrm>
-          <a:prstGeom prst="rect">
-            <a:avLst/>
-          </a:prstGeom>
-          <a:noFill/>
-        </p:spPr>
-        <p:txBody>
-          <a:bodyPr wrap="none" rtlCol="0">
-            <a:spAutoFit/>
-          </a:bodyPr>
-          <a:lstStyle/>
-          <a:p>
-            <a:r>
-              <a:rPr lang="fr-FR" dirty="0"/>
-              <a:t>A1,A2.1</a:t>
-            </a:r>
           </a:p>
         </p:txBody>
       </p:sp>
@@ -3826,71 +3741,6 @@
               <a:rPr lang="fr-FR" dirty="0"/>
               <a:t>E3</a:t>
             </a:r>
-          </a:p>
-        </p:txBody>
-      </p:sp>
-      <p:sp>
-        <p:nvSpPr>
-          <p:cNvPr id="19" name="Rectangle 18">
-            <a:extLst>
-              <a:ext uri="{FF2B5EF4-FFF2-40B4-BE49-F238E27FC236}">
-                <a16:creationId xmlns:a16="http://schemas.microsoft.com/office/drawing/2014/main" id="{D2EA53AD-7F9F-4EFA-87DB-7F115EDC739A}"/>
-              </a:ext>
-            </a:extLst>
-          </p:cNvPr>
-          <p:cNvSpPr/>
-          <p:nvPr/>
-        </p:nvSpPr>
-        <p:spPr>
-          <a:xfrm>
-            <a:off x="12395011" y="2538978"/>
-            <a:ext cx="3202147" cy="2031325"/>
-          </a:xfrm>
-          <a:prstGeom prst="rect">
-            <a:avLst/>
-          </a:prstGeom>
-        </p:spPr>
-        <p:txBody>
-          <a:bodyPr wrap="square">
-            <a:spAutoFit/>
-          </a:bodyPr>
-          <a:lstStyle/>
-          <a:p>
-            <a:r>
-              <a:rPr lang="fr-FR" dirty="0"/>
-              <a:t>1$.1 : Dessiner Créer Ellipse</a:t>
-            </a:r>
-            <a:endParaRPr lang="fr-FR" u="sng" dirty="0"/>
-          </a:p>
-          <a:p>
-            <a:r>
-              <a:rPr lang="fr-FR" dirty="0"/>
-              <a:t>1$.2 : Dessiner Créer Rectangle</a:t>
-            </a:r>
-          </a:p>
-          <a:p>
-            <a:endParaRPr lang="fr-FR" u="sng" dirty="0"/>
-          </a:p>
-          <a:p>
-            <a:r>
-              <a:rPr lang="fr-FR" dirty="0"/>
-              <a:t>sra.1 : Annoncer Forme</a:t>
-            </a:r>
-            <a:endParaRPr lang="fr-FR" u="sng" dirty="0"/>
-          </a:p>
-          <a:p>
-            <a:r>
-              <a:rPr lang="fr-FR" dirty="0"/>
-              <a:t>sra.2.1 : Annoncer Couleur</a:t>
-            </a:r>
-            <a:endParaRPr lang="fr-FR" u="sng" dirty="0"/>
-          </a:p>
-          <a:p>
-            <a:r>
-              <a:rPr lang="fr-FR" dirty="0"/>
-              <a:t>sra.2.2 : Annoncer Copie Couleur</a:t>
-            </a:r>
-            <a:endParaRPr lang="fr-FR" u="sng" dirty="0"/>
           </a:p>
         </p:txBody>
       </p:sp>
@@ -4190,7 +4040,7 @@
         <p:spPr>
           <a:xfrm>
             <a:off x="2493214" y="1948960"/>
-            <a:ext cx="724878" cy="369332"/>
+            <a:ext cx="413896" cy="369332"/>
           </a:xfrm>
           <a:prstGeom prst="rect">
             <a:avLst/>
@@ -4205,7 +4055,7 @@
           <a:p>
             <a:r>
               <a:rPr lang="fr-FR" dirty="0"/>
-              <a:t>T &lt; 2s</a:t>
+              <a:t>T2</a:t>
             </a:r>
           </a:p>
         </p:txBody>
@@ -4267,8 +4117,8 @@
         </p:nvSpPr>
         <p:spPr>
           <a:xfrm rot="1403471">
-            <a:off x="4610574" y="2554246"/>
-            <a:ext cx="724878" cy="369332"/>
+            <a:off x="4824574" y="2554246"/>
+            <a:ext cx="296876" cy="369332"/>
           </a:xfrm>
           <a:prstGeom prst="rect">
             <a:avLst/>
@@ -4283,7 +4133,7 @@
           <a:p>
             <a:r>
               <a:rPr lang="fr-FR" dirty="0"/>
-              <a:t>T &lt; 1s</a:t>
+              <a:t>T</a:t>
             </a:r>
           </a:p>
         </p:txBody>
@@ -4479,7 +4329,7 @@
         </p:nvSpPr>
         <p:spPr>
           <a:xfrm>
-            <a:off x="3684853" y="3304297"/>
+            <a:off x="3674910" y="3393971"/>
             <a:ext cx="839589" cy="369332"/>
           </a:xfrm>
           <a:prstGeom prst="rect">
@@ -4514,8 +4364,8 @@
         </p:nvSpPr>
         <p:spPr>
           <a:xfrm rot="17229360">
-            <a:off x="3213293" y="2867627"/>
-            <a:ext cx="724878" cy="369332"/>
+            <a:off x="3400843" y="2867627"/>
+            <a:ext cx="349776" cy="369332"/>
           </a:xfrm>
           <a:prstGeom prst="rect">
             <a:avLst/>
@@ -4530,7 +4380,7 @@
           <a:p>
             <a:r>
               <a:rPr lang="fr-FR" dirty="0"/>
-              <a:t>T &lt; 1s</a:t>
+              <a:t>T </a:t>
             </a:r>
           </a:p>
         </p:txBody>
@@ -4851,7 +4701,7 @@
             <a:p>
               <a:r>
                 <a:rPr lang="fr-FR" dirty="0"/>
-                <a:t>A5</a:t>
+                <a:t>A1</a:t>
               </a:r>
             </a:p>
           </p:txBody>
@@ -5034,7 +4884,7 @@
             <a:p>
               <a:r>
                 <a:rPr lang="fr-FR" dirty="0"/>
-                <a:t>A5</a:t>
+                <a:t>A1</a:t>
               </a:r>
             </a:p>
           </p:txBody>
@@ -5108,1207 +4958,6 @@
           <a:chExt cx="0" cy="0"/>
         </a:xfrm>
       </p:grpSpPr>
-      <p:sp>
-        <p:nvSpPr>
-          <p:cNvPr id="4" name="Ellipse 3">
-            <a:extLst>
-              <a:ext uri="{FF2B5EF4-FFF2-40B4-BE49-F238E27FC236}">
-                <a16:creationId xmlns:a16="http://schemas.microsoft.com/office/drawing/2014/main" id="{A31B8AF9-5F4D-4DA3-9CBD-B6C6B41C650E}"/>
-              </a:ext>
-            </a:extLst>
-          </p:cNvPr>
-          <p:cNvSpPr/>
-          <p:nvPr/>
-        </p:nvSpPr>
-        <p:spPr>
-          <a:xfrm>
-            <a:off x="3417306" y="2403834"/>
-            <a:ext cx="622168" cy="509047"/>
-          </a:xfrm>
-          <a:prstGeom prst="ellipse">
-            <a:avLst/>
-          </a:prstGeom>
-          <a:ln/>
-        </p:spPr>
-        <p:style>
-          <a:lnRef idx="2">
-            <a:schemeClr val="dk1"/>
-          </a:lnRef>
-          <a:fillRef idx="1">
-            <a:schemeClr val="lt1"/>
-          </a:fillRef>
-          <a:effectRef idx="0">
-            <a:schemeClr val="dk1"/>
-          </a:effectRef>
-          <a:fontRef idx="minor">
-            <a:schemeClr val="dk1"/>
-          </a:fontRef>
-        </p:style>
-        <p:txBody>
-          <a:bodyPr rtlCol="0" anchor="ctr"/>
-          <a:lstStyle/>
-          <a:p>
-            <a:pPr algn="ctr"/>
-            <a:r>
-              <a:rPr lang="fr-FR" dirty="0"/>
-              <a:t>0</a:t>
-            </a:r>
-          </a:p>
-        </p:txBody>
-      </p:sp>
-      <p:sp>
-        <p:nvSpPr>
-          <p:cNvPr id="5" name="Ellipse 4">
-            <a:extLst>
-              <a:ext uri="{FF2B5EF4-FFF2-40B4-BE49-F238E27FC236}">
-                <a16:creationId xmlns:a16="http://schemas.microsoft.com/office/drawing/2014/main" id="{802917D2-D9D3-475C-BF5F-9AD0A3AC223B}"/>
-              </a:ext>
-            </a:extLst>
-          </p:cNvPr>
-          <p:cNvSpPr/>
-          <p:nvPr/>
-        </p:nvSpPr>
-        <p:spPr>
-          <a:xfrm>
-            <a:off x="5153409" y="2422685"/>
-            <a:ext cx="622168" cy="509047"/>
-          </a:xfrm>
-          <a:prstGeom prst="ellipse">
-            <a:avLst/>
-          </a:prstGeom>
-          <a:ln/>
-        </p:spPr>
-        <p:style>
-          <a:lnRef idx="2">
-            <a:schemeClr val="dk1"/>
-          </a:lnRef>
-          <a:fillRef idx="1">
-            <a:schemeClr val="lt1"/>
-          </a:fillRef>
-          <a:effectRef idx="0">
-            <a:schemeClr val="dk1"/>
-          </a:effectRef>
-          <a:fontRef idx="minor">
-            <a:schemeClr val="dk1"/>
-          </a:fontRef>
-        </p:style>
-        <p:txBody>
-          <a:bodyPr rtlCol="0" anchor="ctr"/>
-          <a:lstStyle/>
-          <a:p>
-            <a:pPr algn="ctr"/>
-            <a:r>
-              <a:rPr lang="fr-FR" dirty="0"/>
-              <a:t>1</a:t>
-            </a:r>
-          </a:p>
-        </p:txBody>
-      </p:sp>
-      <p:cxnSp>
-        <p:nvCxnSpPr>
-          <p:cNvPr id="7" name="Connecteur : en arc 6">
-            <a:extLst>
-              <a:ext uri="{FF2B5EF4-FFF2-40B4-BE49-F238E27FC236}">
-                <a16:creationId xmlns:a16="http://schemas.microsoft.com/office/drawing/2014/main" id="{0073E54A-2C1D-4287-A4D5-19DCD45FA4C0}"/>
-              </a:ext>
-            </a:extLst>
-          </p:cNvPr>
-          <p:cNvCxnSpPr>
-            <a:cxnSpLocks/>
-            <a:stCxn id="4" idx="7"/>
-            <a:endCxn id="5" idx="1"/>
-          </p:cNvCxnSpPr>
-          <p:nvPr/>
-        </p:nvCxnSpPr>
-        <p:spPr>
-          <a:xfrm rot="16200000" flipH="1">
-            <a:off x="4587015" y="1839726"/>
-            <a:ext cx="18851" cy="1296163"/>
-          </a:xfrm>
-          <a:prstGeom prst="curvedConnector3">
-            <a:avLst>
-              <a:gd name="adj1" fmla="val -1608127"/>
-            </a:avLst>
-          </a:prstGeom>
-          <a:ln>
-            <a:tailEnd type="triangle"/>
-          </a:ln>
-        </p:spPr>
-        <p:style>
-          <a:lnRef idx="1">
-            <a:schemeClr val="accent1"/>
-          </a:lnRef>
-          <a:fillRef idx="0">
-            <a:schemeClr val="accent1"/>
-          </a:fillRef>
-          <a:effectRef idx="0">
-            <a:schemeClr val="accent1"/>
-          </a:effectRef>
-          <a:fontRef idx="minor">
-            <a:schemeClr val="tx1"/>
-          </a:fontRef>
-        </p:style>
-      </p:cxnSp>
-      <p:cxnSp>
-        <p:nvCxnSpPr>
-          <p:cNvPr id="11" name="Connecteur : en arc 10">
-            <a:extLst>
-              <a:ext uri="{FF2B5EF4-FFF2-40B4-BE49-F238E27FC236}">
-                <a16:creationId xmlns:a16="http://schemas.microsoft.com/office/drawing/2014/main" id="{63A1CF49-C385-4671-9ACD-D721E0B89D08}"/>
-              </a:ext>
-            </a:extLst>
-          </p:cNvPr>
-          <p:cNvCxnSpPr>
-            <a:cxnSpLocks/>
-            <a:stCxn id="5" idx="7"/>
-            <a:endCxn id="5" idx="0"/>
-          </p:cNvCxnSpPr>
-          <p:nvPr/>
-        </p:nvCxnSpPr>
-        <p:spPr>
-          <a:xfrm rot="16200000" flipV="1">
-            <a:off x="5537204" y="2349974"/>
-            <a:ext cx="74548" cy="219970"/>
-          </a:xfrm>
-          <a:prstGeom prst="curvedConnector3">
-            <a:avLst>
-              <a:gd name="adj1" fmla="val 899815"/>
-            </a:avLst>
-          </a:prstGeom>
-          <a:ln>
-            <a:tailEnd type="triangle"/>
-          </a:ln>
-        </p:spPr>
-        <p:style>
-          <a:lnRef idx="1">
-            <a:schemeClr val="accent1"/>
-          </a:lnRef>
-          <a:fillRef idx="0">
-            <a:schemeClr val="accent1"/>
-          </a:fillRef>
-          <a:effectRef idx="0">
-            <a:schemeClr val="accent1"/>
-          </a:effectRef>
-          <a:fontRef idx="minor">
-            <a:schemeClr val="tx1"/>
-          </a:fontRef>
-        </p:style>
-      </p:cxnSp>
-      <p:sp>
-        <p:nvSpPr>
-          <p:cNvPr id="14" name="ZoneTexte 13">
-            <a:extLst>
-              <a:ext uri="{FF2B5EF4-FFF2-40B4-BE49-F238E27FC236}">
-                <a16:creationId xmlns:a16="http://schemas.microsoft.com/office/drawing/2014/main" id="{70C121CD-7CB6-44CE-A590-5D57F3F15A3A}"/>
-              </a:ext>
-            </a:extLst>
-          </p:cNvPr>
-          <p:cNvSpPr txBox="1"/>
-          <p:nvPr/>
-        </p:nvSpPr>
-        <p:spPr>
-          <a:xfrm>
-            <a:off x="5244522" y="1338606"/>
-            <a:ext cx="1292085" cy="369332"/>
-          </a:xfrm>
-          <a:prstGeom prst="rect">
-            <a:avLst/>
-          </a:prstGeom>
-          <a:noFill/>
-        </p:spPr>
-        <p:txBody>
-          <a:bodyPr wrap="none" rtlCol="0">
-            <a:spAutoFit/>
-          </a:bodyPr>
-          <a:lstStyle/>
-          <a:p>
-            <a:r>
-              <a:rPr lang="fr-FR" dirty="0" err="1"/>
-              <a:t>Sra|couleur</a:t>
-            </a:r>
-            <a:endParaRPr lang="fr-FR" dirty="0"/>
-          </a:p>
-        </p:txBody>
-      </p:sp>
-      <p:sp>
-        <p:nvSpPr>
-          <p:cNvPr id="16" name="Ellipse 15">
-            <a:extLst>
-              <a:ext uri="{FF2B5EF4-FFF2-40B4-BE49-F238E27FC236}">
-                <a16:creationId xmlns:a16="http://schemas.microsoft.com/office/drawing/2014/main" id="{003BDA54-98B0-43AF-86A0-741000F0712B}"/>
-              </a:ext>
-            </a:extLst>
-          </p:cNvPr>
-          <p:cNvSpPr/>
-          <p:nvPr/>
-        </p:nvSpPr>
-        <p:spPr>
-          <a:xfrm>
-            <a:off x="7520739" y="2460871"/>
-            <a:ext cx="622168" cy="509047"/>
-          </a:xfrm>
-          <a:prstGeom prst="ellipse">
-            <a:avLst/>
-          </a:prstGeom>
-          <a:ln/>
-        </p:spPr>
-        <p:style>
-          <a:lnRef idx="2">
-            <a:schemeClr val="dk1"/>
-          </a:lnRef>
-          <a:fillRef idx="1">
-            <a:schemeClr val="lt1"/>
-          </a:fillRef>
-          <a:effectRef idx="0">
-            <a:schemeClr val="dk1"/>
-          </a:effectRef>
-          <a:fontRef idx="minor">
-            <a:schemeClr val="dk1"/>
-          </a:fontRef>
-        </p:style>
-        <p:txBody>
-          <a:bodyPr rtlCol="0" anchor="ctr"/>
-          <a:lstStyle/>
-          <a:p>
-            <a:pPr algn="ctr"/>
-            <a:endParaRPr lang="fr-FR" dirty="0"/>
-          </a:p>
-        </p:txBody>
-      </p:sp>
-      <p:cxnSp>
-        <p:nvCxnSpPr>
-          <p:cNvPr id="18" name="Connecteur : en arc 17">
-            <a:extLst>
-              <a:ext uri="{FF2B5EF4-FFF2-40B4-BE49-F238E27FC236}">
-                <a16:creationId xmlns:a16="http://schemas.microsoft.com/office/drawing/2014/main" id="{D80672EF-5751-4567-A860-F4C64D058C07}"/>
-              </a:ext>
-            </a:extLst>
-          </p:cNvPr>
-          <p:cNvCxnSpPr>
-            <a:cxnSpLocks/>
-            <a:stCxn id="5" idx="7"/>
-            <a:endCxn id="16" idx="1"/>
-          </p:cNvCxnSpPr>
-          <p:nvPr/>
-        </p:nvCxnSpPr>
-        <p:spPr>
-          <a:xfrm rot="16200000" flipH="1">
-            <a:off x="6629065" y="1552631"/>
-            <a:ext cx="38186" cy="1927390"/>
-          </a:xfrm>
-          <a:prstGeom prst="curvedConnector3">
-            <a:avLst>
-              <a:gd name="adj1" fmla="val -793872"/>
-            </a:avLst>
-          </a:prstGeom>
-          <a:ln>
-            <a:tailEnd type="triangle"/>
-          </a:ln>
-        </p:spPr>
-        <p:style>
-          <a:lnRef idx="1">
-            <a:schemeClr val="accent1"/>
-          </a:lnRef>
-          <a:fillRef idx="0">
-            <a:schemeClr val="accent1"/>
-          </a:fillRef>
-          <a:effectRef idx="0">
-            <a:schemeClr val="accent1"/>
-          </a:effectRef>
-          <a:fontRef idx="minor">
-            <a:schemeClr val="tx1"/>
-          </a:fontRef>
-        </p:style>
-      </p:cxnSp>
-      <p:sp>
-        <p:nvSpPr>
-          <p:cNvPr id="19" name="ZoneTexte 18">
-            <a:extLst>
-              <a:ext uri="{FF2B5EF4-FFF2-40B4-BE49-F238E27FC236}">
-                <a16:creationId xmlns:a16="http://schemas.microsoft.com/office/drawing/2014/main" id="{E87FFE38-6A30-4349-9F39-85BC2E0ED895}"/>
-              </a:ext>
-            </a:extLst>
-          </p:cNvPr>
-          <p:cNvSpPr txBox="1"/>
-          <p:nvPr/>
-        </p:nvSpPr>
-        <p:spPr>
-          <a:xfrm>
-            <a:off x="6567559" y="1849394"/>
-            <a:ext cx="2227276" cy="369332"/>
-          </a:xfrm>
-          <a:prstGeom prst="rect">
-            <a:avLst/>
-          </a:prstGeom>
-          <a:noFill/>
-        </p:spPr>
-        <p:txBody>
-          <a:bodyPr wrap="none" rtlCol="0">
-            <a:spAutoFit/>
-          </a:bodyPr>
-          <a:lstStyle/>
-          <a:p>
-            <a:r>
-              <a:rPr lang="fr-FR" dirty="0" err="1"/>
-              <a:t>sra</a:t>
-            </a:r>
-            <a:r>
-              <a:rPr lang="fr-FR" dirty="0"/>
-              <a:t> | position/couleur</a:t>
-            </a:r>
-          </a:p>
-        </p:txBody>
-      </p:sp>
-      <p:cxnSp>
-        <p:nvCxnSpPr>
-          <p:cNvPr id="21" name="Connecteur : en arc 20">
-            <a:extLst>
-              <a:ext uri="{FF2B5EF4-FFF2-40B4-BE49-F238E27FC236}">
-                <a16:creationId xmlns:a16="http://schemas.microsoft.com/office/drawing/2014/main" id="{5E94A946-5782-449F-B322-5D71AE62C7F7}"/>
-              </a:ext>
-            </a:extLst>
-          </p:cNvPr>
-          <p:cNvCxnSpPr>
-            <a:cxnSpLocks/>
-            <a:stCxn id="16" idx="3"/>
-            <a:endCxn id="5" idx="5"/>
-          </p:cNvCxnSpPr>
-          <p:nvPr/>
-        </p:nvCxnSpPr>
-        <p:spPr>
-          <a:xfrm rot="5400000" flipH="1">
-            <a:off x="6629065" y="1912582"/>
-            <a:ext cx="38186" cy="1927390"/>
-          </a:xfrm>
-          <a:prstGeom prst="curvedConnector3">
-            <a:avLst>
-              <a:gd name="adj1" fmla="val -793872"/>
-            </a:avLst>
-          </a:prstGeom>
-          <a:ln>
-            <a:tailEnd type="triangle"/>
-          </a:ln>
-        </p:spPr>
-        <p:style>
-          <a:lnRef idx="1">
-            <a:schemeClr val="accent1"/>
-          </a:lnRef>
-          <a:fillRef idx="0">
-            <a:schemeClr val="accent1"/>
-          </a:fillRef>
-          <a:effectRef idx="0">
-            <a:schemeClr val="accent1"/>
-          </a:effectRef>
-          <a:fontRef idx="minor">
-            <a:schemeClr val="tx1"/>
-          </a:fontRef>
-        </p:style>
-      </p:cxnSp>
-      <p:cxnSp>
-        <p:nvCxnSpPr>
-          <p:cNvPr id="23" name="Connecteur droit avec flèche 22">
-            <a:extLst>
-              <a:ext uri="{FF2B5EF4-FFF2-40B4-BE49-F238E27FC236}">
-                <a16:creationId xmlns:a16="http://schemas.microsoft.com/office/drawing/2014/main" id="{1AC7F305-A936-4AED-AF07-099E63A44650}"/>
-              </a:ext>
-            </a:extLst>
-          </p:cNvPr>
-          <p:cNvCxnSpPr>
-            <a:cxnSpLocks/>
-            <a:endCxn id="5" idx="6"/>
-          </p:cNvCxnSpPr>
-          <p:nvPr/>
-        </p:nvCxnSpPr>
-        <p:spPr>
-          <a:xfrm flipH="1" flipV="1">
-            <a:off x="5775577" y="2677209"/>
-            <a:ext cx="1745162" cy="37048"/>
-          </a:xfrm>
-          <a:prstGeom prst="straightConnector1">
-            <a:avLst/>
-          </a:prstGeom>
-          <a:ln>
-            <a:tailEnd type="triangle"/>
-          </a:ln>
-        </p:spPr>
-        <p:style>
-          <a:lnRef idx="1">
-            <a:schemeClr val="accent1"/>
-          </a:lnRef>
-          <a:fillRef idx="0">
-            <a:schemeClr val="accent1"/>
-          </a:fillRef>
-          <a:effectRef idx="0">
-            <a:schemeClr val="accent1"/>
-          </a:effectRef>
-          <a:fontRef idx="minor">
-            <a:schemeClr val="tx1"/>
-          </a:fontRef>
-        </p:style>
-      </p:cxnSp>
-      <p:sp>
-        <p:nvSpPr>
-          <p:cNvPr id="27" name="ZoneTexte 26">
-            <a:extLst>
-              <a:ext uri="{FF2B5EF4-FFF2-40B4-BE49-F238E27FC236}">
-                <a16:creationId xmlns:a16="http://schemas.microsoft.com/office/drawing/2014/main" id="{4E880AE6-479B-4D19-9B46-8C0EBA643AF0}"/>
-              </a:ext>
-            </a:extLst>
-          </p:cNvPr>
-          <p:cNvSpPr txBox="1"/>
-          <p:nvPr/>
-        </p:nvSpPr>
-        <p:spPr>
-          <a:xfrm>
-            <a:off x="6148213" y="3202994"/>
-            <a:ext cx="1432443" cy="646331"/>
-          </a:xfrm>
-          <a:prstGeom prst="rect">
-            <a:avLst/>
-          </a:prstGeom>
-          <a:noFill/>
-        </p:spPr>
-        <p:txBody>
-          <a:bodyPr wrap="none" rtlCol="0">
-            <a:spAutoFit/>
-          </a:bodyPr>
-          <a:lstStyle/>
-          <a:p>
-            <a:r>
-              <a:rPr lang="fr-FR" dirty="0" err="1"/>
-              <a:t>clic|comm</a:t>
-            </a:r>
-            <a:endParaRPr lang="fr-FR" dirty="0"/>
-          </a:p>
-          <a:p>
-            <a:r>
-              <a:rPr lang="fr-FR" dirty="0"/>
-              <a:t>Pas </a:t>
-            </a:r>
-            <a:r>
-              <a:rPr lang="fr-FR" dirty="0" err="1"/>
-              <a:t>complete</a:t>
-            </a:r>
-            <a:endParaRPr lang="fr-FR" dirty="0"/>
-          </a:p>
-        </p:txBody>
-      </p:sp>
-      <p:sp>
-        <p:nvSpPr>
-          <p:cNvPr id="28" name="ZoneTexte 27">
-            <a:extLst>
-              <a:ext uri="{FF2B5EF4-FFF2-40B4-BE49-F238E27FC236}">
-                <a16:creationId xmlns:a16="http://schemas.microsoft.com/office/drawing/2014/main" id="{07B38EED-F494-4DA1-99BD-178A64F91919}"/>
-              </a:ext>
-            </a:extLst>
-          </p:cNvPr>
-          <p:cNvSpPr txBox="1"/>
-          <p:nvPr/>
-        </p:nvSpPr>
-        <p:spPr>
-          <a:xfrm>
-            <a:off x="6567559" y="2415299"/>
-            <a:ext cx="296876" cy="369332"/>
-          </a:xfrm>
-          <a:prstGeom prst="rect">
-            <a:avLst/>
-          </a:prstGeom>
-          <a:noFill/>
-        </p:spPr>
-        <p:txBody>
-          <a:bodyPr wrap="none" rtlCol="0">
-            <a:spAutoFit/>
-          </a:bodyPr>
-          <a:lstStyle/>
-          <a:p>
-            <a:r>
-              <a:rPr lang="fr-FR" dirty="0"/>
-              <a:t>T</a:t>
-            </a:r>
-          </a:p>
-        </p:txBody>
-      </p:sp>
-      <p:sp>
-        <p:nvSpPr>
-          <p:cNvPr id="29" name="ZoneTexte 28">
-            <a:extLst>
-              <a:ext uri="{FF2B5EF4-FFF2-40B4-BE49-F238E27FC236}">
-                <a16:creationId xmlns:a16="http://schemas.microsoft.com/office/drawing/2014/main" id="{89524E9C-C15B-4526-A8D0-CF2739EF8E04}"/>
-              </a:ext>
-            </a:extLst>
-          </p:cNvPr>
-          <p:cNvSpPr txBox="1"/>
-          <p:nvPr/>
-        </p:nvSpPr>
-        <p:spPr>
-          <a:xfrm>
-            <a:off x="8147653" y="2478381"/>
-            <a:ext cx="1239250" cy="369332"/>
-          </a:xfrm>
-          <a:prstGeom prst="rect">
-            <a:avLst/>
-          </a:prstGeom>
-          <a:noFill/>
-        </p:spPr>
-        <p:txBody>
-          <a:bodyPr wrap="none" rtlCol="0">
-            <a:spAutoFit/>
-          </a:bodyPr>
-          <a:lstStyle/>
-          <a:p>
-            <a:r>
-              <a:rPr lang="fr-FR" dirty="0"/>
-              <a:t>Attente clic</a:t>
-            </a:r>
-          </a:p>
-        </p:txBody>
-      </p:sp>
-      <p:cxnSp>
-        <p:nvCxnSpPr>
-          <p:cNvPr id="31" name="Connecteur : en arc 30">
-            <a:extLst>
-              <a:ext uri="{FF2B5EF4-FFF2-40B4-BE49-F238E27FC236}">
-                <a16:creationId xmlns:a16="http://schemas.microsoft.com/office/drawing/2014/main" id="{505CA480-4290-42E4-8E14-A6192A260DD3}"/>
-              </a:ext>
-            </a:extLst>
-          </p:cNvPr>
-          <p:cNvCxnSpPr>
-            <a:cxnSpLocks/>
-            <a:stCxn id="16" idx="4"/>
-            <a:endCxn id="4" idx="4"/>
-          </p:cNvCxnSpPr>
-          <p:nvPr/>
-        </p:nvCxnSpPr>
-        <p:spPr>
-          <a:xfrm rot="5400000" flipH="1">
-            <a:off x="5751588" y="889684"/>
-            <a:ext cx="57037" cy="4103433"/>
-          </a:xfrm>
-          <a:prstGeom prst="curvedConnector3">
-            <a:avLst>
-              <a:gd name="adj1" fmla="val -4604660"/>
-            </a:avLst>
-          </a:prstGeom>
-          <a:ln>
-            <a:tailEnd type="triangle"/>
-          </a:ln>
-        </p:spPr>
-        <p:style>
-          <a:lnRef idx="1">
-            <a:schemeClr val="accent1"/>
-          </a:lnRef>
-          <a:fillRef idx="0">
-            <a:schemeClr val="accent1"/>
-          </a:fillRef>
-          <a:effectRef idx="0">
-            <a:schemeClr val="accent1"/>
-          </a:effectRef>
-          <a:fontRef idx="minor">
-            <a:schemeClr val="tx1"/>
-          </a:fontRef>
-        </p:style>
-      </p:cxnSp>
-      <p:cxnSp>
-        <p:nvCxnSpPr>
-          <p:cNvPr id="35" name="Connecteur : en arc 34">
-            <a:extLst>
-              <a:ext uri="{FF2B5EF4-FFF2-40B4-BE49-F238E27FC236}">
-                <a16:creationId xmlns:a16="http://schemas.microsoft.com/office/drawing/2014/main" id="{42DF71C9-73DB-4D30-A79A-C503F4793B10}"/>
-              </a:ext>
-            </a:extLst>
-          </p:cNvPr>
-          <p:cNvCxnSpPr>
-            <a:stCxn id="5" idx="2"/>
-            <a:endCxn id="4" idx="6"/>
-          </p:cNvCxnSpPr>
-          <p:nvPr/>
-        </p:nvCxnSpPr>
-        <p:spPr>
-          <a:xfrm rot="10800000">
-            <a:off x="4039475" y="2658359"/>
-            <a:ext cx="1113935" cy="18851"/>
-          </a:xfrm>
-          <a:prstGeom prst="curvedConnector3">
-            <a:avLst/>
-          </a:prstGeom>
-          <a:ln>
-            <a:tailEnd type="triangle"/>
-          </a:ln>
-        </p:spPr>
-        <p:style>
-          <a:lnRef idx="1">
-            <a:schemeClr val="accent1"/>
-          </a:lnRef>
-          <a:fillRef idx="0">
-            <a:schemeClr val="accent1"/>
-          </a:fillRef>
-          <a:effectRef idx="0">
-            <a:schemeClr val="accent1"/>
-          </a:effectRef>
-          <a:fontRef idx="minor">
-            <a:schemeClr val="tx1"/>
-          </a:fontRef>
-        </p:style>
-      </p:cxnSp>
-      <p:sp>
-        <p:nvSpPr>
-          <p:cNvPr id="36" name="ZoneTexte 35">
-            <a:extLst>
-              <a:ext uri="{FF2B5EF4-FFF2-40B4-BE49-F238E27FC236}">
-                <a16:creationId xmlns:a16="http://schemas.microsoft.com/office/drawing/2014/main" id="{9F4A104C-D67A-47D1-A17F-525F899C3BB0}"/>
-              </a:ext>
-            </a:extLst>
-          </p:cNvPr>
-          <p:cNvSpPr txBox="1"/>
-          <p:nvPr/>
-        </p:nvSpPr>
-        <p:spPr>
-          <a:xfrm rot="19823965">
-            <a:off x="3943935" y="2710220"/>
-            <a:ext cx="658129" cy="369332"/>
-          </a:xfrm>
-          <a:prstGeom prst="rect">
-            <a:avLst/>
-          </a:prstGeom>
-          <a:noFill/>
-        </p:spPr>
-        <p:txBody>
-          <a:bodyPr wrap="none" rtlCol="0">
-            <a:spAutoFit/>
-          </a:bodyPr>
-          <a:lstStyle/>
-          <a:p>
-            <a:r>
-              <a:rPr lang="fr-FR" dirty="0"/>
-              <a:t>reset</a:t>
-            </a:r>
-          </a:p>
-        </p:txBody>
-      </p:sp>
-      <p:sp>
-        <p:nvSpPr>
-          <p:cNvPr id="42" name="ZoneTexte 41">
-            <a:extLst>
-              <a:ext uri="{FF2B5EF4-FFF2-40B4-BE49-F238E27FC236}">
-                <a16:creationId xmlns:a16="http://schemas.microsoft.com/office/drawing/2014/main" id="{C6CD36E2-26DA-4120-AED6-FE981A5A1F14}"/>
-              </a:ext>
-            </a:extLst>
-          </p:cNvPr>
-          <p:cNvSpPr txBox="1"/>
-          <p:nvPr/>
-        </p:nvSpPr>
-        <p:spPr>
-          <a:xfrm>
-            <a:off x="4311235" y="1816215"/>
-            <a:ext cx="418704" cy="369332"/>
-          </a:xfrm>
-          <a:prstGeom prst="rect">
-            <a:avLst/>
-          </a:prstGeom>
-          <a:noFill/>
-        </p:spPr>
-        <p:txBody>
-          <a:bodyPr wrap="none" rtlCol="0">
-            <a:spAutoFit/>
-          </a:bodyPr>
-          <a:lstStyle/>
-          <a:p>
-            <a:r>
-              <a:rPr lang="fr-FR" dirty="0"/>
-              <a:t>1$</a:t>
-            </a:r>
-          </a:p>
-        </p:txBody>
-      </p:sp>
-      <p:sp>
-        <p:nvSpPr>
-          <p:cNvPr id="44" name="Ellipse 43">
-            <a:extLst>
-              <a:ext uri="{FF2B5EF4-FFF2-40B4-BE49-F238E27FC236}">
-                <a16:creationId xmlns:a16="http://schemas.microsoft.com/office/drawing/2014/main" id="{6C6472F4-8079-4F27-9BE1-B10DE856DA74}"/>
-              </a:ext>
-            </a:extLst>
-          </p:cNvPr>
-          <p:cNvSpPr/>
-          <p:nvPr/>
-        </p:nvSpPr>
-        <p:spPr>
-          <a:xfrm>
-            <a:off x="4733820" y="3789693"/>
-            <a:ext cx="622168" cy="509047"/>
-          </a:xfrm>
-          <a:prstGeom prst="ellipse">
-            <a:avLst/>
-          </a:prstGeom>
-          <a:ln/>
-        </p:spPr>
-        <p:style>
-          <a:lnRef idx="2">
-            <a:schemeClr val="dk1"/>
-          </a:lnRef>
-          <a:fillRef idx="1">
-            <a:schemeClr val="lt1"/>
-          </a:fillRef>
-          <a:effectRef idx="0">
-            <a:schemeClr val="dk1"/>
-          </a:effectRef>
-          <a:fontRef idx="minor">
-            <a:schemeClr val="dk1"/>
-          </a:fontRef>
-        </p:style>
-        <p:txBody>
-          <a:bodyPr rtlCol="0" anchor="ctr"/>
-          <a:lstStyle/>
-          <a:p>
-            <a:pPr algn="ctr"/>
-            <a:endParaRPr lang="fr-FR" dirty="0"/>
-          </a:p>
-        </p:txBody>
-      </p:sp>
-      <p:cxnSp>
-        <p:nvCxnSpPr>
-          <p:cNvPr id="58" name="Connecteur : en arc 57">
-            <a:extLst>
-              <a:ext uri="{FF2B5EF4-FFF2-40B4-BE49-F238E27FC236}">
-                <a16:creationId xmlns:a16="http://schemas.microsoft.com/office/drawing/2014/main" id="{5BB3B1E0-4EB2-4187-908A-EB0CC551096A}"/>
-              </a:ext>
-            </a:extLst>
-          </p:cNvPr>
-          <p:cNvCxnSpPr>
-            <a:cxnSpLocks/>
-          </p:cNvCxnSpPr>
-          <p:nvPr/>
-        </p:nvCxnSpPr>
-        <p:spPr>
-          <a:xfrm rot="5400000">
-            <a:off x="4849650" y="3471908"/>
-            <a:ext cx="1112485" cy="108505"/>
-          </a:xfrm>
-          <a:prstGeom prst="curvedConnector2">
-            <a:avLst/>
-          </a:prstGeom>
-          <a:ln>
-            <a:tailEnd type="triangle"/>
-          </a:ln>
-        </p:spPr>
-        <p:style>
-          <a:lnRef idx="1">
-            <a:schemeClr val="accent1"/>
-          </a:lnRef>
-          <a:fillRef idx="0">
-            <a:schemeClr val="accent1"/>
-          </a:fillRef>
-          <a:effectRef idx="0">
-            <a:schemeClr val="accent1"/>
-          </a:effectRef>
-          <a:fontRef idx="minor">
-            <a:schemeClr val="tx1"/>
-          </a:fontRef>
-        </p:style>
-      </p:cxnSp>
-      <p:sp>
-        <p:nvSpPr>
-          <p:cNvPr id="59" name="ZoneTexte 58">
-            <a:extLst>
-              <a:ext uri="{FF2B5EF4-FFF2-40B4-BE49-F238E27FC236}">
-                <a16:creationId xmlns:a16="http://schemas.microsoft.com/office/drawing/2014/main" id="{EC1E86F1-8CDB-4651-994A-C3CA944F46EB}"/>
-              </a:ext>
-            </a:extLst>
-          </p:cNvPr>
-          <p:cNvSpPr txBox="1"/>
-          <p:nvPr/>
-        </p:nvSpPr>
-        <p:spPr>
-          <a:xfrm>
-            <a:off x="5460145" y="3385441"/>
-            <a:ext cx="486030" cy="369332"/>
-          </a:xfrm>
-          <a:prstGeom prst="rect">
-            <a:avLst/>
-          </a:prstGeom>
-          <a:noFill/>
-        </p:spPr>
-        <p:txBody>
-          <a:bodyPr wrap="none" rtlCol="0">
-            <a:spAutoFit/>
-          </a:bodyPr>
-          <a:lstStyle/>
-          <a:p>
-            <a:r>
-              <a:rPr lang="fr-FR" dirty="0"/>
-              <a:t>clic</a:t>
-            </a:r>
-          </a:p>
-        </p:txBody>
-      </p:sp>
-      <p:cxnSp>
-        <p:nvCxnSpPr>
-          <p:cNvPr id="61" name="Connecteur droit avec flèche 60">
-            <a:extLst>
-              <a:ext uri="{FF2B5EF4-FFF2-40B4-BE49-F238E27FC236}">
-                <a16:creationId xmlns:a16="http://schemas.microsoft.com/office/drawing/2014/main" id="{4A7F457F-E488-4525-AED3-3C4D6AE498E7}"/>
-              </a:ext>
-            </a:extLst>
-          </p:cNvPr>
-          <p:cNvCxnSpPr>
-            <a:stCxn id="44" idx="7"/>
-          </p:cNvCxnSpPr>
-          <p:nvPr/>
-        </p:nvCxnSpPr>
-        <p:spPr>
-          <a:xfrm flipV="1">
-            <a:off x="5264874" y="3015549"/>
-            <a:ext cx="141018" cy="848692"/>
-          </a:xfrm>
-          <a:prstGeom prst="straightConnector1">
-            <a:avLst/>
-          </a:prstGeom>
-          <a:ln>
-            <a:tailEnd type="triangle"/>
-          </a:ln>
-        </p:spPr>
-        <p:style>
-          <a:lnRef idx="1">
-            <a:schemeClr val="accent1"/>
-          </a:lnRef>
-          <a:fillRef idx="0">
-            <a:schemeClr val="accent1"/>
-          </a:fillRef>
-          <a:effectRef idx="0">
-            <a:schemeClr val="accent1"/>
-          </a:effectRef>
-          <a:fontRef idx="minor">
-            <a:schemeClr val="tx1"/>
-          </a:fontRef>
-        </p:style>
-      </p:cxnSp>
-      <p:cxnSp>
-        <p:nvCxnSpPr>
-          <p:cNvPr id="63" name="Connecteur : en arc 62">
-            <a:extLst>
-              <a:ext uri="{FF2B5EF4-FFF2-40B4-BE49-F238E27FC236}">
-                <a16:creationId xmlns:a16="http://schemas.microsoft.com/office/drawing/2014/main" id="{2DC20373-AEA7-445C-A8BF-CC9007D7CC41}"/>
-              </a:ext>
-            </a:extLst>
-          </p:cNvPr>
-          <p:cNvCxnSpPr>
-            <a:stCxn id="44" idx="1"/>
-            <a:endCxn id="5" idx="3"/>
-          </p:cNvCxnSpPr>
-          <p:nvPr/>
-        </p:nvCxnSpPr>
-        <p:spPr>
-          <a:xfrm rot="5400000" flipH="1" flipV="1">
-            <a:off x="4531200" y="3150919"/>
-            <a:ext cx="1007057" cy="419589"/>
-          </a:xfrm>
-          <a:prstGeom prst="curvedConnector3">
-            <a:avLst>
-              <a:gd name="adj1" fmla="val 68160"/>
-            </a:avLst>
-          </a:prstGeom>
-          <a:ln>
-            <a:tailEnd type="triangle"/>
-          </a:ln>
-        </p:spPr>
-        <p:style>
-          <a:lnRef idx="1">
-            <a:schemeClr val="accent1"/>
-          </a:lnRef>
-          <a:fillRef idx="0">
-            <a:schemeClr val="accent1"/>
-          </a:fillRef>
-          <a:effectRef idx="0">
-            <a:schemeClr val="accent1"/>
-          </a:effectRef>
-          <a:fontRef idx="minor">
-            <a:schemeClr val="tx1"/>
-          </a:fontRef>
-        </p:style>
-      </p:cxnSp>
-      <p:sp>
-        <p:nvSpPr>
-          <p:cNvPr id="65" name="ZoneTexte 64">
-            <a:extLst>
-              <a:ext uri="{FF2B5EF4-FFF2-40B4-BE49-F238E27FC236}">
-                <a16:creationId xmlns:a16="http://schemas.microsoft.com/office/drawing/2014/main" id="{939062FA-FA71-4C65-962B-CB02ACE66AEE}"/>
-              </a:ext>
-            </a:extLst>
-          </p:cNvPr>
-          <p:cNvSpPr txBox="1"/>
-          <p:nvPr/>
-        </p:nvSpPr>
-        <p:spPr>
-          <a:xfrm>
-            <a:off x="4485594" y="3317178"/>
-            <a:ext cx="460447" cy="369332"/>
-          </a:xfrm>
-          <a:prstGeom prst="rect">
-            <a:avLst/>
-          </a:prstGeom>
-          <a:noFill/>
-        </p:spPr>
-        <p:txBody>
-          <a:bodyPr wrap="none" rtlCol="0">
-            <a:spAutoFit/>
-          </a:bodyPr>
-          <a:lstStyle/>
-          <a:p>
-            <a:r>
-              <a:rPr lang="fr-FR" dirty="0" err="1"/>
-              <a:t>sra</a:t>
-            </a:r>
-            <a:endParaRPr lang="fr-FR" dirty="0"/>
-          </a:p>
-        </p:txBody>
-      </p:sp>
-      <p:sp>
-        <p:nvSpPr>
-          <p:cNvPr id="66" name="ZoneTexte 65">
-            <a:extLst>
-              <a:ext uri="{FF2B5EF4-FFF2-40B4-BE49-F238E27FC236}">
-                <a16:creationId xmlns:a16="http://schemas.microsoft.com/office/drawing/2014/main" id="{7C6CD308-2B13-47AA-BE19-48FC2D688FEB}"/>
-              </a:ext>
-            </a:extLst>
-          </p:cNvPr>
-          <p:cNvSpPr txBox="1"/>
-          <p:nvPr/>
-        </p:nvSpPr>
-        <p:spPr>
-          <a:xfrm rot="19823965">
-            <a:off x="3110165" y="3501906"/>
-            <a:ext cx="658129" cy="369332"/>
-          </a:xfrm>
-          <a:prstGeom prst="rect">
-            <a:avLst/>
-          </a:prstGeom>
-          <a:noFill/>
-        </p:spPr>
-        <p:txBody>
-          <a:bodyPr wrap="none" rtlCol="0">
-            <a:spAutoFit/>
-          </a:bodyPr>
-          <a:lstStyle/>
-          <a:p>
-            <a:r>
-              <a:rPr lang="fr-FR" dirty="0"/>
-              <a:t>reset</a:t>
-            </a:r>
-          </a:p>
-        </p:txBody>
-      </p:sp>
-      <p:sp>
-        <p:nvSpPr>
-          <p:cNvPr id="67" name="ZoneTexte 66">
-            <a:extLst>
-              <a:ext uri="{FF2B5EF4-FFF2-40B4-BE49-F238E27FC236}">
-                <a16:creationId xmlns:a16="http://schemas.microsoft.com/office/drawing/2014/main" id="{C95E5ED8-D6DB-49CD-A4A6-19EFE06C1CF5}"/>
-              </a:ext>
-            </a:extLst>
-          </p:cNvPr>
-          <p:cNvSpPr txBox="1"/>
-          <p:nvPr/>
-        </p:nvSpPr>
-        <p:spPr>
-          <a:xfrm>
-            <a:off x="5032769" y="3421929"/>
-            <a:ext cx="296876" cy="369332"/>
-          </a:xfrm>
-          <a:prstGeom prst="rect">
-            <a:avLst/>
-          </a:prstGeom>
-          <a:noFill/>
-        </p:spPr>
-        <p:txBody>
-          <a:bodyPr wrap="none" rtlCol="0">
-            <a:spAutoFit/>
-          </a:bodyPr>
-          <a:lstStyle/>
-          <a:p>
-            <a:r>
-              <a:rPr lang="fr-FR" dirty="0"/>
-              <a:t>T</a:t>
-            </a:r>
-          </a:p>
-        </p:txBody>
-      </p:sp>
-      <p:sp>
-        <p:nvSpPr>
-          <p:cNvPr id="68" name="ZoneTexte 67">
-            <a:extLst>
-              <a:ext uri="{FF2B5EF4-FFF2-40B4-BE49-F238E27FC236}">
-                <a16:creationId xmlns:a16="http://schemas.microsoft.com/office/drawing/2014/main" id="{581C1085-E73C-4A41-8014-08C45867531D}"/>
-              </a:ext>
-            </a:extLst>
-          </p:cNvPr>
-          <p:cNvSpPr txBox="1"/>
-          <p:nvPr/>
-        </p:nvSpPr>
-        <p:spPr>
-          <a:xfrm>
-            <a:off x="4327919" y="4298740"/>
-            <a:ext cx="2493118" cy="369332"/>
-          </a:xfrm>
-          <a:prstGeom prst="rect">
-            <a:avLst/>
-          </a:prstGeom>
-          <a:noFill/>
-        </p:spPr>
-        <p:txBody>
-          <a:bodyPr wrap="none" rtlCol="0">
-            <a:spAutoFit/>
-          </a:bodyPr>
-          <a:lstStyle/>
-          <a:p>
-            <a:r>
-              <a:rPr lang="fr-FR" dirty="0"/>
-              <a:t>Attente position/couleur</a:t>
-            </a:r>
-          </a:p>
-        </p:txBody>
-      </p:sp>
-      <p:sp>
-        <p:nvSpPr>
-          <p:cNvPr id="69" name="ZoneTexte 68">
-            <a:extLst>
-              <a:ext uri="{FF2B5EF4-FFF2-40B4-BE49-F238E27FC236}">
-                <a16:creationId xmlns:a16="http://schemas.microsoft.com/office/drawing/2014/main" id="{FC0DC047-44E3-4594-8A25-3EC7E3A40F8B}"/>
-              </a:ext>
-            </a:extLst>
-          </p:cNvPr>
-          <p:cNvSpPr txBox="1"/>
-          <p:nvPr/>
-        </p:nvSpPr>
-        <p:spPr>
-          <a:xfrm>
-            <a:off x="172071" y="149500"/>
-            <a:ext cx="5923929" cy="369332"/>
-          </a:xfrm>
-          <a:prstGeom prst="rect">
-            <a:avLst/>
-          </a:prstGeom>
-          <a:noFill/>
-        </p:spPr>
-        <p:txBody>
-          <a:bodyPr wrap="none" rtlCol="0">
-            <a:spAutoFit/>
-          </a:bodyPr>
-          <a:lstStyle/>
-          <a:p>
-            <a:r>
-              <a:rPr lang="fr-FR" dirty="0"/>
-              <a:t>Etat intermédiaire pour gérer clic avant commande et inverse</a:t>
-            </a:r>
-          </a:p>
-        </p:txBody>
-      </p:sp>
-      <p:cxnSp>
-        <p:nvCxnSpPr>
-          <p:cNvPr id="71" name="Connecteur : en arc 70">
-            <a:extLst>
-              <a:ext uri="{FF2B5EF4-FFF2-40B4-BE49-F238E27FC236}">
-                <a16:creationId xmlns:a16="http://schemas.microsoft.com/office/drawing/2014/main" id="{6D92093B-A44F-4A0C-86E6-5B4ADEDB01B3}"/>
-              </a:ext>
-            </a:extLst>
-          </p:cNvPr>
-          <p:cNvCxnSpPr>
-            <a:stCxn id="44" idx="2"/>
-            <a:endCxn id="4" idx="5"/>
-          </p:cNvCxnSpPr>
-          <p:nvPr/>
-        </p:nvCxnSpPr>
-        <p:spPr>
-          <a:xfrm rot="10800000">
-            <a:off x="3948360" y="2838333"/>
-            <a:ext cx="785460" cy="1205884"/>
-          </a:xfrm>
-          <a:prstGeom prst="curvedConnector2">
-            <a:avLst/>
-          </a:prstGeom>
-          <a:ln>
-            <a:tailEnd type="triangle"/>
-          </a:ln>
-        </p:spPr>
-        <p:style>
-          <a:lnRef idx="1">
-            <a:schemeClr val="accent1"/>
-          </a:lnRef>
-          <a:fillRef idx="0">
-            <a:schemeClr val="accent1"/>
-          </a:fillRef>
-          <a:effectRef idx="0">
-            <a:schemeClr val="accent1"/>
-          </a:effectRef>
-          <a:fontRef idx="minor">
-            <a:schemeClr val="tx1"/>
-          </a:fontRef>
-        </p:style>
-      </p:cxnSp>
-      <p:sp>
-        <p:nvSpPr>
-          <p:cNvPr id="72" name="ZoneTexte 71">
-            <a:extLst>
-              <a:ext uri="{FF2B5EF4-FFF2-40B4-BE49-F238E27FC236}">
-                <a16:creationId xmlns:a16="http://schemas.microsoft.com/office/drawing/2014/main" id="{5C993486-B3A8-43AB-8586-9F4FDFC53AEE}"/>
-              </a:ext>
-            </a:extLst>
-          </p:cNvPr>
-          <p:cNvSpPr txBox="1"/>
-          <p:nvPr/>
-        </p:nvSpPr>
-        <p:spPr>
-          <a:xfrm>
-            <a:off x="10231120" y="3754773"/>
-            <a:ext cx="1387816" cy="369332"/>
-          </a:xfrm>
-          <a:prstGeom prst="rect">
-            <a:avLst/>
-          </a:prstGeom>
-          <a:noFill/>
-        </p:spPr>
-        <p:txBody>
-          <a:bodyPr wrap="none" rtlCol="0">
-            <a:spAutoFit/>
-          </a:bodyPr>
-          <a:lstStyle/>
-          <a:p>
-            <a:r>
-              <a:rPr lang="fr-FR" dirty="0"/>
-              <a:t>Clic = Palette</a:t>
-            </a:r>
-          </a:p>
-        </p:txBody>
-      </p:sp>
-    </p:spTree>
-    <p:extLst>
-      <p:ext uri="{BB962C8B-B14F-4D97-AF65-F5344CB8AC3E}">
-        <p14:creationId xmlns:p14="http://schemas.microsoft.com/office/powerpoint/2010/main" val="1329038433"/>
-      </p:ext>
-    </p:extLst>
-  </p:cSld>
-  <p:clrMapOvr>
-    <a:masterClrMapping/>
-  </p:clrMapOvr>
-</p:sld>
-</file>
-
-<file path=ppt/slides/slide3.xml><?xml version="1.0" encoding="utf-8"?>
-<p:sld xmlns:a="http://schemas.openxmlformats.org/drawingml/2006/main" xmlns:r="http://schemas.openxmlformats.org/officeDocument/2006/relationships" xmlns:p="http://schemas.openxmlformats.org/presentationml/2006/main">
-  <p:cSld>
-    <p:spTree>
-      <p:nvGrpSpPr>
-        <p:cNvPr id="1" name=""/>
-        <p:cNvGrpSpPr/>
-        <p:nvPr/>
-      </p:nvGrpSpPr>
-      <p:grpSpPr>
-        <a:xfrm>
-          <a:off x="0" y="0"/>
-          <a:ext cx="0" cy="0"/>
-          <a:chOff x="0" y="0"/>
-          <a:chExt cx="0" cy="0"/>
-        </a:xfrm>
-      </p:grpSpPr>
       <p:graphicFrame>
         <p:nvGraphicFramePr>
           <p:cNvPr id="4" name="Tableau 4">
@@ -6321,11 +4970,17 @@
           <p:cNvGraphicFramePr>
             <a:graphicFrameLocks noGrp="1"/>
           </p:cNvGraphicFramePr>
-          <p:nvPr/>
+          <p:nvPr>
+            <p:extLst>
+              <p:ext uri="{D42A27DB-BD31-4B8C-83A1-F6EECF244321}">
+                <p14:modId xmlns:p14="http://schemas.microsoft.com/office/powerpoint/2010/main" val="2611831121"/>
+              </p:ext>
+            </p:extLst>
+          </p:nvPr>
         </p:nvGraphicFramePr>
         <p:xfrm>
-          <a:off x="1595120" y="1152313"/>
-          <a:ext cx="9001760" cy="4817292"/>
+          <a:off x="823322" y="39543"/>
+          <a:ext cx="10545355" cy="6783384"/>
         </p:xfrm>
         <a:graphic>
           <a:graphicData uri="http://schemas.openxmlformats.org/drawingml/2006/table">
@@ -6334,43 +4989,50 @@
                 <a:tableStyleId>{5C22544A-7EE6-4342-B048-85BDC9FD1C3A}</a:tableStyleId>
               </a:tblPr>
               <a:tblGrid>
-                <a:gridCol w="1800352">
+                <a:gridCol w="1893632">
                   <a:extLst>
                     <a:ext uri="{9D8B030D-6E8A-4147-A177-3AD203B41FA5}">
                       <a16:colId xmlns:a16="http://schemas.microsoft.com/office/drawing/2014/main" val="1255726894"/>
                     </a:ext>
                   </a:extLst>
                 </a:gridCol>
-                <a:gridCol w="1800352">
+                <a:gridCol w="452646">
                   <a:extLst>
                     <a:ext uri="{9D8B030D-6E8A-4147-A177-3AD203B41FA5}">
                       <a16:colId xmlns:a16="http://schemas.microsoft.com/office/drawing/2014/main" val="2735263063"/>
                     </a:ext>
                   </a:extLst>
                 </a:gridCol>
-                <a:gridCol w="1800352">
+                <a:gridCol w="3334619">
                   <a:extLst>
                     <a:ext uri="{9D8B030D-6E8A-4147-A177-3AD203B41FA5}">
                       <a16:colId xmlns:a16="http://schemas.microsoft.com/office/drawing/2014/main" val="2794335961"/>
                     </a:ext>
                   </a:extLst>
                 </a:gridCol>
-                <a:gridCol w="1800352">
+                <a:gridCol w="3845582">
                   <a:extLst>
                     <a:ext uri="{9D8B030D-6E8A-4147-A177-3AD203B41FA5}">
                       <a16:colId xmlns:a16="http://schemas.microsoft.com/office/drawing/2014/main" val="3396012084"/>
                     </a:ext>
                   </a:extLst>
                 </a:gridCol>
-                <a:gridCol w="1800352">
+                <a:gridCol w="502418">
                   <a:extLst>
                     <a:ext uri="{9D8B030D-6E8A-4147-A177-3AD203B41FA5}">
-                      <a16:colId xmlns:a16="http://schemas.microsoft.com/office/drawing/2014/main" val="203660856"/>
+                      <a16:colId xmlns:a16="http://schemas.microsoft.com/office/drawing/2014/main" val="1854703471"/>
+                    </a:ext>
+                  </a:extLst>
+                </a:gridCol>
+                <a:gridCol w="516458">
+                  <a:extLst>
+                    <a:ext uri="{9D8B030D-6E8A-4147-A177-3AD203B41FA5}">
+                      <a16:colId xmlns:a16="http://schemas.microsoft.com/office/drawing/2014/main" val="2191984538"/>
                     </a:ext>
                   </a:extLst>
                 </a:gridCol>
               </a:tblGrid>
-              <a:tr h="650482">
+              <a:tr h="604911">
                 <a:tc>
                   <a:txBody>
                     <a:bodyPr/>
@@ -6440,10 +5102,23 @@
                     <a:p>
                       <a:pPr algn="ctr"/>
                       <a:r>
-                        <a:rPr lang="fr-FR"/>
-                        <a:t>Ev4</a:t>
+                        <a:rPr lang="fr-FR" dirty="0"/>
+                        <a:t>T</a:t>
                       </a:r>
-                      <a:endParaRPr lang="fr-FR" dirty="0"/>
+                    </a:p>
+                  </a:txBody>
+                  <a:tcPr/>
+                </a:tc>
+                <a:tc>
+                  <a:txBody>
+                    <a:bodyPr/>
+                    <a:lstStyle/>
+                    <a:p>
+                      <a:pPr algn="ctr"/>
+                      <a:r>
+                        <a:rPr lang="fr-FR" dirty="0"/>
+                        <a:t>T2</a:t>
+                      </a:r>
                     </a:p>
                   </a:txBody>
                   <a:tcPr/>
@@ -6454,7 +5129,7 @@
                   </a:ext>
                 </a:extLst>
               </a:tr>
-              <a:tr h="650482">
+              <a:tr h="417753">
                 <a:tc>
                   <a:txBody>
                     <a:bodyPr/>
@@ -6478,253 +5153,6 @@
                       <a:r>
                         <a:rPr lang="fr-FR" dirty="0"/>
                         <a:t>E1</a:t>
-                      </a:r>
-                    </a:p>
-                  </a:txBody>
-                  <a:tcPr/>
-                </a:tc>
-                <a:tc>
-                  <a:txBody>
-                    <a:bodyPr/>
-                    <a:lstStyle/>
-                    <a:p>
-                      <a:pPr algn="ctr"/>
-                      <a:r>
-                        <a:rPr lang="fr-FR" dirty="0"/>
-                        <a:t>E2</a:t>
-                      </a:r>
-                    </a:p>
-                  </a:txBody>
-                  <a:tcPr/>
-                </a:tc>
-                <a:tc>
-                  <a:txBody>
-                    <a:bodyPr/>
-                    <a:lstStyle/>
-                    <a:p>
-                      <a:pPr algn="ctr"/>
-                      <a:r>
-                        <a:rPr lang="fr-FR" dirty="0"/>
-                        <a:t>/</a:t>
-                      </a:r>
-                    </a:p>
-                  </a:txBody>
-                  <a:tcPr/>
-                </a:tc>
-                <a:tc>
-                  <a:txBody>
-                    <a:bodyPr/>
-                    <a:lstStyle/>
-                    <a:p>
-                      <a:pPr algn="ctr"/>
-                      <a:r>
-                        <a:rPr lang="fr-FR" dirty="0"/>
-                        <a:t>/</a:t>
-                      </a:r>
-                    </a:p>
-                  </a:txBody>
-                  <a:tcPr/>
-                </a:tc>
-                <a:extLst>
-                  <a:ext uri="{0D108BD9-81ED-4DB2-BD59-A6C34878D82A}">
-                    <a16:rowId xmlns:a16="http://schemas.microsoft.com/office/drawing/2014/main" val="2172112938"/>
-                  </a:ext>
-                </a:extLst>
-              </a:tr>
-              <a:tr h="650482">
-                <a:tc>
-                  <a:txBody>
-                    <a:bodyPr/>
-                    <a:lstStyle/>
-                    <a:p>
-                      <a:pPr algn="ctr"/>
-                      <a:r>
-                        <a:rPr lang="fr-FR" dirty="0"/>
-                        <a:t>E1</a:t>
-                      </a:r>
-                    </a:p>
-                  </a:txBody>
-                  <a:tcPr/>
-                </a:tc>
-                <a:tc>
-                  <a:txBody>
-                    <a:bodyPr/>
-                    <a:lstStyle/>
-                    <a:p>
-                      <a:pPr algn="ctr"/>
-                      <a:r>
-                        <a:rPr lang="fr-FR" dirty="0"/>
-                        <a:t>E1</a:t>
-                      </a:r>
-                    </a:p>
-                  </a:txBody>
-                  <a:tcPr/>
-                </a:tc>
-                <a:tc>
-                  <a:txBody>
-                    <a:bodyPr/>
-                    <a:lstStyle/>
-                    <a:p>
-                      <a:pPr algn="ctr"/>
-                      <a:r>
-                        <a:rPr lang="fr-FR" dirty="0"/>
-                        <a:t>E3</a:t>
-                      </a:r>
-                    </a:p>
-                    <a:p>
-                      <a:pPr algn="ctr"/>
-                      <a:r>
-                        <a:rPr lang="fr-FR" dirty="0"/>
-                        <a:t>A1.1 , A2</a:t>
-                      </a:r>
-                    </a:p>
-                  </a:txBody>
-                  <a:tcPr/>
-                </a:tc>
-                <a:tc>
-                  <a:txBody>
-                    <a:bodyPr/>
-                    <a:lstStyle/>
-                    <a:p>
-                      <a:pPr algn="ctr"/>
-                      <a:r>
-                        <a:rPr lang="fr-FR" dirty="0"/>
-                        <a:t>/</a:t>
-                      </a:r>
-                    </a:p>
-                  </a:txBody>
-                  <a:tcPr/>
-                </a:tc>
-                <a:tc>
-                  <a:txBody>
-                    <a:bodyPr/>
-                    <a:lstStyle/>
-                    <a:p>
-                      <a:pPr algn="ctr"/>
-                      <a:r>
-                        <a:rPr lang="fr-FR" dirty="0"/>
-                        <a:t>/</a:t>
-                      </a:r>
-                    </a:p>
-                  </a:txBody>
-                  <a:tcPr/>
-                </a:tc>
-                <a:extLst>
-                  <a:ext uri="{0D108BD9-81ED-4DB2-BD59-A6C34878D82A}">
-                    <a16:rowId xmlns:a16="http://schemas.microsoft.com/office/drawing/2014/main" val="2200410941"/>
-                  </a:ext>
-                </a:extLst>
-              </a:tr>
-              <a:tr h="650482">
-                <a:tc>
-                  <a:txBody>
-                    <a:bodyPr/>
-                    <a:lstStyle/>
-                    <a:p>
-                      <a:pPr algn="ctr"/>
-                      <a:r>
-                        <a:rPr lang="fr-FR" dirty="0"/>
-                        <a:t>E2</a:t>
-                      </a:r>
-                    </a:p>
-                  </a:txBody>
-                  <a:tcPr/>
-                </a:tc>
-                <a:tc>
-                  <a:txBody>
-                    <a:bodyPr/>
-                    <a:lstStyle/>
-                    <a:p>
-                      <a:pPr algn="ctr"/>
-                      <a:r>
-                        <a:rPr lang="fr-FR" dirty="0"/>
-                        <a:t>E3</a:t>
-                      </a:r>
-                    </a:p>
-                    <a:p>
-                      <a:pPr marL="0" marR="0" lvl="0" indent="0" algn="ctr" defTabSz="914400" rtl="0" eaLnBrk="1" fontAlgn="auto" latinLnBrk="0" hangingPunct="1">
-                        <a:lnSpc>
-                          <a:spcPct val="100000"/>
-                        </a:lnSpc>
-                        <a:spcBef>
-                          <a:spcPts val="0"/>
-                        </a:spcBef>
-                        <a:spcAft>
-                          <a:spcPts val="0"/>
-                        </a:spcAft>
-                        <a:buClrTx/>
-                        <a:buSzTx/>
-                        <a:buFontTx/>
-                        <a:buNone/>
-                        <a:tabLst/>
-                        <a:defRPr/>
-                      </a:pPr>
-                      <a:r>
-                        <a:rPr lang="fr-FR" dirty="0"/>
-                        <a:t>A1.1 , A2</a:t>
-                      </a:r>
-                    </a:p>
-                  </a:txBody>
-                  <a:tcPr/>
-                </a:tc>
-                <a:tc>
-                  <a:txBody>
-                    <a:bodyPr/>
-                    <a:lstStyle/>
-                    <a:p>
-                      <a:pPr algn="ctr"/>
-                      <a:r>
-                        <a:rPr lang="fr-FR" dirty="0"/>
-                        <a:t>E2</a:t>
-                      </a:r>
-                    </a:p>
-                  </a:txBody>
-                  <a:tcPr/>
-                </a:tc>
-                <a:tc>
-                  <a:txBody>
-                    <a:bodyPr/>
-                    <a:lstStyle/>
-                    <a:p>
-                      <a:pPr algn="ctr"/>
-                      <a:r>
-                        <a:rPr lang="fr-FR" dirty="0"/>
-                        <a:t>/</a:t>
-                      </a:r>
-                    </a:p>
-                  </a:txBody>
-                  <a:tcPr/>
-                </a:tc>
-                <a:tc>
-                  <a:txBody>
-                    <a:bodyPr/>
-                    <a:lstStyle/>
-                    <a:p>
-                      <a:pPr algn="ctr"/>
-                      <a:r>
-                        <a:rPr lang="fr-FR" dirty="0"/>
-                        <a:t>/</a:t>
-                      </a:r>
-                    </a:p>
-                  </a:txBody>
-                  <a:tcPr/>
-                </a:tc>
-                <a:extLst>
-                  <a:ext uri="{0D108BD9-81ED-4DB2-BD59-A6C34878D82A}">
-                    <a16:rowId xmlns:a16="http://schemas.microsoft.com/office/drawing/2014/main" val="4261976169"/>
-                  </a:ext>
-                </a:extLst>
-              </a:tr>
-              <a:tr h="650482">
-                <a:tc>
-                  <a:txBody>
-                    <a:bodyPr/>
-                    <a:lstStyle/>
-                    <a:p>
-                      <a:pPr algn="ctr"/>
-                      <a:r>
-                        <a:rPr lang="fr-FR" dirty="0"/>
-                        <a:t>E3</a:t>
                       </a:r>
                     </a:p>
                   </a:txBody>
@@ -6764,10 +5192,7 @@
                     <a:lstStyle/>
                     <a:p>
                       <a:pPr algn="ctr"/>
-                      <a:r>
-                        <a:rPr lang="fr-FR" dirty="0"/>
-                        <a:t>E4</a:t>
-                      </a:r>
+                      <a:endParaRPr lang="fr-FR" dirty="0"/>
                     </a:p>
                   </a:txBody>
                   <a:tcPr/>
@@ -6778,21 +5203,18 @@
                     <a:lstStyle/>
                     <a:p>
                       <a:pPr algn="ctr"/>
-                      <a:r>
-                        <a:rPr lang="fr-FR" dirty="0"/>
-                        <a:t>E5</a:t>
-                      </a:r>
+                      <a:endParaRPr lang="fr-FR" dirty="0"/>
                     </a:p>
                   </a:txBody>
                   <a:tcPr/>
                 </a:tc>
                 <a:extLst>
                   <a:ext uri="{0D108BD9-81ED-4DB2-BD59-A6C34878D82A}">
-                    <a16:rowId xmlns:a16="http://schemas.microsoft.com/office/drawing/2014/main" val="942620469"/>
+                    <a16:rowId xmlns:a16="http://schemas.microsoft.com/office/drawing/2014/main" val="2172112938"/>
                   </a:ext>
                 </a:extLst>
               </a:tr>
-              <a:tr h="650482">
+              <a:tr h="3005872">
                 <a:tc>
                   <a:txBody>
                     <a:bodyPr/>
@@ -6801,7 +5223,7 @@
                       <a:pPr algn="ctr"/>
                       <a:r>
                         <a:rPr lang="fr-FR" dirty="0"/>
-                        <a:t>E4</a:t>
+                        <a:t>E1</a:t>
                       </a:r>
                     </a:p>
                   </a:txBody>
@@ -6826,11 +5248,108 @@
                     <a:bodyPr/>
                     <a:lstStyle/>
                     <a:p>
-                      <a:pPr algn="ctr"/>
+                      <a:pPr algn="l"/>
+                      <a:r>
+                        <a:rPr lang="fr-FR" dirty="0" err="1"/>
+                        <a:t>sra</a:t>
+                      </a:r>
                       <a:r>
                         <a:rPr lang="fr-FR" dirty="0"/>
-                        <a:t>/</a:t>
+                        <a:t> = couleur définie</a:t>
                       </a:r>
+                    </a:p>
+                    <a:p>
+                      <a:pPr algn="l"/>
+                      <a:r>
+                        <a:rPr lang="fr-FR" dirty="0"/>
+                        <a:t>Remplir </a:t>
+                      </a:r>
+                      <a:r>
+                        <a:rPr lang="fr-FR" dirty="0" err="1"/>
+                        <a:t>comm</a:t>
+                      </a:r>
+                      <a:endParaRPr lang="fr-FR" dirty="0"/>
+                    </a:p>
+                    <a:p>
+                      <a:pPr algn="l"/>
+                      <a:r>
+                        <a:rPr lang="fr-FR" dirty="0"/>
+                        <a:t>E1</a:t>
+                      </a:r>
+                    </a:p>
+                    <a:p>
+                      <a:pPr algn="l"/>
+                      <a:endParaRPr lang="fr-FR" dirty="0"/>
+                    </a:p>
+                    <a:p>
+                      <a:pPr algn="l"/>
+                      <a:r>
+                        <a:rPr lang="fr-FR" dirty="0" err="1"/>
+                        <a:t>sra</a:t>
+                      </a:r>
+                      <a:r>
+                        <a:rPr lang="fr-FR" dirty="0"/>
+                        <a:t> = position | couleur objet existant</a:t>
+                      </a:r>
+                    </a:p>
+                    <a:p>
+                      <a:pPr algn="l"/>
+                      <a:r>
+                        <a:rPr lang="fr-FR" dirty="0"/>
+                        <a:t>E2</a:t>
+                      </a:r>
+                    </a:p>
+                    <a:p>
+                      <a:pPr algn="l"/>
+                      <a:endParaRPr lang="fr-FR" dirty="0"/>
+                    </a:p>
+                    <a:p>
+                      <a:pPr algn="l"/>
+                      <a:r>
+                        <a:rPr lang="fr-FR" dirty="0"/>
+                        <a:t>Palette = clic position</a:t>
+                      </a:r>
+                    </a:p>
+                    <a:p>
+                      <a:pPr algn="l"/>
+                      <a:r>
+                        <a:rPr lang="fr-FR" dirty="0"/>
+                        <a:t>Remplir </a:t>
+                      </a:r>
+                      <a:r>
+                        <a:rPr lang="fr-FR" dirty="0" err="1"/>
+                        <a:t>comm</a:t>
+                      </a:r>
+                      <a:endParaRPr lang="fr-FR" dirty="0"/>
+                    </a:p>
+                    <a:p>
+                      <a:pPr algn="l"/>
+                      <a:r>
+                        <a:rPr lang="fr-FR" dirty="0"/>
+                        <a:t>E1</a:t>
+                      </a:r>
+                    </a:p>
+                  </a:txBody>
+                  <a:tcPr/>
+                </a:tc>
+                <a:tc>
+                  <a:txBody>
+                    <a:bodyPr/>
+                    <a:lstStyle/>
+                    <a:p>
+                      <a:pPr algn="ctr"/>
+                      <a:endParaRPr lang="fr-FR" dirty="0"/>
+                    </a:p>
+                  </a:txBody>
+                  <a:tcPr/>
+                </a:tc>
+                <a:tc>
+                  <a:txBody>
+                    <a:bodyPr/>
+                    <a:lstStyle/>
+                    <a:p>
+                      <a:pPr algn="ctr"/>
+                      <a:endParaRPr lang="fr-FR" dirty="0"/>
                     </a:p>
                   </a:txBody>
                   <a:tcPr/>
@@ -6843,60 +5362,7 @@
                       <a:pPr algn="ctr"/>
                       <a:r>
                         <a:rPr lang="fr-FR" dirty="0"/>
-                        <a:t>E4</a:t>
-                      </a:r>
-                    </a:p>
-                  </a:txBody>
-                  <a:tcPr/>
-                </a:tc>
-                <a:tc>
-                  <a:txBody>
-                    <a:bodyPr/>
-                    <a:lstStyle/>
-                    <a:p>
-                      <a:pPr marL="0" marR="0" lvl="0" indent="0" algn="ctr" defTabSz="914400" rtl="0" eaLnBrk="1" fontAlgn="auto" latinLnBrk="0" hangingPunct="1">
-                        <a:lnSpc>
-                          <a:spcPct val="100000"/>
-                        </a:lnSpc>
-                        <a:spcBef>
-                          <a:spcPts val="0"/>
-                        </a:spcBef>
-                        <a:spcAft>
-                          <a:spcPts val="0"/>
-                        </a:spcAft>
-                        <a:buClrTx/>
-                        <a:buSzTx/>
-                        <a:buFontTx/>
-                        <a:buNone/>
-                        <a:tabLst/>
-                        <a:defRPr/>
-                      </a:pPr>
-                      <a:r>
-                        <a:rPr lang="fr-FR" dirty="0"/>
                         <a:t>E0</a:t>
-                      </a:r>
-                    </a:p>
-                    <a:p>
-                      <a:pPr marL="0" marR="0" lvl="0" indent="0" algn="ctr" defTabSz="914400" rtl="0" eaLnBrk="1" fontAlgn="auto" latinLnBrk="0" hangingPunct="1">
-                        <a:lnSpc>
-                          <a:spcPct val="100000"/>
-                        </a:lnSpc>
-                        <a:spcBef>
-                          <a:spcPts val="0"/>
-                        </a:spcBef>
-                        <a:spcAft>
-                          <a:spcPts val="0"/>
-                        </a:spcAft>
-                        <a:buClrTx/>
-                        <a:buSzTx/>
-                        <a:buFontTx/>
-                        <a:buNone/>
-                        <a:tabLst/>
-                        <a:defRPr/>
-                      </a:pPr>
-                      <a:r>
-                        <a:rPr lang="fr-FR" dirty="0"/>
-                        <a:t>A2.1 , A1</a:t>
                       </a:r>
                     </a:p>
                   </a:txBody>
@@ -6904,11 +5370,11 @@
                 </a:tc>
                 <a:extLst>
                   <a:ext uri="{0D108BD9-81ED-4DB2-BD59-A6C34878D82A}">
-                    <a16:rowId xmlns:a16="http://schemas.microsoft.com/office/drawing/2014/main" val="3362737706"/>
+                    <a16:rowId xmlns:a16="http://schemas.microsoft.com/office/drawing/2014/main" val="2200410941"/>
                   </a:ext>
                 </a:extLst>
               </a:tr>
-              <a:tr h="650482">
+              <a:tr h="1149304">
                 <a:tc>
                   <a:txBody>
                     <a:bodyPr/>
@@ -6917,7 +5383,7 @@
                       <a:pPr algn="ctr"/>
                       <a:r>
                         <a:rPr lang="fr-FR" dirty="0"/>
-                        <a:t>E5</a:t>
+                        <a:t>E2</a:t>
                       </a:r>
                     </a:p>
                   </a:txBody>
@@ -6942,11 +5408,50 @@
                     <a:bodyPr/>
                     <a:lstStyle/>
                     <a:p>
-                      <a:pPr algn="ctr"/>
+                      <a:pPr algn="l"/>
                       <a:r>
                         <a:rPr lang="fr-FR" dirty="0"/>
-                        <a:t>/</a:t>
+                        <a:t>Palette = clic position</a:t>
                       </a:r>
+                    </a:p>
+                    <a:p>
+                      <a:pPr algn="l"/>
+                      <a:r>
+                        <a:rPr lang="fr-FR" dirty="0"/>
+                        <a:t>Remplir </a:t>
+                      </a:r>
+                      <a:r>
+                        <a:rPr lang="fr-FR" dirty="0" err="1"/>
+                        <a:t>comm</a:t>
+                      </a:r>
+                      <a:endParaRPr lang="fr-FR" dirty="0"/>
+                    </a:p>
+                    <a:p>
+                      <a:pPr algn="l"/>
+                      <a:r>
+                        <a:rPr lang="fr-FR" dirty="0"/>
+                        <a:t>if(</a:t>
+                      </a:r>
+                      <a:r>
+                        <a:rPr lang="fr-FR" dirty="0" err="1"/>
+                        <a:t>comp</a:t>
+                      </a:r>
+                      <a:r>
+                        <a:rPr lang="fr-FR" dirty="0"/>
+                        <a:t>){E1} </a:t>
+                      </a:r>
+                      <a:r>
+                        <a:rPr lang="fr-FR" dirty="0" err="1"/>
+                        <a:t>else</a:t>
+                      </a:r>
+                      <a:r>
+                        <a:rPr lang="fr-FR" dirty="0"/>
+                        <a:t> {E0}</a:t>
+                      </a:r>
+                    </a:p>
+                    <a:p>
+                      <a:pPr algn="l"/>
+                      <a:endParaRPr lang="fr-FR" dirty="0"/>
                     </a:p>
                   </a:txBody>
                   <a:tcPr/>
@@ -6956,49 +5461,21 @@
                     <a:bodyPr/>
                     <a:lstStyle/>
                     <a:p>
-                      <a:pPr marL="0" marR="0" lvl="0" indent="0" algn="ctr" defTabSz="914400" rtl="0" eaLnBrk="1" fontAlgn="auto" latinLnBrk="0" hangingPunct="1">
-                        <a:lnSpc>
-                          <a:spcPct val="100000"/>
-                        </a:lnSpc>
-                        <a:spcBef>
-                          <a:spcPts val="0"/>
-                        </a:spcBef>
-                        <a:spcAft>
-                          <a:spcPts val="0"/>
-                        </a:spcAft>
-                        <a:buClrTx/>
-                        <a:buSzTx/>
-                        <a:buFontTx/>
-                        <a:buNone/>
-                        <a:tabLst/>
-                        <a:defRPr/>
-                      </a:pPr>
+                      <a:pPr algn="ctr"/>
+                      <a:endParaRPr lang="fr-FR" dirty="0"/>
+                    </a:p>
+                  </a:txBody>
+                  <a:tcPr/>
+                </a:tc>
+                <a:tc>
+                  <a:txBody>
+                    <a:bodyPr/>
+                    <a:lstStyle/>
+                    <a:p>
+                      <a:pPr algn="ctr"/>
                       <a:r>
                         <a:rPr lang="fr-FR" dirty="0"/>
-                        <a:t>E0</a:t>
-                      </a:r>
-                    </a:p>
-                    <a:p>
-                      <a:pPr marL="0" marR="0" lvl="0" indent="0" algn="ctr" defTabSz="914400" rtl="0" eaLnBrk="1" fontAlgn="auto" latinLnBrk="0" hangingPunct="1">
-                        <a:lnSpc>
-                          <a:spcPct val="100000"/>
-                        </a:lnSpc>
-                        <a:spcBef>
-                          <a:spcPts val="0"/>
-                        </a:spcBef>
-                        <a:spcAft>
-                          <a:spcPts val="0"/>
-                        </a:spcAft>
-                        <a:buClrTx/>
-                        <a:buSzTx/>
-                        <a:buFontTx/>
-                        <a:buNone/>
-                        <a:tabLst/>
-                        <a:defRPr/>
-                      </a:pPr>
-                      <a:r>
-                        <a:rPr lang="fr-FR" dirty="0"/>
-                        <a:t>A2.1 , A1</a:t>
+                        <a:t>E1</a:t>
                       </a:r>
                     </a:p>
                     <a:p>
@@ -7014,17 +5491,151 @@
                     <a:lstStyle/>
                     <a:p>
                       <a:pPr algn="ctr"/>
-                      <a:r>
-                        <a:rPr lang="fr-FR" dirty="0"/>
-                        <a:t>E5</a:t>
-                      </a:r>
+                      <a:endParaRPr lang="fr-FR" dirty="0"/>
                     </a:p>
                   </a:txBody>
                   <a:tcPr/>
                 </a:tc>
                 <a:extLst>
                   <a:ext uri="{0D108BD9-81ED-4DB2-BD59-A6C34878D82A}">
-                    <a16:rowId xmlns:a16="http://schemas.microsoft.com/office/drawing/2014/main" val="4169744338"/>
+                    <a16:rowId xmlns:a16="http://schemas.microsoft.com/office/drawing/2014/main" val="4261976169"/>
+                  </a:ext>
+                </a:extLst>
+              </a:tr>
+              <a:tr h="1414528">
+                <a:tc>
+                  <a:txBody>
+                    <a:bodyPr/>
+                    <a:lstStyle/>
+                    <a:p>
+                      <a:pPr algn="ctr"/>
+                      <a:r>
+                        <a:rPr lang="fr-FR" dirty="0"/>
+                        <a:t>E3</a:t>
+                      </a:r>
+                    </a:p>
+                  </a:txBody>
+                  <a:tcPr/>
+                </a:tc>
+                <a:tc>
+                  <a:txBody>
+                    <a:bodyPr/>
+                    <a:lstStyle/>
+                    <a:p>
+                      <a:pPr algn="ctr"/>
+                      <a:r>
+                        <a:rPr lang="fr-FR" dirty="0"/>
+                        <a:t>/</a:t>
+                      </a:r>
+                    </a:p>
+                  </a:txBody>
+                  <a:tcPr/>
+                </a:tc>
+                <a:tc>
+                  <a:txBody>
+                    <a:bodyPr/>
+                    <a:lstStyle/>
+                    <a:p>
+                      <a:pPr algn="l"/>
+                      <a:r>
+                        <a:rPr lang="fr-FR" dirty="0" err="1"/>
+                        <a:t>sra</a:t>
+                      </a:r>
+                      <a:r>
+                        <a:rPr lang="fr-FR" dirty="0"/>
+                        <a:t> = position | couleur </a:t>
+                      </a:r>
+                      <a:r>
+                        <a:rPr lang="fr-FR" dirty="0" err="1"/>
+                        <a:t>objetexistant</a:t>
+                      </a:r>
+                      <a:endParaRPr lang="fr-FR" dirty="0"/>
+                    </a:p>
+                    <a:p>
+                      <a:pPr algn="l"/>
+                      <a:r>
+                        <a:rPr lang="fr-FR" dirty="0"/>
+                        <a:t>Remplir </a:t>
+                      </a:r>
+                      <a:r>
+                        <a:rPr lang="fr-FR" dirty="0" err="1"/>
+                        <a:t>comm</a:t>
+                      </a:r>
+                      <a:endParaRPr lang="fr-FR" dirty="0"/>
+                    </a:p>
+                    <a:p>
+                      <a:pPr algn="l"/>
+                      <a:r>
+                        <a:rPr lang="fr-FR" dirty="0"/>
+                        <a:t>if(</a:t>
+                      </a:r>
+                      <a:r>
+                        <a:rPr lang="fr-FR" dirty="0" err="1"/>
+                        <a:t>comp</a:t>
+                      </a:r>
+                      <a:r>
+                        <a:rPr lang="fr-FR" dirty="0"/>
+                        <a:t>){E1} </a:t>
+                      </a:r>
+                      <a:r>
+                        <a:rPr lang="fr-FR" dirty="0" err="1"/>
+                        <a:t>else</a:t>
+                      </a:r>
+                      <a:r>
+                        <a:rPr lang="fr-FR" dirty="0"/>
+                        <a:t> {E0}</a:t>
+                      </a:r>
+                    </a:p>
+                    <a:p>
+                      <a:pPr algn="ctr"/>
+                      <a:endParaRPr lang="fr-FR" dirty="0"/>
+                    </a:p>
+                  </a:txBody>
+                  <a:tcPr/>
+                </a:tc>
+                <a:tc>
+                  <a:txBody>
+                    <a:bodyPr/>
+                    <a:lstStyle/>
+                    <a:p>
+                      <a:pPr algn="ctr"/>
+                      <a:endParaRPr lang="fr-FR" dirty="0"/>
+                    </a:p>
+                  </a:txBody>
+                  <a:tcPr/>
+                </a:tc>
+                <a:tc>
+                  <a:txBody>
+                    <a:bodyPr/>
+                    <a:lstStyle/>
+                    <a:p>
+                      <a:pPr algn="ctr"/>
+                      <a:r>
+                        <a:rPr lang="fr-FR" dirty="0"/>
+                        <a:t>E1</a:t>
+                      </a:r>
+                    </a:p>
+                    <a:p>
+                      <a:pPr algn="ctr"/>
+                      <a:endParaRPr lang="fr-FR" dirty="0"/>
+                    </a:p>
+                  </a:txBody>
+                  <a:tcPr/>
+                </a:tc>
+                <a:tc>
+                  <a:txBody>
+                    <a:bodyPr/>
+                    <a:lstStyle/>
+                    <a:p>
+                      <a:pPr algn="ctr"/>
+                      <a:endParaRPr lang="fr-FR" dirty="0"/>
+                    </a:p>
+                  </a:txBody>
+                  <a:tcPr/>
+                </a:tc>
+                <a:extLst>
+                  <a:ext uri="{0D108BD9-81ED-4DB2-BD59-A6C34878D82A}">
+                    <a16:rowId xmlns:a16="http://schemas.microsoft.com/office/drawing/2014/main" val="942620469"/>
                   </a:ext>
                 </a:extLst>
               </a:tr>

--- a/Concep/MachineEtat.pptx
+++ b/Concep/MachineEtat.pptx
@@ -260,7 +260,7 @@
           <a:p>
             <a:fld id="{F4A82166-679B-4DCA-B2EB-D3A018EE558C}" type="datetimeFigureOut">
               <a:rPr lang="fr-FR" smtClean="0"/>
-              <a:t>28/11/2019</a:t>
+              <a:t>31/12/2019</a:t>
             </a:fld>
             <a:endParaRPr lang="fr-FR"/>
           </a:p>
@@ -458,7 +458,7 @@
           <a:p>
             <a:fld id="{F4A82166-679B-4DCA-B2EB-D3A018EE558C}" type="datetimeFigureOut">
               <a:rPr lang="fr-FR" smtClean="0"/>
-              <a:t>28/11/2019</a:t>
+              <a:t>31/12/2019</a:t>
             </a:fld>
             <a:endParaRPr lang="fr-FR"/>
           </a:p>
@@ -666,7 +666,7 @@
           <a:p>
             <a:fld id="{F4A82166-679B-4DCA-B2EB-D3A018EE558C}" type="datetimeFigureOut">
               <a:rPr lang="fr-FR" smtClean="0"/>
-              <a:t>28/11/2019</a:t>
+              <a:t>31/12/2019</a:t>
             </a:fld>
             <a:endParaRPr lang="fr-FR"/>
           </a:p>
@@ -864,7 +864,7 @@
           <a:p>
             <a:fld id="{F4A82166-679B-4DCA-B2EB-D3A018EE558C}" type="datetimeFigureOut">
               <a:rPr lang="fr-FR" smtClean="0"/>
-              <a:t>28/11/2019</a:t>
+              <a:t>31/12/2019</a:t>
             </a:fld>
             <a:endParaRPr lang="fr-FR"/>
           </a:p>
@@ -1139,7 +1139,7 @@
           <a:p>
             <a:fld id="{F4A82166-679B-4DCA-B2EB-D3A018EE558C}" type="datetimeFigureOut">
               <a:rPr lang="fr-FR" smtClean="0"/>
-              <a:t>28/11/2019</a:t>
+              <a:t>31/12/2019</a:t>
             </a:fld>
             <a:endParaRPr lang="fr-FR"/>
           </a:p>
@@ -1404,7 +1404,7 @@
           <a:p>
             <a:fld id="{F4A82166-679B-4DCA-B2EB-D3A018EE558C}" type="datetimeFigureOut">
               <a:rPr lang="fr-FR" smtClean="0"/>
-              <a:t>28/11/2019</a:t>
+              <a:t>31/12/2019</a:t>
             </a:fld>
             <a:endParaRPr lang="fr-FR"/>
           </a:p>
@@ -1816,7 +1816,7 @@
           <a:p>
             <a:fld id="{F4A82166-679B-4DCA-B2EB-D3A018EE558C}" type="datetimeFigureOut">
               <a:rPr lang="fr-FR" smtClean="0"/>
-              <a:t>28/11/2019</a:t>
+              <a:t>31/12/2019</a:t>
             </a:fld>
             <a:endParaRPr lang="fr-FR"/>
           </a:p>
@@ -1957,7 +1957,7 @@
           <a:p>
             <a:fld id="{F4A82166-679B-4DCA-B2EB-D3A018EE558C}" type="datetimeFigureOut">
               <a:rPr lang="fr-FR" smtClean="0"/>
-              <a:t>28/11/2019</a:t>
+              <a:t>31/12/2019</a:t>
             </a:fld>
             <a:endParaRPr lang="fr-FR"/>
           </a:p>
@@ -2070,7 +2070,7 @@
           <a:p>
             <a:fld id="{F4A82166-679B-4DCA-B2EB-D3A018EE558C}" type="datetimeFigureOut">
               <a:rPr lang="fr-FR" smtClean="0"/>
-              <a:t>28/11/2019</a:t>
+              <a:t>31/12/2019</a:t>
             </a:fld>
             <a:endParaRPr lang="fr-FR"/>
           </a:p>
@@ -2381,7 +2381,7 @@
           <a:p>
             <a:fld id="{F4A82166-679B-4DCA-B2EB-D3A018EE558C}" type="datetimeFigureOut">
               <a:rPr lang="fr-FR" smtClean="0"/>
-              <a:t>28/11/2019</a:t>
+              <a:t>31/12/2019</a:t>
             </a:fld>
             <a:endParaRPr lang="fr-FR"/>
           </a:p>
@@ -2669,7 +2669,7 @@
           <a:p>
             <a:fld id="{F4A82166-679B-4DCA-B2EB-D3A018EE558C}" type="datetimeFigureOut">
               <a:rPr lang="fr-FR" smtClean="0"/>
-              <a:t>28/11/2019</a:t>
+              <a:t>31/12/2019</a:t>
             </a:fld>
             <a:endParaRPr lang="fr-FR"/>
           </a:p>
@@ -2910,7 +2910,7 @@
           <a:p>
             <a:fld id="{F4A82166-679B-4DCA-B2EB-D3A018EE558C}" type="datetimeFigureOut">
               <a:rPr lang="fr-FR" smtClean="0"/>
-              <a:t>28/11/2019</a:t>
+              <a:t>31/12/2019</a:t>
             </a:fld>
             <a:endParaRPr lang="fr-FR"/>
           </a:p>
@@ -3665,12 +3665,8 @@
           </a:p>
           <a:p>
             <a:r>
-              <a:rPr lang="fr-FR" dirty="0" err="1"/>
-              <a:t>comm</a:t>
-            </a:r>
-            <a:r>
               <a:rPr lang="fr-FR" dirty="0"/>
-              <a:t> : Commande</a:t>
+              <a:t>command : Commande</a:t>
             </a:r>
           </a:p>
           <a:p>
@@ -4973,7 +4969,7 @@
           <p:nvPr>
             <p:extLst>
               <p:ext uri="{D42A27DB-BD31-4B8C-83A1-F6EECF244321}">
-                <p14:modId xmlns:p14="http://schemas.microsoft.com/office/powerpoint/2010/main" val="2611831121"/>
+                <p14:modId xmlns:p14="http://schemas.microsoft.com/office/powerpoint/2010/main" val="2546217471"/>
               </p:ext>
             </p:extLst>
           </p:nvPr>
@@ -5262,13 +5258,8 @@
                       <a:pPr algn="l"/>
                       <a:r>
                         <a:rPr lang="fr-FR" dirty="0"/>
-                        <a:t>Remplir </a:t>
+                        <a:t>Remplir command</a:t>
                       </a:r>
-                      <a:r>
-                        <a:rPr lang="fr-FR" dirty="0" err="1"/>
-                        <a:t>comm</a:t>
-                      </a:r>
-                      <a:endParaRPr lang="fr-FR" dirty="0"/>
                     </a:p>
                     <a:p>
                       <a:pPr algn="l"/>
@@ -5314,13 +5305,8 @@
                       <a:pPr algn="l"/>
                       <a:r>
                         <a:rPr lang="fr-FR" dirty="0"/>
-                        <a:t>Remplir </a:t>
+                        <a:t>Remplir command</a:t>
                       </a:r>
-                      <a:r>
-                        <a:rPr lang="fr-FR" dirty="0" err="1"/>
-                        <a:t>comm</a:t>
-                      </a:r>
-                      <a:endParaRPr lang="fr-FR" dirty="0"/>
                     </a:p>
                     <a:p>
                       <a:pPr algn="l"/>
@@ -5417,12 +5403,8 @@
                     <a:p>
                       <a:pPr algn="l"/>
                       <a:r>
-                        <a:rPr lang="fr-FR" dirty="0"/>
-                        <a:t>Remplir </a:t>
-                      </a:r>
-                      <a:r>
-                        <a:rPr lang="fr-FR" dirty="0" err="1"/>
-                        <a:t>comm</a:t>
+                        <a:rPr lang="fr-FR"/>
+                        <a:t>Remplir command</a:t>
                       </a:r>
                       <a:endParaRPr lang="fr-FR" dirty="0"/>
                     </a:p>
@@ -5543,25 +5525,15 @@
                       </a:r>
                       <a:r>
                         <a:rPr lang="fr-FR" dirty="0"/>
-                        <a:t> = position | couleur </a:t>
+                        <a:t> = position | couleur objet existant</a:t>
                       </a:r>
-                      <a:r>
-                        <a:rPr lang="fr-FR" dirty="0" err="1"/>
-                        <a:t>objetexistant</a:t>
-                      </a:r>
-                      <a:endParaRPr lang="fr-FR" dirty="0"/>
                     </a:p>
                     <a:p>
                       <a:pPr algn="l"/>
                       <a:r>
                         <a:rPr lang="fr-FR" dirty="0"/>
-                        <a:t>Remplir </a:t>
+                        <a:t>Remplir command</a:t>
                       </a:r>
-                      <a:r>
-                        <a:rPr lang="fr-FR" dirty="0" err="1"/>
-                        <a:t>comm</a:t>
-                      </a:r>
-                      <a:endParaRPr lang="fr-FR" dirty="0"/>
                     </a:p>
                     <a:p>
                       <a:pPr algn="l"/>

--- a/Concep/MachineEtat.pptx
+++ b/Concep/MachineEtat.pptx
@@ -4,6 +4,9 @@
   <p:sldMasterIdLst>
     <p:sldMasterId id="2147483648" r:id="rId1"/>
   </p:sldMasterIdLst>
+  <p:notesMasterIdLst>
+    <p:notesMasterId r:id="rId4"/>
+  </p:notesMasterIdLst>
   <p:sldIdLst>
     <p:sldId id="256" r:id="rId2"/>
     <p:sldId id="259" r:id="rId3"/>
@@ -113,6 +116,439 @@
 </p:presentation>
 </file>
 
+<file path=ppt/notesMasters/notesMaster1.xml><?xml version="1.0" encoding="utf-8"?>
+<p:notesMaster xmlns:a="http://schemas.openxmlformats.org/drawingml/2006/main" xmlns:r="http://schemas.openxmlformats.org/officeDocument/2006/relationships" xmlns:p="http://schemas.openxmlformats.org/presentationml/2006/main">
+  <p:cSld>
+    <p:bg>
+      <p:bgRef idx="1001">
+        <a:schemeClr val="bg1"/>
+      </p:bgRef>
+    </p:bg>
+    <p:spTree>
+      <p:nvGrpSpPr>
+        <p:cNvPr id="1" name=""/>
+        <p:cNvGrpSpPr/>
+        <p:nvPr/>
+      </p:nvGrpSpPr>
+      <p:grpSpPr>
+        <a:xfrm>
+          <a:off x="0" y="0"/>
+          <a:ext cx="0" cy="0"/>
+          <a:chOff x="0" y="0"/>
+          <a:chExt cx="0" cy="0"/>
+        </a:xfrm>
+      </p:grpSpPr>
+      <p:sp>
+        <p:nvSpPr>
+          <p:cNvPr id="2" name="Espace réservé de l'en-tête 1"/>
+          <p:cNvSpPr>
+            <a:spLocks noGrp="1"/>
+          </p:cNvSpPr>
+          <p:nvPr>
+            <p:ph type="hdr" sz="quarter"/>
+          </p:nvPr>
+        </p:nvSpPr>
+        <p:spPr>
+          <a:xfrm>
+            <a:off x="0" y="0"/>
+            <a:ext cx="2971800" cy="458788"/>
+          </a:xfrm>
+          <a:prstGeom prst="rect">
+            <a:avLst/>
+          </a:prstGeom>
+        </p:spPr>
+        <p:txBody>
+          <a:bodyPr vert="horz" lIns="91440" tIns="45720" rIns="91440" bIns="45720" rtlCol="0"/>
+          <a:lstStyle>
+            <a:lvl1pPr algn="l">
+              <a:defRPr sz="1200"/>
+            </a:lvl1pPr>
+          </a:lstStyle>
+          <a:p>
+            <a:endParaRPr lang="fr-FR"/>
+          </a:p>
+        </p:txBody>
+      </p:sp>
+      <p:sp>
+        <p:nvSpPr>
+          <p:cNvPr id="3" name="Espace réservé de la date 2"/>
+          <p:cNvSpPr>
+            <a:spLocks noGrp="1"/>
+          </p:cNvSpPr>
+          <p:nvPr>
+            <p:ph type="dt" idx="1"/>
+          </p:nvPr>
+        </p:nvSpPr>
+        <p:spPr>
+          <a:xfrm>
+            <a:off x="3884613" y="0"/>
+            <a:ext cx="2971800" cy="458788"/>
+          </a:xfrm>
+          <a:prstGeom prst="rect">
+            <a:avLst/>
+          </a:prstGeom>
+        </p:spPr>
+        <p:txBody>
+          <a:bodyPr vert="horz" lIns="91440" tIns="45720" rIns="91440" bIns="45720" rtlCol="0"/>
+          <a:lstStyle>
+            <a:lvl1pPr algn="r">
+              <a:defRPr sz="1200"/>
+            </a:lvl1pPr>
+          </a:lstStyle>
+          <a:p>
+            <a:fld id="{A9385CD1-A38B-4A00-8F21-234A990491CE}" type="datetimeFigureOut">
+              <a:rPr lang="fr-FR" smtClean="0"/>
+              <a:t>13/01/2020</a:t>
+            </a:fld>
+            <a:endParaRPr lang="fr-FR"/>
+          </a:p>
+        </p:txBody>
+      </p:sp>
+      <p:sp>
+        <p:nvSpPr>
+          <p:cNvPr id="4" name="Espace réservé de l'image des diapositives 3"/>
+          <p:cNvSpPr>
+            <a:spLocks noGrp="1" noRot="1" noChangeAspect="1"/>
+          </p:cNvSpPr>
+          <p:nvPr>
+            <p:ph type="sldImg" idx="2"/>
+          </p:nvPr>
+        </p:nvSpPr>
+        <p:spPr>
+          <a:xfrm>
+            <a:off x="685800" y="1143000"/>
+            <a:ext cx="5486400" cy="3086100"/>
+          </a:xfrm>
+          <a:prstGeom prst="rect">
+            <a:avLst/>
+          </a:prstGeom>
+          <a:noFill/>
+          <a:ln w="12700">
+            <a:solidFill>
+              <a:prstClr val="black"/>
+            </a:solidFill>
+          </a:ln>
+        </p:spPr>
+        <p:txBody>
+          <a:bodyPr vert="horz" lIns="91440" tIns="45720" rIns="91440" bIns="45720" rtlCol="0" anchor="ctr"/>
+          <a:lstStyle/>
+          <a:p>
+            <a:endParaRPr lang="fr-FR"/>
+          </a:p>
+        </p:txBody>
+      </p:sp>
+      <p:sp>
+        <p:nvSpPr>
+          <p:cNvPr id="5" name="Espace réservé des notes 4"/>
+          <p:cNvSpPr>
+            <a:spLocks noGrp="1"/>
+          </p:cNvSpPr>
+          <p:nvPr>
+            <p:ph type="body" sz="quarter" idx="3"/>
+          </p:nvPr>
+        </p:nvSpPr>
+        <p:spPr>
+          <a:xfrm>
+            <a:off x="685800" y="4400550"/>
+            <a:ext cx="5486400" cy="3600450"/>
+          </a:xfrm>
+          <a:prstGeom prst="rect">
+            <a:avLst/>
+          </a:prstGeom>
+        </p:spPr>
+        <p:txBody>
+          <a:bodyPr vert="horz" lIns="91440" tIns="45720" rIns="91440" bIns="45720" rtlCol="0"/>
+          <a:lstStyle/>
+          <a:p>
+            <a:pPr lvl="0"/>
+            <a:r>
+              <a:rPr lang="fr-FR"/>
+              <a:t>Cliquez pour modifier les styles du texte du masque</a:t>
+            </a:r>
+          </a:p>
+          <a:p>
+            <a:pPr lvl="1"/>
+            <a:r>
+              <a:rPr lang="fr-FR"/>
+              <a:t>Deuxième niveau</a:t>
+            </a:r>
+          </a:p>
+          <a:p>
+            <a:pPr lvl="2"/>
+            <a:r>
+              <a:rPr lang="fr-FR"/>
+              <a:t>Troisième niveau</a:t>
+            </a:r>
+          </a:p>
+          <a:p>
+            <a:pPr lvl="3"/>
+            <a:r>
+              <a:rPr lang="fr-FR"/>
+              <a:t>Quatrième niveau</a:t>
+            </a:r>
+          </a:p>
+          <a:p>
+            <a:pPr lvl="4"/>
+            <a:r>
+              <a:rPr lang="fr-FR"/>
+              <a:t>Cinquième niveau</a:t>
+            </a:r>
+          </a:p>
+        </p:txBody>
+      </p:sp>
+      <p:sp>
+        <p:nvSpPr>
+          <p:cNvPr id="6" name="Espace réservé du pied de page 5"/>
+          <p:cNvSpPr>
+            <a:spLocks noGrp="1"/>
+          </p:cNvSpPr>
+          <p:nvPr>
+            <p:ph type="ftr" sz="quarter" idx="4"/>
+          </p:nvPr>
+        </p:nvSpPr>
+        <p:spPr>
+          <a:xfrm>
+            <a:off x="0" y="8685213"/>
+            <a:ext cx="2971800" cy="458787"/>
+          </a:xfrm>
+          <a:prstGeom prst="rect">
+            <a:avLst/>
+          </a:prstGeom>
+        </p:spPr>
+        <p:txBody>
+          <a:bodyPr vert="horz" lIns="91440" tIns="45720" rIns="91440" bIns="45720" rtlCol="0" anchor="b"/>
+          <a:lstStyle>
+            <a:lvl1pPr algn="l">
+              <a:defRPr sz="1200"/>
+            </a:lvl1pPr>
+          </a:lstStyle>
+          <a:p>
+            <a:endParaRPr lang="fr-FR"/>
+          </a:p>
+        </p:txBody>
+      </p:sp>
+      <p:sp>
+        <p:nvSpPr>
+          <p:cNvPr id="7" name="Espace réservé du numéro de diapositive 6"/>
+          <p:cNvSpPr>
+            <a:spLocks noGrp="1"/>
+          </p:cNvSpPr>
+          <p:nvPr>
+            <p:ph type="sldNum" sz="quarter" idx="5"/>
+          </p:nvPr>
+        </p:nvSpPr>
+        <p:spPr>
+          <a:xfrm>
+            <a:off x="3884613" y="8685213"/>
+            <a:ext cx="2971800" cy="458787"/>
+          </a:xfrm>
+          <a:prstGeom prst="rect">
+            <a:avLst/>
+          </a:prstGeom>
+        </p:spPr>
+        <p:txBody>
+          <a:bodyPr vert="horz" lIns="91440" tIns="45720" rIns="91440" bIns="45720" rtlCol="0" anchor="b"/>
+          <a:lstStyle>
+            <a:lvl1pPr algn="r">
+              <a:defRPr sz="1200"/>
+            </a:lvl1pPr>
+          </a:lstStyle>
+          <a:p>
+            <a:fld id="{D65E9D75-ED73-4A58-B293-87EDF6458355}" type="slidenum">
+              <a:rPr lang="fr-FR" smtClean="0"/>
+              <a:t>‹N°›</a:t>
+            </a:fld>
+            <a:endParaRPr lang="fr-FR"/>
+          </a:p>
+        </p:txBody>
+      </p:sp>
+    </p:spTree>
+    <p:extLst>
+      <p:ext uri="{BB962C8B-B14F-4D97-AF65-F5344CB8AC3E}">
+        <p14:creationId xmlns:p14="http://schemas.microsoft.com/office/powerpoint/2010/main" val="1707774426"/>
+      </p:ext>
+    </p:extLst>
+  </p:cSld>
+  <p:clrMap bg1="lt1" tx1="dk1" bg2="lt2" tx2="dk2" accent1="accent1" accent2="accent2" accent3="accent3" accent4="accent4" accent5="accent5" accent6="accent6" hlink="hlink" folHlink="folHlink"/>
+  <p:notesStyle>
+    <a:lvl1pPr marL="0" algn="l" defTabSz="914400" rtl="0" eaLnBrk="1" latinLnBrk="0" hangingPunct="1">
+      <a:defRPr sz="1200" kern="1200">
+        <a:solidFill>
+          <a:schemeClr val="tx1"/>
+        </a:solidFill>
+        <a:latin typeface="+mn-lt"/>
+        <a:ea typeface="+mn-ea"/>
+        <a:cs typeface="+mn-cs"/>
+      </a:defRPr>
+    </a:lvl1pPr>
+    <a:lvl2pPr marL="457200" algn="l" defTabSz="914400" rtl="0" eaLnBrk="1" latinLnBrk="0" hangingPunct="1">
+      <a:defRPr sz="1200" kern="1200">
+        <a:solidFill>
+          <a:schemeClr val="tx1"/>
+        </a:solidFill>
+        <a:latin typeface="+mn-lt"/>
+        <a:ea typeface="+mn-ea"/>
+        <a:cs typeface="+mn-cs"/>
+      </a:defRPr>
+    </a:lvl2pPr>
+    <a:lvl3pPr marL="914400" algn="l" defTabSz="914400" rtl="0" eaLnBrk="1" latinLnBrk="0" hangingPunct="1">
+      <a:defRPr sz="1200" kern="1200">
+        <a:solidFill>
+          <a:schemeClr val="tx1"/>
+        </a:solidFill>
+        <a:latin typeface="+mn-lt"/>
+        <a:ea typeface="+mn-ea"/>
+        <a:cs typeface="+mn-cs"/>
+      </a:defRPr>
+    </a:lvl3pPr>
+    <a:lvl4pPr marL="1371600" algn="l" defTabSz="914400" rtl="0" eaLnBrk="1" latinLnBrk="0" hangingPunct="1">
+      <a:defRPr sz="1200" kern="1200">
+        <a:solidFill>
+          <a:schemeClr val="tx1"/>
+        </a:solidFill>
+        <a:latin typeface="+mn-lt"/>
+        <a:ea typeface="+mn-ea"/>
+        <a:cs typeface="+mn-cs"/>
+      </a:defRPr>
+    </a:lvl4pPr>
+    <a:lvl5pPr marL="1828800" algn="l" defTabSz="914400" rtl="0" eaLnBrk="1" latinLnBrk="0" hangingPunct="1">
+      <a:defRPr sz="1200" kern="1200">
+        <a:solidFill>
+          <a:schemeClr val="tx1"/>
+        </a:solidFill>
+        <a:latin typeface="+mn-lt"/>
+        <a:ea typeface="+mn-ea"/>
+        <a:cs typeface="+mn-cs"/>
+      </a:defRPr>
+    </a:lvl5pPr>
+    <a:lvl6pPr marL="2286000" algn="l" defTabSz="914400" rtl="0" eaLnBrk="1" latinLnBrk="0" hangingPunct="1">
+      <a:defRPr sz="1200" kern="1200">
+        <a:solidFill>
+          <a:schemeClr val="tx1"/>
+        </a:solidFill>
+        <a:latin typeface="+mn-lt"/>
+        <a:ea typeface="+mn-ea"/>
+        <a:cs typeface="+mn-cs"/>
+      </a:defRPr>
+    </a:lvl6pPr>
+    <a:lvl7pPr marL="2743200" algn="l" defTabSz="914400" rtl="0" eaLnBrk="1" latinLnBrk="0" hangingPunct="1">
+      <a:defRPr sz="1200" kern="1200">
+        <a:solidFill>
+          <a:schemeClr val="tx1"/>
+        </a:solidFill>
+        <a:latin typeface="+mn-lt"/>
+        <a:ea typeface="+mn-ea"/>
+        <a:cs typeface="+mn-cs"/>
+      </a:defRPr>
+    </a:lvl7pPr>
+    <a:lvl8pPr marL="3200400" algn="l" defTabSz="914400" rtl="0" eaLnBrk="1" latinLnBrk="0" hangingPunct="1">
+      <a:defRPr sz="1200" kern="1200">
+        <a:solidFill>
+          <a:schemeClr val="tx1"/>
+        </a:solidFill>
+        <a:latin typeface="+mn-lt"/>
+        <a:ea typeface="+mn-ea"/>
+        <a:cs typeface="+mn-cs"/>
+      </a:defRPr>
+    </a:lvl8pPr>
+    <a:lvl9pPr marL="3657600" algn="l" defTabSz="914400" rtl="0" eaLnBrk="1" latinLnBrk="0" hangingPunct="1">
+      <a:defRPr sz="1200" kern="1200">
+        <a:solidFill>
+          <a:schemeClr val="tx1"/>
+        </a:solidFill>
+        <a:latin typeface="+mn-lt"/>
+        <a:ea typeface="+mn-ea"/>
+        <a:cs typeface="+mn-cs"/>
+      </a:defRPr>
+    </a:lvl9pPr>
+  </p:notesStyle>
+</p:notesMaster>
+</file>
+
+<file path=ppt/notesSlides/notesSlide1.xml><?xml version="1.0" encoding="utf-8"?>
+<p:notes xmlns:a="http://schemas.openxmlformats.org/drawingml/2006/main" xmlns:r="http://schemas.openxmlformats.org/officeDocument/2006/relationships" xmlns:p="http://schemas.openxmlformats.org/presentationml/2006/main">
+  <p:cSld>
+    <p:spTree>
+      <p:nvGrpSpPr>
+        <p:cNvPr id="1" name=""/>
+        <p:cNvGrpSpPr/>
+        <p:nvPr/>
+      </p:nvGrpSpPr>
+      <p:grpSpPr>
+        <a:xfrm>
+          <a:off x="0" y="0"/>
+          <a:ext cx="0" cy="0"/>
+          <a:chOff x="0" y="0"/>
+          <a:chExt cx="0" cy="0"/>
+        </a:xfrm>
+      </p:grpSpPr>
+      <p:sp>
+        <p:nvSpPr>
+          <p:cNvPr id="2" name="Espace réservé de l'image des diapositives 1"/>
+          <p:cNvSpPr>
+            <a:spLocks noGrp="1" noRot="1" noChangeAspect="1"/>
+          </p:cNvSpPr>
+          <p:nvPr>
+            <p:ph type="sldImg"/>
+          </p:nvPr>
+        </p:nvSpPr>
+        <p:spPr/>
+      </p:sp>
+      <p:sp>
+        <p:nvSpPr>
+          <p:cNvPr id="3" name="Espace réservé des notes 2"/>
+          <p:cNvSpPr>
+            <a:spLocks noGrp="1"/>
+          </p:cNvSpPr>
+          <p:nvPr>
+            <p:ph type="body" idx="1"/>
+          </p:nvPr>
+        </p:nvSpPr>
+        <p:spPr/>
+        <p:txBody>
+          <a:bodyPr/>
+          <a:lstStyle/>
+          <a:p>
+            <a:endParaRPr lang="fr-FR" dirty="0"/>
+          </a:p>
+        </p:txBody>
+      </p:sp>
+      <p:sp>
+        <p:nvSpPr>
+          <p:cNvPr id="4" name="Espace réservé du numéro de diapositive 3"/>
+          <p:cNvSpPr>
+            <a:spLocks noGrp="1"/>
+          </p:cNvSpPr>
+          <p:nvPr>
+            <p:ph type="sldNum" sz="quarter" idx="5"/>
+          </p:nvPr>
+        </p:nvSpPr>
+        <p:spPr/>
+        <p:txBody>
+          <a:bodyPr/>
+          <a:lstStyle/>
+          <a:p>
+            <a:fld id="{D65E9D75-ED73-4A58-B293-87EDF6458355}" type="slidenum">
+              <a:rPr lang="fr-FR" smtClean="0"/>
+              <a:t>2</a:t>
+            </a:fld>
+            <a:endParaRPr lang="fr-FR"/>
+          </a:p>
+        </p:txBody>
+      </p:sp>
+    </p:spTree>
+    <p:extLst>
+      <p:ext uri="{BB962C8B-B14F-4D97-AF65-F5344CB8AC3E}">
+        <p14:creationId xmlns:p14="http://schemas.microsoft.com/office/powerpoint/2010/main" val="2203382721"/>
+      </p:ext>
+    </p:extLst>
+  </p:cSld>
+  <p:clrMapOvr>
+    <a:masterClrMapping/>
+  </p:clrMapOvr>
+</p:notes>
+</file>
+
 <file path=ppt/slideLayouts/slideLayout1.xml><?xml version="1.0" encoding="utf-8"?>
 <p:sldLayout xmlns:a="http://schemas.openxmlformats.org/drawingml/2006/main" xmlns:r="http://schemas.openxmlformats.org/officeDocument/2006/relationships" xmlns:p="http://schemas.openxmlformats.org/presentationml/2006/main" type="title" preserve="1">
   <p:cSld name="Diapositive de titre">
@@ -260,7 +696,7 @@
           <a:p>
             <a:fld id="{F4A82166-679B-4DCA-B2EB-D3A018EE558C}" type="datetimeFigureOut">
               <a:rPr lang="fr-FR" smtClean="0"/>
-              <a:t>31/12/2019</a:t>
+              <a:t>13/01/2020</a:t>
             </a:fld>
             <a:endParaRPr lang="fr-FR"/>
           </a:p>
@@ -458,7 +894,7 @@
           <a:p>
             <a:fld id="{F4A82166-679B-4DCA-B2EB-D3A018EE558C}" type="datetimeFigureOut">
               <a:rPr lang="fr-FR" smtClean="0"/>
-              <a:t>31/12/2019</a:t>
+              <a:t>13/01/2020</a:t>
             </a:fld>
             <a:endParaRPr lang="fr-FR"/>
           </a:p>
@@ -666,7 +1102,7 @@
           <a:p>
             <a:fld id="{F4A82166-679B-4DCA-B2EB-D3A018EE558C}" type="datetimeFigureOut">
               <a:rPr lang="fr-FR" smtClean="0"/>
-              <a:t>31/12/2019</a:t>
+              <a:t>13/01/2020</a:t>
             </a:fld>
             <a:endParaRPr lang="fr-FR"/>
           </a:p>
@@ -864,7 +1300,7 @@
           <a:p>
             <a:fld id="{F4A82166-679B-4DCA-B2EB-D3A018EE558C}" type="datetimeFigureOut">
               <a:rPr lang="fr-FR" smtClean="0"/>
-              <a:t>31/12/2019</a:t>
+              <a:t>13/01/2020</a:t>
             </a:fld>
             <a:endParaRPr lang="fr-FR"/>
           </a:p>
@@ -1139,7 +1575,7 @@
           <a:p>
             <a:fld id="{F4A82166-679B-4DCA-B2EB-D3A018EE558C}" type="datetimeFigureOut">
               <a:rPr lang="fr-FR" smtClean="0"/>
-              <a:t>31/12/2019</a:t>
+              <a:t>13/01/2020</a:t>
             </a:fld>
             <a:endParaRPr lang="fr-FR"/>
           </a:p>
@@ -1404,7 +1840,7 @@
           <a:p>
             <a:fld id="{F4A82166-679B-4DCA-B2EB-D3A018EE558C}" type="datetimeFigureOut">
               <a:rPr lang="fr-FR" smtClean="0"/>
-              <a:t>31/12/2019</a:t>
+              <a:t>13/01/2020</a:t>
             </a:fld>
             <a:endParaRPr lang="fr-FR"/>
           </a:p>
@@ -1816,7 +2252,7 @@
           <a:p>
             <a:fld id="{F4A82166-679B-4DCA-B2EB-D3A018EE558C}" type="datetimeFigureOut">
               <a:rPr lang="fr-FR" smtClean="0"/>
-              <a:t>31/12/2019</a:t>
+              <a:t>13/01/2020</a:t>
             </a:fld>
             <a:endParaRPr lang="fr-FR"/>
           </a:p>
@@ -1957,7 +2393,7 @@
           <a:p>
             <a:fld id="{F4A82166-679B-4DCA-B2EB-D3A018EE558C}" type="datetimeFigureOut">
               <a:rPr lang="fr-FR" smtClean="0"/>
-              <a:t>31/12/2019</a:t>
+              <a:t>13/01/2020</a:t>
             </a:fld>
             <a:endParaRPr lang="fr-FR"/>
           </a:p>
@@ -2070,7 +2506,7 @@
           <a:p>
             <a:fld id="{F4A82166-679B-4DCA-B2EB-D3A018EE558C}" type="datetimeFigureOut">
               <a:rPr lang="fr-FR" smtClean="0"/>
-              <a:t>31/12/2019</a:t>
+              <a:t>13/01/2020</a:t>
             </a:fld>
             <a:endParaRPr lang="fr-FR"/>
           </a:p>
@@ -2381,7 +2817,7 @@
           <a:p>
             <a:fld id="{F4A82166-679B-4DCA-B2EB-D3A018EE558C}" type="datetimeFigureOut">
               <a:rPr lang="fr-FR" smtClean="0"/>
-              <a:t>31/12/2019</a:t>
+              <a:t>13/01/2020</a:t>
             </a:fld>
             <a:endParaRPr lang="fr-FR"/>
           </a:p>
@@ -2669,7 +3105,7 @@
           <a:p>
             <a:fld id="{F4A82166-679B-4DCA-B2EB-D3A018EE558C}" type="datetimeFigureOut">
               <a:rPr lang="fr-FR" smtClean="0"/>
-              <a:t>31/12/2019</a:t>
+              <a:t>13/01/2020</a:t>
             </a:fld>
             <a:endParaRPr lang="fr-FR"/>
           </a:p>
@@ -2910,7 +3346,7 @@
           <a:p>
             <a:fld id="{F4A82166-679B-4DCA-B2EB-D3A018EE558C}" type="datetimeFigureOut">
               <a:rPr lang="fr-FR" smtClean="0"/>
-              <a:t>31/12/2019</a:t>
+              <a:t>13/01/2020</a:t>
             </a:fld>
             <a:endParaRPr lang="fr-FR"/>
           </a:p>
@@ -4969,14 +5405,14 @@
           <p:nvPr>
             <p:extLst>
               <p:ext uri="{D42A27DB-BD31-4B8C-83A1-F6EECF244321}">
-                <p14:modId xmlns:p14="http://schemas.microsoft.com/office/powerpoint/2010/main" val="2546217471"/>
+                <p14:modId xmlns:p14="http://schemas.microsoft.com/office/powerpoint/2010/main" val="2247015731"/>
               </p:ext>
             </p:extLst>
           </p:nvPr>
         </p:nvGraphicFramePr>
         <p:xfrm>
-          <a:off x="823322" y="39543"/>
-          <a:ext cx="10545355" cy="6783384"/>
+          <a:off x="663994" y="6927"/>
+          <a:ext cx="10545355" cy="6844145"/>
         </p:xfrm>
         <a:graphic>
           <a:graphicData uri="http://schemas.openxmlformats.org/drawingml/2006/table">
@@ -5258,7 +5694,7 @@
                       <a:pPr algn="l"/>
                       <a:r>
                         <a:rPr lang="fr-FR" dirty="0"/>
-                        <a:t>Remplir command</a:t>
+                        <a:t>remplir command</a:t>
                       </a:r>
                     </a:p>
                     <a:p>
@@ -5280,14 +5716,21 @@
                       </a:r>
                       <a:r>
                         <a:rPr lang="fr-FR" dirty="0"/>
-                        <a:t> = position | couleur objet existant</a:t>
+                        <a:t> = position &amp;&amp; précédé clic palette cas « déplacement »</a:t>
                       </a:r>
                     </a:p>
                     <a:p>
                       <a:pPr algn="l"/>
                       <a:r>
                         <a:rPr lang="fr-FR" dirty="0"/>
-                        <a:t>E2</a:t>
+                        <a:t>remplir coordonnées clic</a:t>
+                      </a:r>
+                    </a:p>
+                    <a:p>
+                      <a:pPr algn="l"/>
+                      <a:r>
+                        <a:rPr lang="fr-FR" dirty="0"/>
+                        <a:t>E3</a:t>
                       </a:r>
                     </a:p>
                     <a:p>
@@ -5295,24 +5738,44 @@
                       <a:endParaRPr lang="fr-FR" dirty="0"/>
                     </a:p>
                     <a:p>
-                      <a:pPr algn="l"/>
+                      <a:pPr marL="0" marR="0" lvl="0" indent="0" algn="l" defTabSz="914400" rtl="0" eaLnBrk="1" fontAlgn="auto" latinLnBrk="0" hangingPunct="1">
+                        <a:lnSpc>
+                          <a:spcPct val="100000"/>
+                        </a:lnSpc>
+                        <a:spcBef>
+                          <a:spcPts val="0"/>
+                        </a:spcBef>
+                        <a:spcAft>
+                          <a:spcPts val="0"/>
+                        </a:spcAft>
+                        <a:buClrTx/>
+                        <a:buSzTx/>
+                        <a:buFontTx/>
+                        <a:buNone/>
+                        <a:tabLst/>
+                        <a:defRPr/>
+                      </a:pPr>
+                      <a:r>
+                        <a:rPr lang="fr-FR" dirty="0" err="1"/>
+                        <a:t>sra</a:t>
+                      </a:r>
                       <a:r>
                         <a:rPr lang="fr-FR" dirty="0"/>
-                        <a:t>Palette = clic position</a:t>
+                        <a:t> = objet &amp;&amp; précédé clic palette cas « déplacement »</a:t>
                       </a:r>
                     </a:p>
                     <a:p>
                       <a:pPr algn="l"/>
                       <a:r>
                         <a:rPr lang="fr-FR" dirty="0"/>
-                        <a:t>Remplir command</a:t>
+                        <a:t>remplir objet sélectionné</a:t>
                       </a:r>
                     </a:p>
                     <a:p>
                       <a:pPr algn="l"/>
                       <a:r>
                         <a:rPr lang="fr-FR" dirty="0"/>
-                        <a:t>E1</a:t>
+                        <a:t>E3</a:t>
                       </a:r>
                     </a:p>
                   </a:txBody>
@@ -5323,8 +5786,84 @@
                     <a:bodyPr/>
                     <a:lstStyle/>
                     <a:p>
-                      <a:pPr algn="ctr"/>
-                      <a:endParaRPr lang="fr-FR" dirty="0"/>
+                      <a:pPr marL="0" indent="0" algn="l">
+                        <a:buFontTx/>
+                        <a:buNone/>
+                      </a:pPr>
+                      <a:r>
+                        <a:rPr lang="fr-FR" dirty="0"/>
+                        <a:t>- si création</a:t>
+                      </a:r>
+                    </a:p>
+                    <a:p>
+                      <a:pPr marL="0" indent="0" algn="l">
+                        <a:buFontTx/>
+                        <a:buNone/>
+                      </a:pPr>
+                      <a:r>
+                        <a:rPr lang="fr-FR" dirty="0"/>
+                        <a:t>      Remplir coordonnées clic</a:t>
+                      </a:r>
+                    </a:p>
+                    <a:p>
+                      <a:pPr marL="0" indent="0" algn="l">
+                        <a:buFontTx/>
+                        <a:buNone/>
+                      </a:pPr>
+                      <a:r>
+                        <a:rPr lang="fr-FR" dirty="0"/>
+                        <a:t>      E3</a:t>
+                      </a:r>
+                    </a:p>
+                    <a:p>
+                      <a:pPr marL="0" indent="0" algn="l">
+                        <a:buFontTx/>
+                        <a:buNone/>
+                      </a:pPr>
+                      <a:r>
+                        <a:rPr lang="fr-FR" dirty="0"/>
+                        <a:t>- si suppression</a:t>
+                      </a:r>
+                    </a:p>
+                    <a:p>
+                      <a:pPr marL="0" indent="0" algn="l">
+                        <a:buFontTx/>
+                        <a:buNone/>
+                      </a:pPr>
+                      <a:r>
+                        <a:rPr lang="fr-FR" dirty="0"/>
+                        <a:t>      Remplir liste objets sélectionnés</a:t>
+                      </a:r>
+                    </a:p>
+                    <a:p>
+                      <a:pPr marL="0" indent="0" algn="l">
+                        <a:buFontTx/>
+                        <a:buNone/>
+                      </a:pPr>
+                      <a:r>
+                        <a:rPr lang="fr-FR" dirty="0"/>
+                        <a:t>      E2</a:t>
+                      </a:r>
+                    </a:p>
+                    <a:p>
+                      <a:pPr marL="0" indent="0" algn="l">
+                        <a:buFontTx/>
+                        <a:buNone/>
+                      </a:pPr>
+                      <a:r>
+                        <a:rPr lang="fr-FR" dirty="0"/>
+                        <a:t>- si déplacement</a:t>
+                      </a:r>
+                    </a:p>
+                    <a:p>
+                      <a:pPr marL="0" indent="0" algn="l">
+                        <a:buFontTx/>
+                        <a:buNone/>
+                      </a:pPr>
+                      <a:r>
+                        <a:rPr lang="fr-FR" dirty="0"/>
+                        <a:t>       attente de sra5 complémentaire</a:t>
+                      </a:r>
                     </a:p>
                   </a:txBody>
                   <a:tcPr/>
@@ -5396,44 +5935,20 @@
                     <a:p>
                       <a:pPr algn="l"/>
                       <a:r>
+                        <a:rPr lang="fr-FR" dirty="0" err="1"/>
+                        <a:t>sra</a:t>
+                      </a:r>
+                      <a:r>
                         <a:rPr lang="fr-FR" dirty="0"/>
-                        <a:t>Palette = clic position</a:t>
+                        <a:t> = couleur &amp;&amp; liste objets sélectionnés &gt; 1</a:t>
                       </a:r>
                     </a:p>
                     <a:p>
                       <a:pPr algn="l"/>
                       <a:r>
-                        <a:rPr lang="fr-FR"/>
-                        <a:t>Remplir command</a:t>
+                        <a:rPr lang="fr-FR" dirty="0"/>
+                        <a:t>remplir objet sélectionné</a:t>
                       </a:r>
-                      <a:endParaRPr lang="fr-FR" dirty="0"/>
-                    </a:p>
-                    <a:p>
-                      <a:pPr algn="l"/>
-                      <a:r>
-                        <a:rPr lang="fr-FR" dirty="0"/>
-                        <a:t>if(</a:t>
-                      </a:r>
-                      <a:r>
-                        <a:rPr lang="fr-FR" dirty="0" err="1"/>
-                        <a:t>comp</a:t>
-                      </a:r>
-                      <a:r>
-                        <a:rPr lang="fr-FR" dirty="0"/>
-                        <a:t>){E1} </a:t>
-                      </a:r>
-                      <a:r>
-                        <a:rPr lang="fr-FR" dirty="0" err="1"/>
-                        <a:t>else</a:t>
-                      </a:r>
-                      <a:r>
-                        <a:rPr lang="fr-FR" dirty="0"/>
-                        <a:t> {E0}</a:t>
-                      </a:r>
-                    </a:p>
-                    <a:p>
-                      <a:pPr algn="l"/>
-                      <a:endParaRPr lang="fr-FR" dirty="0"/>
                     </a:p>
                   </a:txBody>
                   <a:tcPr/>
@@ -5484,7 +5999,7 @@
                   </a:ext>
                 </a:extLst>
               </a:tr>
-              <a:tr h="1414528">
+              <a:tr h="1014577">
                 <a:tc>
                   <a:txBody>
                     <a:bodyPr/>
@@ -5518,47 +6033,6 @@
                     <a:bodyPr/>
                     <a:lstStyle/>
                     <a:p>
-                      <a:pPr algn="l"/>
-                      <a:r>
-                        <a:rPr lang="fr-FR" dirty="0" err="1"/>
-                        <a:t>sra</a:t>
-                      </a:r>
-                      <a:r>
-                        <a:rPr lang="fr-FR" dirty="0"/>
-                        <a:t> = position | couleur objet existant</a:t>
-                      </a:r>
-                    </a:p>
-                    <a:p>
-                      <a:pPr algn="l"/>
-                      <a:r>
-                        <a:rPr lang="fr-FR" dirty="0"/>
-                        <a:t>Remplir command</a:t>
-                      </a:r>
-                    </a:p>
-                    <a:p>
-                      <a:pPr algn="l"/>
-                      <a:r>
-                        <a:rPr lang="fr-FR" dirty="0"/>
-                        <a:t>if(</a:t>
-                      </a:r>
-                      <a:r>
-                        <a:rPr lang="fr-FR" dirty="0" err="1"/>
-                        <a:t>comp</a:t>
-                      </a:r>
-                      <a:r>
-                        <a:rPr lang="fr-FR" dirty="0"/>
-                        <a:t>){E1} </a:t>
-                      </a:r>
-                      <a:r>
-                        <a:rPr lang="fr-FR" dirty="0" err="1"/>
-                        <a:t>else</a:t>
-                      </a:r>
-                      <a:r>
-                        <a:rPr lang="fr-FR" dirty="0"/>
-                        <a:t> {E0}</a:t>
-                      </a:r>
-                    </a:p>
-                    <a:p>
                       <a:pPr algn="ctr"/>
                       <a:endParaRPr lang="fr-FR" dirty="0"/>
                     </a:p>
@@ -5570,8 +6044,19 @@
                     <a:bodyPr/>
                     <a:lstStyle/>
                     <a:p>
-                      <a:pPr algn="ctr"/>
+                      <a:pPr algn="l"/>
+                      <a:r>
+                        <a:rPr lang="fr-FR" dirty="0" err="1"/>
+                        <a:t>comp</a:t>
+                      </a:r>
                       <a:endParaRPr lang="fr-FR" dirty="0"/>
+                    </a:p>
+                    <a:p>
+                      <a:pPr algn="l"/>
+                      <a:r>
+                        <a:rPr lang="fr-FR" dirty="0"/>
+                        <a:t>A1</a:t>
+                      </a:r>
                     </a:p>
                   </a:txBody>
                   <a:tcPr/>
@@ -5921,4 +6406,299 @@
     </a:ext>
   </a:extLst>
 </a:theme>
+</file>
+
+<file path=ppt/theme/theme2.xml><?xml version="1.0" encoding="utf-8"?>
+<a:theme xmlns:a="http://schemas.openxmlformats.org/drawingml/2006/main" name="Thème Office">
+  <a:themeElements>
+    <a:clrScheme name="Office">
+      <a:dk1>
+        <a:sysClr val="windowText" lastClr="000000"/>
+      </a:dk1>
+      <a:lt1>
+        <a:sysClr val="window" lastClr="FFFFFF"/>
+      </a:lt1>
+      <a:dk2>
+        <a:srgbClr val="44546A"/>
+      </a:dk2>
+      <a:lt2>
+        <a:srgbClr val="E7E6E6"/>
+      </a:lt2>
+      <a:accent1>
+        <a:srgbClr val="4472C4"/>
+      </a:accent1>
+      <a:accent2>
+        <a:srgbClr val="ED7D31"/>
+      </a:accent2>
+      <a:accent3>
+        <a:srgbClr val="A5A5A5"/>
+      </a:accent3>
+      <a:accent4>
+        <a:srgbClr val="FFC000"/>
+      </a:accent4>
+      <a:accent5>
+        <a:srgbClr val="5B9BD5"/>
+      </a:accent5>
+      <a:accent6>
+        <a:srgbClr val="70AD47"/>
+      </a:accent6>
+      <a:hlink>
+        <a:srgbClr val="0563C1"/>
+      </a:hlink>
+      <a:folHlink>
+        <a:srgbClr val="954F72"/>
+      </a:folHlink>
+    </a:clrScheme>
+    <a:fontScheme name="Office">
+      <a:majorFont>
+        <a:latin typeface="Calibri Light" panose="020F0302020204030204"/>
+        <a:ea typeface=""/>
+        <a:cs typeface=""/>
+        <a:font script="Jpan" typeface="游ゴシック Light"/>
+        <a:font script="Hang" typeface="맑은 고딕"/>
+        <a:font script="Hans" typeface="等线 Light"/>
+        <a:font script="Hant" typeface="新細明體"/>
+        <a:font script="Arab" typeface="Times New Roman"/>
+        <a:font script="Hebr" typeface="Times New Roman"/>
+        <a:font script="Thai" typeface="Angsana New"/>
+        <a:font script="Ethi" typeface="Nyala"/>
+        <a:font script="Beng" typeface="Vrinda"/>
+        <a:font script="Gujr" typeface="Shruti"/>
+        <a:font script="Khmr" typeface="MoolBoran"/>
+        <a:font script="Knda" typeface="Tunga"/>
+        <a:font script="Guru" typeface="Raavi"/>
+        <a:font script="Cans" typeface="Euphemia"/>
+        <a:font script="Cher" typeface="Plantagenet Cherokee"/>
+        <a:font script="Yiii" typeface="Microsoft Yi Baiti"/>
+        <a:font script="Tibt" typeface="Microsoft Himalaya"/>
+        <a:font script="Thaa" typeface="MV Boli"/>
+        <a:font script="Deva" typeface="Mangal"/>
+        <a:font script="Telu" typeface="Gautami"/>
+        <a:font script="Taml" typeface="Latha"/>
+        <a:font script="Syrc" typeface="Estrangelo Edessa"/>
+        <a:font script="Orya" typeface="Kalinga"/>
+        <a:font script="Mlym" typeface="Kartika"/>
+        <a:font script="Laoo" typeface="DokChampa"/>
+        <a:font script="Sinh" typeface="Iskoola Pota"/>
+        <a:font script="Mong" typeface="Mongolian Baiti"/>
+        <a:font script="Viet" typeface="Times New Roman"/>
+        <a:font script="Uigh" typeface="Microsoft Uighur"/>
+        <a:font script="Geor" typeface="Sylfaen"/>
+        <a:font script="Armn" typeface="Arial"/>
+        <a:font script="Bugi" typeface="Leelawadee UI"/>
+        <a:font script="Bopo" typeface="Microsoft JhengHei"/>
+        <a:font script="Java" typeface="Javanese Text"/>
+        <a:font script="Lisu" typeface="Segoe UI"/>
+        <a:font script="Mymr" typeface="Myanmar Text"/>
+        <a:font script="Nkoo" typeface="Ebrima"/>
+        <a:font script="Olck" typeface="Nirmala UI"/>
+        <a:font script="Osma" typeface="Ebrima"/>
+        <a:font script="Phag" typeface="Phagspa"/>
+        <a:font script="Syrn" typeface="Estrangelo Edessa"/>
+        <a:font script="Syrj" typeface="Estrangelo Edessa"/>
+        <a:font script="Syre" typeface="Estrangelo Edessa"/>
+        <a:font script="Sora" typeface="Nirmala UI"/>
+        <a:font script="Tale" typeface="Microsoft Tai Le"/>
+        <a:font script="Talu" typeface="Microsoft New Tai Lue"/>
+        <a:font script="Tfng" typeface="Ebrima"/>
+      </a:majorFont>
+      <a:minorFont>
+        <a:latin typeface="Calibri" panose="020F0502020204030204"/>
+        <a:ea typeface=""/>
+        <a:cs typeface=""/>
+        <a:font script="Jpan" typeface="游ゴシック"/>
+        <a:font script="Hang" typeface="맑은 고딕"/>
+        <a:font script="Hans" typeface="等线"/>
+        <a:font script="Hant" typeface="新細明體"/>
+        <a:font script="Arab" typeface="Arial"/>
+        <a:font script="Hebr" typeface="Arial"/>
+        <a:font script="Thai" typeface="Cordia New"/>
+        <a:font script="Ethi" typeface="Nyala"/>
+        <a:font script="Beng" typeface="Vrinda"/>
+        <a:font script="Gujr" typeface="Shruti"/>
+        <a:font script="Khmr" typeface="DaunPenh"/>
+        <a:font script="Knda" typeface="Tunga"/>
+        <a:font script="Guru" typeface="Raavi"/>
+        <a:font script="Cans" typeface="Euphemia"/>
+        <a:font script="Cher" typeface="Plantagenet Cherokee"/>
+        <a:font script="Yiii" typeface="Microsoft Yi Baiti"/>
+        <a:font script="Tibt" typeface="Microsoft Himalaya"/>
+        <a:font script="Thaa" typeface="MV Boli"/>
+        <a:font script="Deva" typeface="Mangal"/>
+        <a:font script="Telu" typeface="Gautami"/>
+        <a:font script="Taml" typeface="Latha"/>
+        <a:font script="Syrc" typeface="Estrangelo Edessa"/>
+        <a:font script="Orya" typeface="Kalinga"/>
+        <a:font script="Mlym" typeface="Kartika"/>
+        <a:font script="Laoo" typeface="DokChampa"/>
+        <a:font script="Sinh" typeface="Iskoola Pota"/>
+        <a:font script="Mong" typeface="Mongolian Baiti"/>
+        <a:font script="Viet" typeface="Arial"/>
+        <a:font script="Uigh" typeface="Microsoft Uighur"/>
+        <a:font script="Geor" typeface="Sylfaen"/>
+        <a:font script="Armn" typeface="Arial"/>
+        <a:font script="Bugi" typeface="Leelawadee UI"/>
+        <a:font script="Bopo" typeface="Microsoft JhengHei"/>
+        <a:font script="Java" typeface="Javanese Text"/>
+        <a:font script="Lisu" typeface="Segoe UI"/>
+        <a:font script="Mymr" typeface="Myanmar Text"/>
+        <a:font script="Nkoo" typeface="Ebrima"/>
+        <a:font script="Olck" typeface="Nirmala UI"/>
+        <a:font script="Osma" typeface="Ebrima"/>
+        <a:font script="Phag" typeface="Phagspa"/>
+        <a:font script="Syrn" typeface="Estrangelo Edessa"/>
+        <a:font script="Syrj" typeface="Estrangelo Edessa"/>
+        <a:font script="Syre" typeface="Estrangelo Edessa"/>
+        <a:font script="Sora" typeface="Nirmala UI"/>
+        <a:font script="Tale" typeface="Microsoft Tai Le"/>
+        <a:font script="Talu" typeface="Microsoft New Tai Lue"/>
+        <a:font script="Tfng" typeface="Ebrima"/>
+      </a:minorFont>
+    </a:fontScheme>
+    <a:fmtScheme name="Office">
+      <a:fillStyleLst>
+        <a:solidFill>
+          <a:schemeClr val="phClr"/>
+        </a:solidFill>
+        <a:gradFill rotWithShape="1">
+          <a:gsLst>
+            <a:gs pos="0">
+              <a:schemeClr val="phClr">
+                <a:lumMod val="110000"/>
+                <a:satMod val="105000"/>
+                <a:tint val="67000"/>
+              </a:schemeClr>
+            </a:gs>
+            <a:gs pos="50000">
+              <a:schemeClr val="phClr">
+                <a:lumMod val="105000"/>
+                <a:satMod val="103000"/>
+                <a:tint val="73000"/>
+              </a:schemeClr>
+            </a:gs>
+            <a:gs pos="100000">
+              <a:schemeClr val="phClr">
+                <a:lumMod val="105000"/>
+                <a:satMod val="109000"/>
+                <a:tint val="81000"/>
+              </a:schemeClr>
+            </a:gs>
+          </a:gsLst>
+          <a:lin ang="5400000" scaled="0"/>
+        </a:gradFill>
+        <a:gradFill rotWithShape="1">
+          <a:gsLst>
+            <a:gs pos="0">
+              <a:schemeClr val="phClr">
+                <a:satMod val="103000"/>
+                <a:lumMod val="102000"/>
+                <a:tint val="94000"/>
+              </a:schemeClr>
+            </a:gs>
+            <a:gs pos="50000">
+              <a:schemeClr val="phClr">
+                <a:satMod val="110000"/>
+                <a:lumMod val="100000"/>
+                <a:shade val="100000"/>
+              </a:schemeClr>
+            </a:gs>
+            <a:gs pos="100000">
+              <a:schemeClr val="phClr">
+                <a:lumMod val="99000"/>
+                <a:satMod val="120000"/>
+                <a:shade val="78000"/>
+              </a:schemeClr>
+            </a:gs>
+          </a:gsLst>
+          <a:lin ang="5400000" scaled="0"/>
+        </a:gradFill>
+      </a:fillStyleLst>
+      <a:lnStyleLst>
+        <a:ln w="6350" cap="flat" cmpd="sng" algn="ctr">
+          <a:solidFill>
+            <a:schemeClr val="phClr"/>
+          </a:solidFill>
+          <a:prstDash val="solid"/>
+          <a:miter lim="800000"/>
+        </a:ln>
+        <a:ln w="12700" cap="flat" cmpd="sng" algn="ctr">
+          <a:solidFill>
+            <a:schemeClr val="phClr"/>
+          </a:solidFill>
+          <a:prstDash val="solid"/>
+          <a:miter lim="800000"/>
+        </a:ln>
+        <a:ln w="19050" cap="flat" cmpd="sng" algn="ctr">
+          <a:solidFill>
+            <a:schemeClr val="phClr"/>
+          </a:solidFill>
+          <a:prstDash val="solid"/>
+          <a:miter lim="800000"/>
+        </a:ln>
+      </a:lnStyleLst>
+      <a:effectStyleLst>
+        <a:effectStyle>
+          <a:effectLst/>
+        </a:effectStyle>
+        <a:effectStyle>
+          <a:effectLst/>
+        </a:effectStyle>
+        <a:effectStyle>
+          <a:effectLst>
+            <a:outerShdw blurRad="57150" dist="19050" dir="5400000" algn="ctr" rotWithShape="0">
+              <a:srgbClr val="000000">
+                <a:alpha val="63000"/>
+              </a:srgbClr>
+            </a:outerShdw>
+          </a:effectLst>
+        </a:effectStyle>
+      </a:effectStyleLst>
+      <a:bgFillStyleLst>
+        <a:solidFill>
+          <a:schemeClr val="phClr"/>
+        </a:solidFill>
+        <a:solidFill>
+          <a:schemeClr val="phClr">
+            <a:tint val="95000"/>
+            <a:satMod val="170000"/>
+          </a:schemeClr>
+        </a:solidFill>
+        <a:gradFill rotWithShape="1">
+          <a:gsLst>
+            <a:gs pos="0">
+              <a:schemeClr val="phClr">
+                <a:tint val="93000"/>
+                <a:satMod val="150000"/>
+                <a:shade val="98000"/>
+                <a:lumMod val="102000"/>
+              </a:schemeClr>
+            </a:gs>
+            <a:gs pos="50000">
+              <a:schemeClr val="phClr">
+                <a:tint val="98000"/>
+                <a:satMod val="130000"/>
+                <a:shade val="90000"/>
+                <a:lumMod val="103000"/>
+              </a:schemeClr>
+            </a:gs>
+            <a:gs pos="100000">
+              <a:schemeClr val="phClr">
+                <a:shade val="63000"/>
+                <a:satMod val="120000"/>
+              </a:schemeClr>
+            </a:gs>
+          </a:gsLst>
+          <a:lin ang="5400000" scaled="0"/>
+        </a:gradFill>
+      </a:bgFillStyleLst>
+    </a:fmtScheme>
+  </a:themeElements>
+  <a:objectDefaults/>
+  <a:extraClrSchemeLst/>
+  <a:extLst>
+    <a:ext uri="{05A4C25C-085E-4340-85A3-A5531E510DB2}">
+      <thm15:themeFamily xmlns:thm15="http://schemas.microsoft.com/office/thememl/2012/main" name="Office Theme" id="{62F939B6-93AF-4DB8-9C6B-D6C7DFDC589F}" vid="{4A3C46E8-61CC-4603-A589-7422A47A8E4A}"/>
+    </a:ext>
+  </a:extLst>
+</a:theme>
 </file>